--- a/Knowledge Discovery Game.pptx
+++ b/Knowledge Discovery Game.pptx
@@ -5,7 +5,7 @@
     <p:sldMasterId id="2147483660" r:id="rId1"/>
   </p:sldMasterIdLst>
   <p:notesMasterIdLst>
-    <p:notesMasterId r:id="rId24"/>
+    <p:notesMasterId r:id="rId23"/>
   </p:notesMasterIdLst>
   <p:sldIdLst>
     <p:sldId id="256" r:id="rId2"/>
@@ -24,12 +24,11 @@
     <p:sldId id="447" r:id="rId15"/>
     <p:sldId id="444" r:id="rId16"/>
     <p:sldId id="938" r:id="rId17"/>
-    <p:sldId id="939" r:id="rId18"/>
-    <p:sldId id="940" r:id="rId19"/>
-    <p:sldId id="400" r:id="rId20"/>
-    <p:sldId id="401" r:id="rId21"/>
-    <p:sldId id="469" r:id="rId22"/>
-    <p:sldId id="409" r:id="rId23"/>
+    <p:sldId id="940" r:id="rId18"/>
+    <p:sldId id="400" r:id="rId19"/>
+    <p:sldId id="401" r:id="rId20"/>
+    <p:sldId id="469" r:id="rId21"/>
+    <p:sldId id="409" r:id="rId22"/>
   </p:sldIdLst>
   <p:sldSz cx="12192000" cy="6858000"/>
   <p:notesSz cx="6858000" cy="9144000"/>
@@ -153,7 +152,6 @@
           <p14:sldIdLst>
             <p14:sldId id="444"/>
             <p14:sldId id="938"/>
-            <p14:sldId id="939"/>
             <p14:sldId id="940"/>
           </p14:sldIdLst>
         </p14:section>
@@ -256,7 +254,7 @@
           <a:p>
             <a:fld id="{F7631030-5E3A-9A4F-9303-8C792B0FA705}" type="datetimeFigureOut">
               <a:rPr lang="en-US" smtClean="0"/>
-              <a:t>12/3/22</a:t>
+              <a:t>12/4/22</a:t>
             </a:fld>
             <a:endParaRPr lang="en-US"/>
           </a:p>
@@ -957,7 +955,7 @@
     </p:spTree>
     <p:extLst>
       <p:ext uri="{BB962C8B-B14F-4D97-AF65-F5344CB8AC3E}">
-        <p14:creationId xmlns:p14="http://schemas.microsoft.com/office/powerpoint/2010/main" val="3127008092"/>
+        <p14:creationId xmlns:p14="http://schemas.microsoft.com/office/powerpoint/2010/main" val="174680975"/>
       </p:ext>
     </p:extLst>
   </p:cSld>
@@ -1011,7 +1009,36 @@
           <a:bodyPr/>
           <a:lstStyle/>
           <a:p>
-            <a:endParaRPr lang="bg-BG" dirty="0"/>
+            <a:r>
+              <a:rPr lang="en-GB" dirty="0">
+                <a:effectLst/>
+              </a:rPr>
+              <a:t>https://</a:t>
+            </a:r>
+            <a:r>
+              <a:rPr lang="en-GB" dirty="0" err="1">
+                <a:effectLst/>
+              </a:rPr>
+              <a:t>www.youtube.com</a:t>
+            </a:r>
+            <a:r>
+              <a:rPr lang="en-GB" dirty="0">
+                <a:effectLst/>
+              </a:rPr>
+              <a:t>/</a:t>
+            </a:r>
+            <a:r>
+              <a:rPr lang="en-GB" dirty="0" err="1">
+                <a:effectLst/>
+              </a:rPr>
+              <a:t>watch?v</a:t>
+            </a:r>
+            <a:r>
+              <a:rPr lang="en-GB" dirty="0">
+                <a:effectLst/>
+              </a:rPr>
+              <a:t>=OqEeIG8aPPk</a:t>
+            </a:r>
           </a:p>
         </p:txBody>
       </p:sp>
@@ -1032,7 +1059,7 @@
           <a:p>
             <a:fld id="{4FA2A6E7-4331-A049-85E7-D77B672CDE97}" type="slidenum">
               <a:rPr lang="en-US" smtClean="0"/>
-              <a:t>18</a:t>
+              <a:t>19</a:t>
             </a:fld>
             <a:endParaRPr lang="en-US"/>
           </a:p>
@@ -1041,7 +1068,7 @@
     </p:spTree>
     <p:extLst>
       <p:ext uri="{BB962C8B-B14F-4D97-AF65-F5344CB8AC3E}">
-        <p14:creationId xmlns:p14="http://schemas.microsoft.com/office/powerpoint/2010/main" val="174680975"/>
+        <p14:creationId xmlns:p14="http://schemas.microsoft.com/office/powerpoint/2010/main" val="554643933"/>
       </p:ext>
     </p:extLst>
   </p:cSld>
@@ -1095,36 +1122,9 @@
           <a:bodyPr/>
           <a:lstStyle/>
           <a:p>
-            <a:r>
-              <a:rPr lang="en-GB" dirty="0">
-                <a:effectLst/>
-              </a:rPr>
-              <a:t>https://</a:t>
-            </a:r>
-            <a:r>
-              <a:rPr lang="en-GB" dirty="0" err="1">
-                <a:effectLst/>
-              </a:rPr>
-              <a:t>www.youtube.com</a:t>
-            </a:r>
-            <a:r>
-              <a:rPr lang="en-GB" dirty="0">
-                <a:effectLst/>
-              </a:rPr>
-              <a:t>/</a:t>
-            </a:r>
-            <a:r>
-              <a:rPr lang="en-GB" dirty="0" err="1">
-                <a:effectLst/>
-              </a:rPr>
-              <a:t>watch?v</a:t>
-            </a:r>
-            <a:r>
-              <a:rPr lang="en-GB" dirty="0">
-                <a:effectLst/>
-              </a:rPr>
-              <a:t>=OqEeIG8aPPk</a:t>
-            </a:r>
+            <a:endParaRPr lang="en-GB" dirty="0">
+              <a:effectLst/>
+            </a:endParaRPr>
           </a:p>
         </p:txBody>
       </p:sp>
@@ -1146,92 +1146,6 @@
             <a:fld id="{4FA2A6E7-4331-A049-85E7-D77B672CDE97}" type="slidenum">
               <a:rPr lang="en-US" smtClean="0"/>
               <a:t>20</a:t>
-            </a:fld>
-            <a:endParaRPr lang="en-US"/>
-          </a:p>
-        </p:txBody>
-      </p:sp>
-    </p:spTree>
-    <p:extLst>
-      <p:ext uri="{BB962C8B-B14F-4D97-AF65-F5344CB8AC3E}">
-        <p14:creationId xmlns:p14="http://schemas.microsoft.com/office/powerpoint/2010/main" val="554643933"/>
-      </p:ext>
-    </p:extLst>
-  </p:cSld>
-  <p:clrMapOvr>
-    <a:masterClrMapping/>
-  </p:clrMapOvr>
-</p:notes>
-</file>
-
-<file path=ppt/notesSlides/notesSlide8.xml><?xml version="1.0" encoding="utf-8"?>
-<p:notes xmlns:a="http://schemas.openxmlformats.org/drawingml/2006/main" xmlns:r="http://schemas.openxmlformats.org/officeDocument/2006/relationships" xmlns:p="http://schemas.openxmlformats.org/presentationml/2006/main">
-  <p:cSld>
-    <p:spTree>
-      <p:nvGrpSpPr>
-        <p:cNvPr id="1" name=""/>
-        <p:cNvGrpSpPr/>
-        <p:nvPr/>
-      </p:nvGrpSpPr>
-      <p:grpSpPr>
-        <a:xfrm>
-          <a:off x="0" y="0"/>
-          <a:ext cx="0" cy="0"/>
-          <a:chOff x="0" y="0"/>
-          <a:chExt cx="0" cy="0"/>
-        </a:xfrm>
-      </p:grpSpPr>
-      <p:sp>
-        <p:nvSpPr>
-          <p:cNvPr id="2" name="Slide Image Placeholder 1"/>
-          <p:cNvSpPr>
-            <a:spLocks noGrp="1" noRot="1" noChangeAspect="1"/>
-          </p:cNvSpPr>
-          <p:nvPr>
-            <p:ph type="sldImg"/>
-          </p:nvPr>
-        </p:nvSpPr>
-        <p:spPr/>
-      </p:sp>
-      <p:sp>
-        <p:nvSpPr>
-          <p:cNvPr id="3" name="Notes Placeholder 2"/>
-          <p:cNvSpPr>
-            <a:spLocks noGrp="1"/>
-          </p:cNvSpPr>
-          <p:nvPr>
-            <p:ph type="body" idx="1"/>
-          </p:nvPr>
-        </p:nvSpPr>
-        <p:spPr/>
-        <p:txBody>
-          <a:bodyPr/>
-          <a:lstStyle/>
-          <a:p>
-            <a:endParaRPr lang="en-GB" dirty="0">
-              <a:effectLst/>
-            </a:endParaRPr>
-          </a:p>
-        </p:txBody>
-      </p:sp>
-      <p:sp>
-        <p:nvSpPr>
-          <p:cNvPr id="4" name="Slide Number Placeholder 3"/>
-          <p:cNvSpPr>
-            <a:spLocks noGrp="1"/>
-          </p:cNvSpPr>
-          <p:nvPr>
-            <p:ph type="sldNum" sz="quarter" idx="10"/>
-          </p:nvPr>
-        </p:nvSpPr>
-        <p:spPr/>
-        <p:txBody>
-          <a:bodyPr/>
-          <a:lstStyle/>
-          <a:p>
-            <a:fld id="{4FA2A6E7-4331-A049-85E7-D77B672CDE97}" type="slidenum">
-              <a:rPr lang="en-US" smtClean="0"/>
-              <a:t>21</a:t>
             </a:fld>
             <a:endParaRPr lang="en-US"/>
           </a:p>
@@ -1429,7 +1343,7 @@
           <a:p>
             <a:fld id="{C4DFAC79-E610-E644-9EFE-91971AFD3B94}" type="datetimeFigureOut">
               <a:rPr lang="en-US" smtClean="0"/>
-              <a:t>12/3/22</a:t>
+              <a:t>12/4/22</a:t>
             </a:fld>
             <a:endParaRPr lang="en-US"/>
           </a:p>
@@ -1592,7 +1506,7 @@
           <a:p>
             <a:fld id="{C4DFAC79-E610-E644-9EFE-91971AFD3B94}" type="datetimeFigureOut">
               <a:rPr lang="en-US" smtClean="0"/>
-              <a:t>12/3/22</a:t>
+              <a:t>12/4/22</a:t>
             </a:fld>
             <a:endParaRPr lang="en-US"/>
           </a:p>
@@ -1765,7 +1679,7 @@
           <a:p>
             <a:fld id="{C4DFAC79-E610-E644-9EFE-91971AFD3B94}" type="datetimeFigureOut">
               <a:rPr lang="en-US" smtClean="0"/>
-              <a:t>12/3/22</a:t>
+              <a:t>12/4/22</a:t>
             </a:fld>
             <a:endParaRPr lang="en-US"/>
           </a:p>
@@ -2798,7 +2712,7 @@
           <a:p>
             <a:fld id="{C4DFAC79-E610-E644-9EFE-91971AFD3B94}" type="datetimeFigureOut">
               <a:rPr lang="en-US" smtClean="0"/>
-              <a:t>12/3/22</a:t>
+              <a:t>12/4/22</a:t>
             </a:fld>
             <a:endParaRPr lang="en-US"/>
           </a:p>
@@ -3038,7 +2952,7 @@
           <a:p>
             <a:fld id="{C4DFAC79-E610-E644-9EFE-91971AFD3B94}" type="datetimeFigureOut">
               <a:rPr lang="en-US" smtClean="0"/>
-              <a:t>12/3/22</a:t>
+              <a:t>12/4/22</a:t>
             </a:fld>
             <a:endParaRPr lang="en-US"/>
           </a:p>
@@ -3318,7 +3232,7 @@
           <a:p>
             <a:fld id="{C4DFAC79-E610-E644-9EFE-91971AFD3B94}" type="datetimeFigureOut">
               <a:rPr lang="en-US" smtClean="0"/>
-              <a:t>12/3/22</a:t>
+              <a:t>12/4/22</a:t>
             </a:fld>
             <a:endParaRPr lang="en-US"/>
           </a:p>
@@ -3709,7 +3623,7 @@
           <a:p>
             <a:fld id="{C4DFAC79-E610-E644-9EFE-91971AFD3B94}" type="datetimeFigureOut">
               <a:rPr lang="en-US" smtClean="0"/>
-              <a:t>12/3/22</a:t>
+              <a:t>12/4/22</a:t>
             </a:fld>
             <a:endParaRPr lang="en-US"/>
           </a:p>
@@ -3821,7 +3735,7 @@
           <a:p>
             <a:fld id="{C4DFAC79-E610-E644-9EFE-91971AFD3B94}" type="datetimeFigureOut">
               <a:rPr lang="en-US" smtClean="0"/>
-              <a:t>12/3/22</a:t>
+              <a:t>12/4/22</a:t>
             </a:fld>
             <a:endParaRPr lang="en-US"/>
           </a:p>
@@ -3911,7 +3825,7 @@
           <a:p>
             <a:fld id="{C4DFAC79-E610-E644-9EFE-91971AFD3B94}" type="datetimeFigureOut">
               <a:rPr lang="en-US" smtClean="0"/>
-              <a:t>12/3/22</a:t>
+              <a:t>12/4/22</a:t>
             </a:fld>
             <a:endParaRPr lang="en-US"/>
           </a:p>
@@ -4181,7 +4095,7 @@
           <a:p>
             <a:fld id="{C4DFAC79-E610-E644-9EFE-91971AFD3B94}" type="datetimeFigureOut">
               <a:rPr lang="en-US" smtClean="0"/>
-              <a:t>12/3/22</a:t>
+              <a:t>12/4/22</a:t>
             </a:fld>
             <a:endParaRPr lang="en-US"/>
           </a:p>
@@ -4428,7 +4342,7 @@
           <a:p>
             <a:fld id="{C4DFAC79-E610-E644-9EFE-91971AFD3B94}" type="datetimeFigureOut">
               <a:rPr lang="en-US" smtClean="0"/>
-              <a:t>12/3/22</a:t>
+              <a:t>12/4/22</a:t>
             </a:fld>
             <a:endParaRPr lang="en-US"/>
           </a:p>
@@ -4634,7 +4548,7 @@
           <a:p>
             <a:fld id="{C4DFAC79-E610-E644-9EFE-91971AFD3B94}" type="datetimeFigureOut">
               <a:rPr lang="en-US" smtClean="0"/>
-              <a:t>12/3/22</a:t>
+              <a:t>12/4/22</a:t>
             </a:fld>
             <a:endParaRPr lang="en-US"/>
           </a:p>
@@ -9532,7 +9446,7 @@
           <a:lstStyle/>
           <a:p>
             <a:r>
-              <a:rPr lang="en-US" dirty="0"/>
+              <a:rPr lang="en-US"/>
               <a:t>Period 3</a:t>
             </a:r>
             <a:endParaRPr lang="bg-BG" dirty="0"/>
@@ -9554,996 +9468,7 @@
           <p:nvPr>
             <p:extLst>
               <p:ext uri="{D42A27DB-BD31-4B8C-83A1-F6EECF244321}">
-                <p14:modId xmlns:p14="http://schemas.microsoft.com/office/powerpoint/2010/main" val="3269891246"/>
-              </p:ext>
-            </p:extLst>
-          </p:nvPr>
-        </p:nvGraphicFramePr>
-        <p:xfrm>
-          <a:off x="1120800" y="1599300"/>
-          <a:ext cx="9950400" cy="3888000"/>
-        </p:xfrm>
-        <a:graphic>
-          <a:graphicData uri="http://schemas.openxmlformats.org/drawingml/2006/table">
-            <a:tbl>
-              <a:tblPr firstRow="1" bandRow="1">
-                <a:tableStyleId>{46F890A9-2807-4EBB-B81D-B2AA78EC7F39}</a:tableStyleId>
-              </a:tblPr>
-              <a:tblGrid>
-                <a:gridCol w="2487600">
-                  <a:extLst>
-                    <a:ext uri="{9D8B030D-6E8A-4147-A177-3AD203B41FA5}">
-                      <a16:colId xmlns:a16="http://schemas.microsoft.com/office/drawing/2014/main" val="1735661247"/>
-                    </a:ext>
-                  </a:extLst>
-                </a:gridCol>
-                <a:gridCol w="2487600">
-                  <a:extLst>
-                    <a:ext uri="{9D8B030D-6E8A-4147-A177-3AD203B41FA5}">
-                      <a16:colId xmlns:a16="http://schemas.microsoft.com/office/drawing/2014/main" val="2263571247"/>
-                    </a:ext>
-                  </a:extLst>
-                </a:gridCol>
-                <a:gridCol w="2487600">
-                  <a:extLst>
-                    <a:ext uri="{9D8B030D-6E8A-4147-A177-3AD203B41FA5}">
-                      <a16:colId xmlns:a16="http://schemas.microsoft.com/office/drawing/2014/main" val="3454672808"/>
-                    </a:ext>
-                  </a:extLst>
-                </a:gridCol>
-                <a:gridCol w="2487600">
-                  <a:extLst>
-                    <a:ext uri="{9D8B030D-6E8A-4147-A177-3AD203B41FA5}">
-                      <a16:colId xmlns:a16="http://schemas.microsoft.com/office/drawing/2014/main" val="1150269025"/>
-                    </a:ext>
-                  </a:extLst>
-                </a:gridCol>
-              </a:tblGrid>
-              <a:tr h="972000">
-                <a:tc gridSpan="2">
-                  <a:txBody>
-                    <a:bodyPr/>
-                    <a:lstStyle/>
-                    <a:p>
-                      <a:pPr algn="ctr"/>
-                      <a:r>
-                        <a:rPr lang="en-GB" sz="2800" dirty="0">
-                          <a:solidFill>
-                            <a:schemeClr val="tx1"/>
-                          </a:solidFill>
-                        </a:rPr>
-                        <a:t>Existing knowledge</a:t>
-                      </a:r>
-                      <a:endParaRPr lang="en-BG" sz="2800" dirty="0">
-                        <a:solidFill>
-                          <a:schemeClr val="tx1"/>
-                        </a:solidFill>
-                      </a:endParaRPr>
-                    </a:p>
-                  </a:txBody>
-                  <a:tcPr anchor="ctr">
-                    <a:lnL w="12700" cap="flat" cmpd="sng" algn="ctr">
-                      <a:solidFill>
-                        <a:schemeClr val="tx1"/>
-                      </a:solidFill>
-                      <a:prstDash val="solid"/>
-                      <a:round/>
-                      <a:headEnd type="none" w="med" len="med"/>
-                      <a:tailEnd type="none" w="med" len="med"/>
-                    </a:lnL>
-                    <a:lnR w="12700" cap="flat" cmpd="sng" algn="ctr">
-                      <a:solidFill>
-                        <a:schemeClr val="tx1"/>
-                      </a:solidFill>
-                      <a:prstDash val="solid"/>
-                      <a:round/>
-                      <a:headEnd type="none" w="med" len="med"/>
-                      <a:tailEnd type="none" w="med" len="med"/>
-                    </a:lnR>
-                    <a:lnT w="12700" cap="flat" cmpd="sng" algn="ctr">
-                      <a:solidFill>
-                        <a:schemeClr val="tx1"/>
-                      </a:solidFill>
-                      <a:prstDash val="solid"/>
-                      <a:round/>
-                      <a:headEnd type="none" w="med" len="med"/>
-                      <a:tailEnd type="none" w="med" len="med"/>
-                    </a:lnT>
-                    <a:lnB w="12700" cap="flat" cmpd="sng" algn="ctr">
-                      <a:solidFill>
-                        <a:schemeClr val="tx1"/>
-                      </a:solidFill>
-                      <a:prstDash val="solid"/>
-                      <a:round/>
-                      <a:headEnd type="none" w="med" len="med"/>
-                      <a:tailEnd type="none" w="med" len="med"/>
-                    </a:lnB>
-                    <a:noFill/>
-                  </a:tcPr>
-                </a:tc>
-                <a:tc hMerge="1">
-                  <a:txBody>
-                    <a:bodyPr/>
-                    <a:lstStyle/>
-                    <a:p>
-                      <a:endParaRPr lang="en-BG"/>
-                    </a:p>
-                  </a:txBody>
-                  <a:tcPr/>
-                </a:tc>
-                <a:tc gridSpan="2">
-                  <a:txBody>
-                    <a:bodyPr/>
-                    <a:lstStyle/>
-                    <a:p>
-                      <a:pPr algn="ctr"/>
-                      <a:r>
-                        <a:rPr lang="en-GB" sz="2800" dirty="0">
-                          <a:solidFill>
-                            <a:schemeClr val="tx1"/>
-                          </a:solidFill>
-                        </a:rPr>
-                        <a:t>Missing information</a:t>
-                      </a:r>
-                      <a:endParaRPr lang="en-BG" sz="2800" dirty="0">
-                        <a:solidFill>
-                          <a:schemeClr val="tx1"/>
-                        </a:solidFill>
-                      </a:endParaRPr>
-                    </a:p>
-                  </a:txBody>
-                  <a:tcPr anchor="ctr">
-                    <a:lnL w="12700" cap="flat" cmpd="sng" algn="ctr">
-                      <a:solidFill>
-                        <a:schemeClr val="tx1"/>
-                      </a:solidFill>
-                      <a:prstDash val="solid"/>
-                      <a:round/>
-                      <a:headEnd type="none" w="med" len="med"/>
-                      <a:tailEnd type="none" w="med" len="med"/>
-                    </a:lnL>
-                    <a:lnR w="12700" cap="flat" cmpd="sng" algn="ctr">
-                      <a:solidFill>
-                        <a:schemeClr val="tx1"/>
-                      </a:solidFill>
-                      <a:prstDash val="solid"/>
-                      <a:round/>
-                      <a:headEnd type="none" w="med" len="med"/>
-                      <a:tailEnd type="none" w="med" len="med"/>
-                    </a:lnR>
-                    <a:lnT w="12700" cap="flat" cmpd="sng" algn="ctr">
-                      <a:solidFill>
-                        <a:schemeClr val="tx1"/>
-                      </a:solidFill>
-                      <a:prstDash val="solid"/>
-                      <a:round/>
-                      <a:headEnd type="none" w="med" len="med"/>
-                      <a:tailEnd type="none" w="med" len="med"/>
-                    </a:lnT>
-                    <a:lnB w="12700" cap="flat" cmpd="sng" algn="ctr">
-                      <a:solidFill>
-                        <a:schemeClr val="tx1"/>
-                      </a:solidFill>
-                      <a:prstDash val="solid"/>
-                      <a:round/>
-                      <a:headEnd type="none" w="med" len="med"/>
-                      <a:tailEnd type="none" w="med" len="med"/>
-                    </a:lnB>
-                    <a:noFill/>
-                  </a:tcPr>
-                </a:tc>
-                <a:tc hMerge="1">
-                  <a:txBody>
-                    <a:bodyPr/>
-                    <a:lstStyle/>
-                    <a:p>
-                      <a:endParaRPr lang="en-BG"/>
-                    </a:p>
-                  </a:txBody>
-                  <a:tcPr/>
-                </a:tc>
-                <a:extLst>
-                  <a:ext uri="{0D108BD9-81ED-4DB2-BD59-A6C34878D82A}">
-                    <a16:rowId xmlns:a16="http://schemas.microsoft.com/office/drawing/2014/main" val="2769794816"/>
-                  </a:ext>
-                </a:extLst>
-              </a:tr>
-              <a:tr h="972000">
-                <a:tc>
-                  <a:txBody>
-                    <a:bodyPr/>
-                    <a:lstStyle/>
-                    <a:p>
-                      <a:pPr algn="ctr" fontAlgn="ctr"/>
-                      <a:r>
-                        <a:rPr lang="en-GB" sz="2000" b="0" i="0" u="none" strike="noStrike" dirty="0">
-                          <a:solidFill>
-                            <a:srgbClr val="000000"/>
-                          </a:solidFill>
-                          <a:effectLst/>
-                          <a:latin typeface="Calibri" panose="020F0502020204030204" pitchFamily="34" charset="0"/>
-                        </a:rPr>
-                        <a:t>Novice</a:t>
-                      </a:r>
-                    </a:p>
-                  </a:txBody>
-                  <a:tcPr marL="9525" marR="9525" marT="9525" marB="0" anchor="ctr">
-                    <a:lnL w="12700" cap="flat" cmpd="sng" algn="ctr">
-                      <a:solidFill>
-                        <a:schemeClr val="tx1"/>
-                      </a:solidFill>
-                      <a:prstDash val="solid"/>
-                      <a:round/>
-                      <a:headEnd type="none" w="med" len="med"/>
-                      <a:tailEnd type="none" w="med" len="med"/>
-                    </a:lnL>
-                    <a:lnR w="12700" cap="flat" cmpd="sng" algn="ctr">
-                      <a:solidFill>
-                        <a:schemeClr val="tx1"/>
-                      </a:solidFill>
-                      <a:prstDash val="solid"/>
-                      <a:round/>
-                      <a:headEnd type="none" w="med" len="med"/>
-                      <a:tailEnd type="none" w="med" len="med"/>
-                    </a:lnR>
-                    <a:lnT w="12700" cap="flat" cmpd="sng" algn="ctr">
-                      <a:solidFill>
-                        <a:schemeClr val="tx1"/>
-                      </a:solidFill>
-                      <a:prstDash val="solid"/>
-                      <a:round/>
-                      <a:headEnd type="none" w="med" len="med"/>
-                      <a:tailEnd type="none" w="med" len="med"/>
-                    </a:lnT>
-                    <a:lnB w="12700" cap="flat" cmpd="sng" algn="ctr">
-                      <a:solidFill>
-                        <a:schemeClr val="tx1"/>
-                      </a:solidFill>
-                      <a:prstDash val="solid"/>
-                      <a:round/>
-                      <a:headEnd type="none" w="med" len="med"/>
-                      <a:tailEnd type="none" w="med" len="med"/>
-                    </a:lnB>
-                    <a:solidFill>
-                      <a:schemeClr val="accent3"/>
-                    </a:solidFill>
-                  </a:tcPr>
-                </a:tc>
-                <a:tc>
-                  <a:txBody>
-                    <a:bodyPr/>
-                    <a:lstStyle/>
-                    <a:p>
-                      <a:pPr algn="ctr" fontAlgn="b"/>
-                      <a:r>
-                        <a:rPr lang="en-BG" sz="2400" b="0" i="0" u="none" strike="noStrike">
-                          <a:solidFill>
-                            <a:srgbClr val="000000"/>
-                          </a:solidFill>
-                          <a:effectLst/>
-                          <a:latin typeface="Calibri" panose="020F0502020204030204" pitchFamily="34" charset="0"/>
-                        </a:rPr>
-                        <a:t>1</a:t>
-                      </a:r>
-                    </a:p>
-                  </a:txBody>
-                  <a:tcPr marL="9525" marR="9525" marT="9525" marB="0" anchor="ctr">
-                    <a:lnL w="12700" cap="flat" cmpd="sng" algn="ctr">
-                      <a:solidFill>
-                        <a:schemeClr val="tx1"/>
-                      </a:solidFill>
-                      <a:prstDash val="solid"/>
-                      <a:round/>
-                      <a:headEnd type="none" w="med" len="med"/>
-                      <a:tailEnd type="none" w="med" len="med"/>
-                    </a:lnL>
-                    <a:lnR w="12700" cap="flat" cmpd="sng" algn="ctr">
-                      <a:solidFill>
-                        <a:schemeClr val="tx1"/>
-                      </a:solidFill>
-                      <a:prstDash val="solid"/>
-                      <a:round/>
-                      <a:headEnd type="none" w="med" len="med"/>
-                      <a:tailEnd type="none" w="med" len="med"/>
-                    </a:lnR>
-                    <a:lnT w="12700" cap="flat" cmpd="sng" algn="ctr">
-                      <a:solidFill>
-                        <a:schemeClr val="tx1"/>
-                      </a:solidFill>
-                      <a:prstDash val="solid"/>
-                      <a:round/>
-                      <a:headEnd type="none" w="med" len="med"/>
-                      <a:tailEnd type="none" w="med" len="med"/>
-                    </a:lnT>
-                    <a:lnB w="12700" cap="flat" cmpd="sng" algn="ctr">
-                      <a:solidFill>
-                        <a:schemeClr val="tx1"/>
-                      </a:solidFill>
-                      <a:prstDash val="solid"/>
-                      <a:round/>
-                      <a:headEnd type="none" w="med" len="med"/>
-                      <a:tailEnd type="none" w="med" len="med"/>
-                    </a:lnB>
-                    <a:noFill/>
-                  </a:tcPr>
-                </a:tc>
-                <a:tc>
-                  <a:txBody>
-                    <a:bodyPr/>
-                    <a:lstStyle/>
-                    <a:p>
-                      <a:pPr algn="ctr"/>
-                      <a:r>
-                        <a:rPr lang="en-BG" dirty="0">
-                          <a:solidFill>
-                            <a:schemeClr val="tx1"/>
-                          </a:solidFill>
-                        </a:rPr>
-                        <a:t>Clear</a:t>
-                      </a:r>
-                    </a:p>
-                  </a:txBody>
-                  <a:tcPr anchor="ctr">
-                    <a:lnL w="12700" cap="flat" cmpd="sng" algn="ctr">
-                      <a:solidFill>
-                        <a:schemeClr val="tx1"/>
-                      </a:solidFill>
-                      <a:prstDash val="solid"/>
-                      <a:round/>
-                      <a:headEnd type="none" w="med" len="med"/>
-                      <a:tailEnd type="none" w="med" len="med"/>
-                    </a:lnL>
-                    <a:lnR w="12700" cap="flat" cmpd="sng" algn="ctr">
-                      <a:solidFill>
-                        <a:schemeClr val="tx1"/>
-                      </a:solidFill>
-                      <a:prstDash val="solid"/>
-                      <a:round/>
-                      <a:headEnd type="none" w="med" len="med"/>
-                      <a:tailEnd type="none" w="med" len="med"/>
-                    </a:lnR>
-                    <a:lnT w="12700" cap="flat" cmpd="sng" algn="ctr">
-                      <a:solidFill>
-                        <a:schemeClr val="tx1"/>
-                      </a:solidFill>
-                      <a:prstDash val="solid"/>
-                      <a:round/>
-                      <a:headEnd type="none" w="med" len="med"/>
-                      <a:tailEnd type="none" w="med" len="med"/>
-                    </a:lnT>
-                    <a:lnB w="12700" cap="flat" cmpd="sng" algn="ctr">
-                      <a:solidFill>
-                        <a:schemeClr val="tx1"/>
-                      </a:solidFill>
-                      <a:prstDash val="solid"/>
-                      <a:round/>
-                      <a:headEnd type="none" w="med" len="med"/>
-                      <a:tailEnd type="none" w="med" len="med"/>
-                    </a:lnB>
-                    <a:solidFill>
-                      <a:schemeClr val="accent3"/>
-                    </a:solidFill>
-                  </a:tcPr>
-                </a:tc>
-                <a:tc>
-                  <a:txBody>
-                    <a:bodyPr/>
-                    <a:lstStyle/>
-                    <a:p>
-                      <a:pPr algn="ctr" fontAlgn="ctr"/>
-                      <a:r>
-                        <a:rPr lang="en-BG" sz="2400" b="0" i="0" u="none" strike="noStrike" dirty="0">
-                          <a:solidFill>
-                            <a:srgbClr val="000000"/>
-                          </a:solidFill>
-                          <a:effectLst/>
-                          <a:latin typeface="Calibri" panose="020F0502020204030204" pitchFamily="34" charset="0"/>
-                        </a:rPr>
-                        <a:t>0</a:t>
-                      </a:r>
-                    </a:p>
-                  </a:txBody>
-                  <a:tcPr marL="9525" marR="9525" marT="9525" marB="0" anchor="ctr">
-                    <a:lnL w="12700" cap="flat" cmpd="sng" algn="ctr">
-                      <a:solidFill>
-                        <a:schemeClr val="tx1"/>
-                      </a:solidFill>
-                      <a:prstDash val="solid"/>
-                      <a:round/>
-                      <a:headEnd type="none" w="med" len="med"/>
-                      <a:tailEnd type="none" w="med" len="med"/>
-                    </a:lnL>
-                    <a:lnR w="12700" cap="flat" cmpd="sng" algn="ctr">
-                      <a:solidFill>
-                        <a:schemeClr val="tx1"/>
-                      </a:solidFill>
-                      <a:prstDash val="solid"/>
-                      <a:round/>
-                      <a:headEnd type="none" w="med" len="med"/>
-                      <a:tailEnd type="none" w="med" len="med"/>
-                    </a:lnR>
-                    <a:lnT w="12700" cap="flat" cmpd="sng" algn="ctr">
-                      <a:solidFill>
-                        <a:schemeClr val="tx1"/>
-                      </a:solidFill>
-                      <a:prstDash val="solid"/>
-                      <a:round/>
-                      <a:headEnd type="none" w="med" len="med"/>
-                      <a:tailEnd type="none" w="med" len="med"/>
-                    </a:lnT>
-                    <a:lnB w="12700" cap="flat" cmpd="sng" algn="ctr">
-                      <a:solidFill>
-                        <a:schemeClr val="tx1"/>
-                      </a:solidFill>
-                      <a:prstDash val="solid"/>
-                      <a:round/>
-                      <a:headEnd type="none" w="med" len="med"/>
-                      <a:tailEnd type="none" w="med" len="med"/>
-                    </a:lnB>
-                    <a:noFill/>
-                  </a:tcPr>
-                </a:tc>
-                <a:extLst>
-                  <a:ext uri="{0D108BD9-81ED-4DB2-BD59-A6C34878D82A}">
-                    <a16:rowId xmlns:a16="http://schemas.microsoft.com/office/drawing/2014/main" val="1353382242"/>
-                  </a:ext>
-                </a:extLst>
-              </a:tr>
-              <a:tr h="972000">
-                <a:tc>
-                  <a:txBody>
-                    <a:bodyPr/>
-                    <a:lstStyle/>
-                    <a:p>
-                      <a:pPr algn="ctr" fontAlgn="ctr"/>
-                      <a:r>
-                        <a:rPr lang="en-GB" sz="2000" b="0" i="0" u="none" strike="noStrike" dirty="0">
-                          <a:solidFill>
-                            <a:srgbClr val="000000"/>
-                          </a:solidFill>
-                          <a:effectLst/>
-                          <a:latin typeface="Calibri" panose="020F0502020204030204" pitchFamily="34" charset="0"/>
-                        </a:rPr>
-                        <a:t>Competent</a:t>
-                      </a:r>
-                    </a:p>
-                  </a:txBody>
-                  <a:tcPr marL="9525" marR="9525" marT="9525" marB="0" anchor="ctr">
-                    <a:lnL w="12700" cap="flat" cmpd="sng" algn="ctr">
-                      <a:solidFill>
-                        <a:schemeClr val="tx1"/>
-                      </a:solidFill>
-                      <a:prstDash val="solid"/>
-                      <a:round/>
-                      <a:headEnd type="none" w="med" len="med"/>
-                      <a:tailEnd type="none" w="med" len="med"/>
-                    </a:lnL>
-                    <a:lnR w="12700" cap="flat" cmpd="sng" algn="ctr">
-                      <a:solidFill>
-                        <a:schemeClr val="tx1"/>
-                      </a:solidFill>
-                      <a:prstDash val="solid"/>
-                      <a:round/>
-                      <a:headEnd type="none" w="med" len="med"/>
-                      <a:tailEnd type="none" w="med" len="med"/>
-                    </a:lnR>
-                    <a:lnT w="12700" cap="flat" cmpd="sng" algn="ctr">
-                      <a:solidFill>
-                        <a:schemeClr val="tx1"/>
-                      </a:solidFill>
-                      <a:prstDash val="solid"/>
-                      <a:round/>
-                      <a:headEnd type="none" w="med" len="med"/>
-                      <a:tailEnd type="none" w="med" len="med"/>
-                    </a:lnT>
-                    <a:lnB w="12700" cap="flat" cmpd="sng" algn="ctr">
-                      <a:solidFill>
-                        <a:schemeClr val="tx1"/>
-                      </a:solidFill>
-                      <a:prstDash val="solid"/>
-                      <a:round/>
-                      <a:headEnd type="none" w="med" len="med"/>
-                      <a:tailEnd type="none" w="med" len="med"/>
-                    </a:lnB>
-                    <a:solidFill>
-                      <a:srgbClr val="FFC000"/>
-                    </a:solidFill>
-                  </a:tcPr>
-                </a:tc>
-                <a:tc>
-                  <a:txBody>
-                    <a:bodyPr/>
-                    <a:lstStyle/>
-                    <a:p>
-                      <a:pPr algn="ctr" fontAlgn="b"/>
-                      <a:r>
-                        <a:rPr lang="en-BG" sz="2400" b="0" i="0" u="none" strike="noStrike">
-                          <a:solidFill>
-                            <a:srgbClr val="000000"/>
-                          </a:solidFill>
-                          <a:effectLst/>
-                          <a:latin typeface="Calibri" panose="020F0502020204030204" pitchFamily="34" charset="0"/>
-                        </a:rPr>
-                        <a:t>4</a:t>
-                      </a:r>
-                    </a:p>
-                  </a:txBody>
-                  <a:tcPr marL="9525" marR="9525" marT="9525" marB="0" anchor="ctr">
-                    <a:lnL w="12700" cap="flat" cmpd="sng" algn="ctr">
-                      <a:solidFill>
-                        <a:schemeClr val="tx1"/>
-                      </a:solidFill>
-                      <a:prstDash val="solid"/>
-                      <a:round/>
-                      <a:headEnd type="none" w="med" len="med"/>
-                      <a:tailEnd type="none" w="med" len="med"/>
-                    </a:lnL>
-                    <a:lnR w="12700" cap="flat" cmpd="sng" algn="ctr">
-                      <a:solidFill>
-                        <a:schemeClr val="tx1"/>
-                      </a:solidFill>
-                      <a:prstDash val="solid"/>
-                      <a:round/>
-                      <a:headEnd type="none" w="med" len="med"/>
-                      <a:tailEnd type="none" w="med" len="med"/>
-                    </a:lnR>
-                    <a:lnT w="12700" cap="flat" cmpd="sng" algn="ctr">
-                      <a:solidFill>
-                        <a:schemeClr val="tx1"/>
-                      </a:solidFill>
-                      <a:prstDash val="solid"/>
-                      <a:round/>
-                      <a:headEnd type="none" w="med" len="med"/>
-                      <a:tailEnd type="none" w="med" len="med"/>
-                    </a:lnT>
-                    <a:lnB w="12700" cap="flat" cmpd="sng" algn="ctr">
-                      <a:solidFill>
-                        <a:schemeClr val="tx1"/>
-                      </a:solidFill>
-                      <a:prstDash val="solid"/>
-                      <a:round/>
-                      <a:headEnd type="none" w="med" len="med"/>
-                      <a:tailEnd type="none" w="med" len="med"/>
-                    </a:lnB>
-                    <a:noFill/>
-                  </a:tcPr>
-                </a:tc>
-                <a:tc>
-                  <a:txBody>
-                    <a:bodyPr/>
-                    <a:lstStyle/>
-                    <a:p>
-                      <a:pPr algn="ctr"/>
-                      <a:r>
-                        <a:rPr lang="en-BG" dirty="0">
-                          <a:solidFill>
-                            <a:schemeClr val="tx1"/>
-                          </a:solidFill>
-                        </a:rPr>
-                        <a:t>Complex</a:t>
-                      </a:r>
-                    </a:p>
-                  </a:txBody>
-                  <a:tcPr anchor="ctr">
-                    <a:lnL w="12700" cap="flat" cmpd="sng" algn="ctr">
-                      <a:solidFill>
-                        <a:schemeClr val="tx1"/>
-                      </a:solidFill>
-                      <a:prstDash val="solid"/>
-                      <a:round/>
-                      <a:headEnd type="none" w="med" len="med"/>
-                      <a:tailEnd type="none" w="med" len="med"/>
-                    </a:lnL>
-                    <a:lnR w="12700" cap="flat" cmpd="sng" algn="ctr">
-                      <a:solidFill>
-                        <a:schemeClr val="tx1"/>
-                      </a:solidFill>
-                      <a:prstDash val="solid"/>
-                      <a:round/>
-                      <a:headEnd type="none" w="med" len="med"/>
-                      <a:tailEnd type="none" w="med" len="med"/>
-                    </a:lnR>
-                    <a:lnT w="12700" cap="flat" cmpd="sng" algn="ctr">
-                      <a:solidFill>
-                        <a:schemeClr val="tx1"/>
-                      </a:solidFill>
-                      <a:prstDash val="solid"/>
-                      <a:round/>
-                      <a:headEnd type="none" w="med" len="med"/>
-                      <a:tailEnd type="none" w="med" len="med"/>
-                    </a:lnT>
-                    <a:lnB w="12700" cap="flat" cmpd="sng" algn="ctr">
-                      <a:solidFill>
-                        <a:schemeClr val="tx1"/>
-                      </a:solidFill>
-                      <a:prstDash val="solid"/>
-                      <a:round/>
-                      <a:headEnd type="none" w="med" len="med"/>
-                      <a:tailEnd type="none" w="med" len="med"/>
-                    </a:lnB>
-                    <a:solidFill>
-                      <a:schemeClr val="accent6"/>
-                    </a:solidFill>
-                  </a:tcPr>
-                </a:tc>
-                <a:tc>
-                  <a:txBody>
-                    <a:bodyPr/>
-                    <a:lstStyle/>
-                    <a:p>
-                      <a:pPr algn="ctr" fontAlgn="ctr"/>
-                      <a:r>
-                        <a:rPr lang="en-BG" sz="2400" b="0" i="0" u="none" strike="noStrike" dirty="0">
-                          <a:solidFill>
-                            <a:srgbClr val="000000"/>
-                          </a:solidFill>
-                          <a:effectLst/>
-                          <a:latin typeface="Calibri" panose="020F0502020204030204" pitchFamily="34" charset="0"/>
-                        </a:rPr>
-                        <a:t>10</a:t>
-                      </a:r>
-                    </a:p>
-                  </a:txBody>
-                  <a:tcPr marL="9525" marR="9525" marT="9525" marB="0" anchor="ctr">
-                    <a:lnL w="12700" cap="flat" cmpd="sng" algn="ctr">
-                      <a:solidFill>
-                        <a:schemeClr val="tx1"/>
-                      </a:solidFill>
-                      <a:prstDash val="solid"/>
-                      <a:round/>
-                      <a:headEnd type="none" w="med" len="med"/>
-                      <a:tailEnd type="none" w="med" len="med"/>
-                    </a:lnL>
-                    <a:lnR w="12700" cap="flat" cmpd="sng" algn="ctr">
-                      <a:solidFill>
-                        <a:schemeClr val="tx1"/>
-                      </a:solidFill>
-                      <a:prstDash val="solid"/>
-                      <a:round/>
-                      <a:headEnd type="none" w="med" len="med"/>
-                      <a:tailEnd type="none" w="med" len="med"/>
-                    </a:lnR>
-                    <a:lnT w="12700" cap="flat" cmpd="sng" algn="ctr">
-                      <a:solidFill>
-                        <a:schemeClr val="tx1"/>
-                      </a:solidFill>
-                      <a:prstDash val="solid"/>
-                      <a:round/>
-                      <a:headEnd type="none" w="med" len="med"/>
-                      <a:tailEnd type="none" w="med" len="med"/>
-                    </a:lnT>
-                    <a:lnB w="12700" cap="flat" cmpd="sng" algn="ctr">
-                      <a:solidFill>
-                        <a:schemeClr val="tx1"/>
-                      </a:solidFill>
-                      <a:prstDash val="solid"/>
-                      <a:round/>
-                      <a:headEnd type="none" w="med" len="med"/>
-                      <a:tailEnd type="none" w="med" len="med"/>
-                    </a:lnB>
-                    <a:noFill/>
-                  </a:tcPr>
-                </a:tc>
-                <a:extLst>
-                  <a:ext uri="{0D108BD9-81ED-4DB2-BD59-A6C34878D82A}">
-                    <a16:rowId xmlns:a16="http://schemas.microsoft.com/office/drawing/2014/main" val="4277761642"/>
-                  </a:ext>
-                </a:extLst>
-              </a:tr>
-              <a:tr h="972000">
-                <a:tc>
-                  <a:txBody>
-                    <a:bodyPr/>
-                    <a:lstStyle/>
-                    <a:p>
-                      <a:pPr algn="ctr" fontAlgn="ctr"/>
-                      <a:r>
-                        <a:rPr lang="en-GB" sz="2000" b="0" i="0" u="none" strike="noStrike" dirty="0">
-                          <a:solidFill>
-                            <a:srgbClr val="000000"/>
-                          </a:solidFill>
-                          <a:effectLst/>
-                          <a:latin typeface="Calibri" panose="020F0502020204030204" pitchFamily="34" charset="0"/>
-                        </a:rPr>
-                        <a:t>Expert</a:t>
-                      </a:r>
-                    </a:p>
-                  </a:txBody>
-                  <a:tcPr marL="9525" marR="9525" marT="9525" marB="0" anchor="ctr">
-                    <a:lnL w="12700" cap="flat" cmpd="sng" algn="ctr">
-                      <a:solidFill>
-                        <a:schemeClr val="tx1"/>
-                      </a:solidFill>
-                      <a:prstDash val="solid"/>
-                      <a:round/>
-                      <a:headEnd type="none" w="med" len="med"/>
-                      <a:tailEnd type="none" w="med" len="med"/>
-                    </a:lnL>
-                    <a:lnR w="12700" cap="flat" cmpd="sng" algn="ctr">
-                      <a:solidFill>
-                        <a:schemeClr val="tx1"/>
-                      </a:solidFill>
-                      <a:prstDash val="solid"/>
-                      <a:round/>
-                      <a:headEnd type="none" w="med" len="med"/>
-                      <a:tailEnd type="none" w="med" len="med"/>
-                    </a:lnR>
-                    <a:lnT w="12700" cap="flat" cmpd="sng" algn="ctr">
-                      <a:solidFill>
-                        <a:schemeClr val="tx1"/>
-                      </a:solidFill>
-                      <a:prstDash val="solid"/>
-                      <a:round/>
-                      <a:headEnd type="none" w="med" len="med"/>
-                      <a:tailEnd type="none" w="med" len="med"/>
-                    </a:lnT>
-                    <a:lnB w="12700" cap="flat" cmpd="sng" algn="ctr">
-                      <a:solidFill>
-                        <a:schemeClr val="tx1"/>
-                      </a:solidFill>
-                      <a:prstDash val="solid"/>
-                      <a:round/>
-                      <a:headEnd type="none" w="med" len="med"/>
-                      <a:tailEnd type="none" w="med" len="med"/>
-                    </a:lnB>
-                    <a:solidFill>
-                      <a:schemeClr val="accent6"/>
-                    </a:solidFill>
-                  </a:tcPr>
-                </a:tc>
-                <a:tc>
-                  <a:txBody>
-                    <a:bodyPr/>
-                    <a:lstStyle/>
-                    <a:p>
-                      <a:pPr algn="ctr" fontAlgn="b"/>
-                      <a:r>
-                        <a:rPr lang="en-BG" sz="2400" b="0" i="0" u="none" strike="noStrike" dirty="0">
-                          <a:solidFill>
-                            <a:srgbClr val="000000"/>
-                          </a:solidFill>
-                          <a:effectLst/>
-                          <a:latin typeface="Calibri" panose="020F0502020204030204" pitchFamily="34" charset="0"/>
-                        </a:rPr>
-                        <a:t>9</a:t>
-                      </a:r>
-                    </a:p>
-                  </a:txBody>
-                  <a:tcPr marL="9525" marR="9525" marT="9525" marB="0" anchor="ctr">
-                    <a:lnL w="12700" cap="flat" cmpd="sng" algn="ctr">
-                      <a:solidFill>
-                        <a:schemeClr val="tx1"/>
-                      </a:solidFill>
-                      <a:prstDash val="solid"/>
-                      <a:round/>
-                      <a:headEnd type="none" w="med" len="med"/>
-                      <a:tailEnd type="none" w="med" len="med"/>
-                    </a:lnL>
-                    <a:lnR w="12700" cap="flat" cmpd="sng" algn="ctr">
-                      <a:solidFill>
-                        <a:schemeClr val="tx1"/>
-                      </a:solidFill>
-                      <a:prstDash val="solid"/>
-                      <a:round/>
-                      <a:headEnd type="none" w="med" len="med"/>
-                      <a:tailEnd type="none" w="med" len="med"/>
-                    </a:lnR>
-                    <a:lnT w="12700" cap="flat" cmpd="sng" algn="ctr">
-                      <a:solidFill>
-                        <a:schemeClr val="tx1"/>
-                      </a:solidFill>
-                      <a:prstDash val="solid"/>
-                      <a:round/>
-                      <a:headEnd type="none" w="med" len="med"/>
-                      <a:tailEnd type="none" w="med" len="med"/>
-                    </a:lnT>
-                    <a:lnB w="12700" cap="flat" cmpd="sng" algn="ctr">
-                      <a:solidFill>
-                        <a:schemeClr val="tx1"/>
-                      </a:solidFill>
-                      <a:prstDash val="solid"/>
-                      <a:round/>
-                      <a:headEnd type="none" w="med" len="med"/>
-                      <a:tailEnd type="none" w="med" len="med"/>
-                    </a:lnB>
-                    <a:noFill/>
-                  </a:tcPr>
-                </a:tc>
-                <a:tc>
-                  <a:txBody>
-                    <a:bodyPr/>
-                    <a:lstStyle/>
-                    <a:p>
-                      <a:pPr algn="ctr"/>
-                      <a:r>
-                        <a:rPr lang="en-BG" dirty="0">
-                          <a:solidFill>
-                            <a:schemeClr val="tx1"/>
-                          </a:solidFill>
-                        </a:rPr>
-                        <a:t>Complicated</a:t>
-                      </a:r>
-                    </a:p>
-                  </a:txBody>
-                  <a:tcPr anchor="ctr">
-                    <a:lnL w="12700" cap="flat" cmpd="sng" algn="ctr">
-                      <a:solidFill>
-                        <a:schemeClr val="tx1"/>
-                      </a:solidFill>
-                      <a:prstDash val="solid"/>
-                      <a:round/>
-                      <a:headEnd type="none" w="med" len="med"/>
-                      <a:tailEnd type="none" w="med" len="med"/>
-                    </a:lnL>
-                    <a:lnR w="12700" cap="flat" cmpd="sng" algn="ctr">
-                      <a:solidFill>
-                        <a:schemeClr val="tx1"/>
-                      </a:solidFill>
-                      <a:prstDash val="solid"/>
-                      <a:round/>
-                      <a:headEnd type="none" w="med" len="med"/>
-                      <a:tailEnd type="none" w="med" len="med"/>
-                    </a:lnR>
-                    <a:lnT w="12700" cap="flat" cmpd="sng" algn="ctr">
-                      <a:solidFill>
-                        <a:schemeClr val="tx1"/>
-                      </a:solidFill>
-                      <a:prstDash val="solid"/>
-                      <a:round/>
-                      <a:headEnd type="none" w="med" len="med"/>
-                      <a:tailEnd type="none" w="med" len="med"/>
-                    </a:lnT>
-                    <a:lnB w="12700" cap="flat" cmpd="sng" algn="ctr">
-                      <a:solidFill>
-                        <a:schemeClr val="tx1"/>
-                      </a:solidFill>
-                      <a:prstDash val="solid"/>
-                      <a:round/>
-                      <a:headEnd type="none" w="med" len="med"/>
-                      <a:tailEnd type="none" w="med" len="med"/>
-                    </a:lnB>
-                    <a:solidFill>
-                      <a:srgbClr val="FFC000"/>
-                    </a:solidFill>
-                  </a:tcPr>
-                </a:tc>
-                <a:tc>
-                  <a:txBody>
-                    <a:bodyPr/>
-                    <a:lstStyle/>
-                    <a:p>
-                      <a:pPr algn="ctr" fontAlgn="ctr"/>
-                      <a:r>
-                        <a:rPr lang="en-BG" sz="2400" b="0" i="0" u="none" strike="noStrike" dirty="0">
-                          <a:solidFill>
-                            <a:srgbClr val="000000"/>
-                          </a:solidFill>
-                          <a:effectLst/>
-                          <a:latin typeface="Calibri" panose="020F0502020204030204" pitchFamily="34" charset="0"/>
-                        </a:rPr>
-                        <a:t>5</a:t>
-                      </a:r>
-                    </a:p>
-                  </a:txBody>
-                  <a:tcPr marL="9525" marR="9525" marT="9525" marB="0" anchor="ctr">
-                    <a:lnL w="12700" cap="flat" cmpd="sng" algn="ctr">
-                      <a:solidFill>
-                        <a:schemeClr val="tx1"/>
-                      </a:solidFill>
-                      <a:prstDash val="solid"/>
-                      <a:round/>
-                      <a:headEnd type="none" w="med" len="med"/>
-                      <a:tailEnd type="none" w="med" len="med"/>
-                    </a:lnL>
-                    <a:lnR w="12700" cap="flat" cmpd="sng" algn="ctr">
-                      <a:solidFill>
-                        <a:schemeClr val="tx1"/>
-                      </a:solidFill>
-                      <a:prstDash val="solid"/>
-                      <a:round/>
-                      <a:headEnd type="none" w="med" len="med"/>
-                      <a:tailEnd type="none" w="med" len="med"/>
-                    </a:lnR>
-                    <a:lnT w="12700" cap="flat" cmpd="sng" algn="ctr">
-                      <a:solidFill>
-                        <a:schemeClr val="tx1"/>
-                      </a:solidFill>
-                      <a:prstDash val="solid"/>
-                      <a:round/>
-                      <a:headEnd type="none" w="med" len="med"/>
-                      <a:tailEnd type="none" w="med" len="med"/>
-                    </a:lnT>
-                    <a:lnB w="12700" cap="flat" cmpd="sng" algn="ctr">
-                      <a:solidFill>
-                        <a:schemeClr val="tx1"/>
-                      </a:solidFill>
-                      <a:prstDash val="solid"/>
-                      <a:round/>
-                      <a:headEnd type="none" w="med" len="med"/>
-                      <a:tailEnd type="none" w="med" len="med"/>
-                    </a:lnB>
-                    <a:noFill/>
-                  </a:tcPr>
-                </a:tc>
-                <a:extLst>
-                  <a:ext uri="{0D108BD9-81ED-4DB2-BD59-A6C34878D82A}">
-                    <a16:rowId xmlns:a16="http://schemas.microsoft.com/office/drawing/2014/main" val="3852640230"/>
-                  </a:ext>
-                </a:extLst>
-              </a:tr>
-            </a:tbl>
-          </a:graphicData>
-        </a:graphic>
-      </p:graphicFrame>
-    </p:spTree>
-    <p:extLst>
-      <p:ext uri="{BB962C8B-B14F-4D97-AF65-F5344CB8AC3E}">
-        <p14:creationId xmlns:p14="http://schemas.microsoft.com/office/powerpoint/2010/main" val="2757583630"/>
-      </p:ext>
-    </p:extLst>
-  </p:cSld>
-  <p:clrMapOvr>
-    <a:masterClrMapping/>
-  </p:clrMapOvr>
-</p:sld>
-</file>
-
-<file path=ppt/slides/slide18.xml><?xml version="1.0" encoding="utf-8"?>
-<p:sld xmlns:a="http://schemas.openxmlformats.org/drawingml/2006/main" xmlns:r="http://schemas.openxmlformats.org/officeDocument/2006/relationships" xmlns:p="http://schemas.openxmlformats.org/presentationml/2006/main">
-  <p:cSld>
-    <p:spTree>
-      <p:nvGrpSpPr>
-        <p:cNvPr id="1" name=""/>
-        <p:cNvGrpSpPr/>
-        <p:nvPr/>
-      </p:nvGrpSpPr>
-      <p:grpSpPr>
-        <a:xfrm>
-          <a:off x="0" y="0"/>
-          <a:ext cx="0" cy="0"/>
-          <a:chOff x="0" y="0"/>
-          <a:chExt cx="0" cy="0"/>
-        </a:xfrm>
-      </p:grpSpPr>
-      <p:sp>
-        <p:nvSpPr>
-          <p:cNvPr id="2" name="Title 1"/>
-          <p:cNvSpPr>
-            <a:spLocks noGrp="1"/>
-          </p:cNvSpPr>
-          <p:nvPr>
-            <p:ph type="title"/>
-          </p:nvPr>
-        </p:nvSpPr>
-        <p:spPr/>
-        <p:txBody>
-          <a:bodyPr/>
-          <a:lstStyle/>
-          <a:p>
-            <a:r>
-              <a:rPr lang="en-US" dirty="0"/>
-              <a:t>Period 4</a:t>
-            </a:r>
-            <a:endParaRPr lang="bg-BG" dirty="0"/>
-          </a:p>
-        </p:txBody>
-      </p:sp>
-      <p:graphicFrame>
-        <p:nvGraphicFramePr>
-          <p:cNvPr id="4" name="Table 5">
-            <a:extLst>
-              <a:ext uri="{FF2B5EF4-FFF2-40B4-BE49-F238E27FC236}">
-                <a16:creationId xmlns:a16="http://schemas.microsoft.com/office/drawing/2014/main" id="{DFCFF50C-EACE-ED9E-3B8C-A3BF795F3584}"/>
-              </a:ext>
-            </a:extLst>
-          </p:cNvPr>
-          <p:cNvGraphicFramePr>
-            <a:graphicFrameLocks noGrp="1"/>
-          </p:cNvGraphicFramePr>
-          <p:nvPr>
-            <p:extLst>
-              <p:ext uri="{D42A27DB-BD31-4B8C-83A1-F6EECF244321}">
-                <p14:modId xmlns:p14="http://schemas.microsoft.com/office/powerpoint/2010/main" val="1282253140"/>
+                <p14:modId xmlns:p14="http://schemas.microsoft.com/office/powerpoint/2010/main" val="3396081723"/>
               </p:ext>
             </p:extLst>
           </p:nvPr>
@@ -11109,7 +10034,7 @@
                             <a:schemeClr val="tx1"/>
                           </a:solidFill>
                         </a:rPr>
-                        <a:t>Complex</a:t>
+                        <a:t>Clear</a:t>
                       </a:r>
                     </a:p>
                   </a:txBody>
@@ -11151,7 +10076,7 @@
                       <a:tailEnd type="none" w="med" len="med"/>
                     </a:lnB>
                     <a:solidFill>
-                      <a:schemeClr val="accent6"/>
+                      <a:schemeClr val="accent3"/>
                     </a:solidFill>
                   </a:tcPr>
                 </a:tc>
@@ -11169,7 +10094,7 @@
                           <a:effectLst/>
                           <a:latin typeface="Calibri" panose="020F0502020204030204" pitchFamily="34" charset="0"/>
                         </a:rPr>
-                        <a:t>10</a:t>
+                        <a:t>0</a:t>
                       </a:r>
                     </a:p>
                   </a:txBody>
@@ -11350,7 +10275,7 @@
                             <a:schemeClr val="tx1"/>
                           </a:solidFill>
                         </a:rPr>
-                        <a:t>Clear</a:t>
+                        <a:t>Complex</a:t>
                       </a:r>
                     </a:p>
                   </a:txBody>
@@ -11392,7 +10317,7 @@
                       <a:tailEnd type="none" w="med" len="med"/>
                     </a:lnB>
                     <a:solidFill>
-                      <a:schemeClr val="accent3"/>
+                      <a:schemeClr val="accent6"/>
                     </a:solidFill>
                   </a:tcPr>
                 </a:tc>
@@ -11410,7 +10335,7 @@
                           <a:effectLst/>
                           <a:latin typeface="Calibri" panose="020F0502020204030204" pitchFamily="34" charset="0"/>
                         </a:rPr>
-                        <a:t>0</a:t>
+                        <a:t>10</a:t>
                       </a:r>
                     </a:p>
                   </a:txBody>
@@ -11477,6 +10402,81 @@
 </p:sld>
 </file>
 
+<file path=ppt/slides/slide18.xml><?xml version="1.0" encoding="utf-8"?>
+<p:sld xmlns:a="http://schemas.openxmlformats.org/drawingml/2006/main" xmlns:r="http://schemas.openxmlformats.org/officeDocument/2006/relationships" xmlns:p="http://schemas.openxmlformats.org/presentationml/2006/main">
+  <p:cSld>
+    <p:spTree>
+      <p:nvGrpSpPr>
+        <p:cNvPr id="1" name=""/>
+        <p:cNvGrpSpPr/>
+        <p:nvPr/>
+      </p:nvGrpSpPr>
+      <p:grpSpPr>
+        <a:xfrm>
+          <a:off x="0" y="0"/>
+          <a:ext cx="0" cy="0"/>
+          <a:chOff x="0" y="0"/>
+          <a:chExt cx="0" cy="0"/>
+        </a:xfrm>
+      </p:grpSpPr>
+      <p:sp>
+        <p:nvSpPr>
+          <p:cNvPr id="2" name="Title 1"/>
+          <p:cNvSpPr>
+            <a:spLocks noGrp="1"/>
+          </p:cNvSpPr>
+          <p:nvPr>
+            <p:ph type="title"/>
+          </p:nvPr>
+        </p:nvSpPr>
+        <p:spPr/>
+        <p:txBody>
+          <a:bodyPr/>
+          <a:lstStyle/>
+          <a:p>
+            <a:r>
+              <a:rPr lang="en-US" dirty="0"/>
+              <a:t>Discussion</a:t>
+            </a:r>
+          </a:p>
+        </p:txBody>
+      </p:sp>
+      <p:sp>
+        <p:nvSpPr>
+          <p:cNvPr id="3" name="Text Placeholder 2"/>
+          <p:cNvSpPr>
+            <a:spLocks noGrp="1"/>
+          </p:cNvSpPr>
+          <p:nvPr>
+            <p:ph type="body" idx="1"/>
+          </p:nvPr>
+        </p:nvSpPr>
+        <p:spPr/>
+        <p:txBody>
+          <a:bodyPr/>
+          <a:lstStyle/>
+          <a:p>
+            <a:r>
+              <a:rPr lang="en-US"/>
+              <a:t>Simulation results</a:t>
+            </a:r>
+            <a:endParaRPr lang="en-US" dirty="0"/>
+          </a:p>
+        </p:txBody>
+      </p:sp>
+    </p:spTree>
+    <p:extLst>
+      <p:ext uri="{BB962C8B-B14F-4D97-AF65-F5344CB8AC3E}">
+        <p14:creationId xmlns:p14="http://schemas.microsoft.com/office/powerpoint/2010/main" val="477308218"/>
+      </p:ext>
+    </p:extLst>
+  </p:cSld>
+  <p:clrMapOvr>
+    <a:masterClrMapping/>
+  </p:clrMapOvr>
+</p:sld>
+</file>
+
 <file path=ppt/slides/slide19.xml><?xml version="1.0" encoding="utf-8"?>
 <p:sld xmlns:a="http://schemas.openxmlformats.org/drawingml/2006/main" xmlns:r="http://schemas.openxmlformats.org/officeDocument/2006/relationships" xmlns:p="http://schemas.openxmlformats.org/presentationml/2006/main">
   <p:cSld>
@@ -11496,53 +10496,134 @@
       </p:grpSpPr>
       <p:sp>
         <p:nvSpPr>
-          <p:cNvPr id="2" name="Title 1"/>
+          <p:cNvPr id="2" name="Text Placeholder 1"/>
           <p:cNvSpPr>
             <a:spLocks noGrp="1"/>
           </p:cNvSpPr>
           <p:nvPr>
-            <p:ph type="title"/>
-          </p:nvPr>
-        </p:nvSpPr>
-        <p:spPr/>
+            <p:ph type="body" idx="1"/>
+          </p:nvPr>
+        </p:nvSpPr>
+        <p:spPr>
+          <a:xfrm>
+            <a:off x="325591" y="1601803"/>
+            <a:ext cx="11353721" cy="1292662"/>
+          </a:xfrm>
+        </p:spPr>
         <p:txBody>
           <a:bodyPr/>
           <a:lstStyle/>
           <a:p>
+            <a:pPr marL="0" indent="0">
+              <a:buNone/>
+            </a:pPr>
             <a:r>
               <a:rPr lang="en-US" dirty="0"/>
-              <a:t>Discussion</a:t>
-            </a:r>
-          </a:p>
-        </p:txBody>
-      </p:sp>
-      <p:sp>
-        <p:nvSpPr>
-          <p:cNvPr id="3" name="Text Placeholder 2"/>
-          <p:cNvSpPr>
-            <a:spLocks noGrp="1"/>
-          </p:cNvSpPr>
-          <p:nvPr>
-            <p:ph type="body" idx="1"/>
-          </p:nvPr>
-        </p:nvSpPr>
-        <p:spPr/>
-        <p:txBody>
-          <a:bodyPr/>
+              <a:t>“System is not a sum of the behavior of its parts, it’s the </a:t>
+            </a:r>
+            <a:r>
+              <a:rPr lang="en-US" b="1" dirty="0"/>
+              <a:t>product of their interactions</a:t>
+            </a:r>
+            <a:r>
+              <a:rPr lang="en-US" dirty="0"/>
+              <a:t>.” </a:t>
+            </a:r>
+          </a:p>
+        </p:txBody>
+      </p:sp>
+      <p:sp>
+        <p:nvSpPr>
+          <p:cNvPr id="3" name="TextBox 2"/>
+          <p:cNvSpPr txBox="1"/>
+          <p:nvPr/>
+        </p:nvSpPr>
+        <p:spPr>
+          <a:xfrm>
+            <a:off x="5343525" y="3911675"/>
+            <a:ext cx="6178785" cy="1200329"/>
+          </a:xfrm>
+          <a:prstGeom prst="rect">
+            <a:avLst/>
+          </a:prstGeom>
+          <a:noFill/>
+        </p:spPr>
+        <p:txBody>
+          <a:bodyPr wrap="square" rtlCol="0">
+            <a:spAutoFit/>
+          </a:bodyPr>
           <a:lstStyle/>
           <a:p>
             <a:r>
-              <a:rPr lang="en-US"/>
-              <a:t>Simulation results</a:t>
-            </a:r>
-            <a:endParaRPr lang="en-US" dirty="0"/>
+              <a:rPr lang="en-GB" dirty="0"/>
+              <a:t>Russell L. </a:t>
+            </a:r>
+            <a:r>
+              <a:rPr lang="en-GB" dirty="0" err="1"/>
+              <a:t>Ackoff</a:t>
+            </a:r>
+            <a:r>
+              <a:rPr lang="en-GB" dirty="0"/>
+              <a:t> (1994) </a:t>
+            </a:r>
+          </a:p>
+          <a:p>
+            <a:r>
+              <a:rPr lang="en-GB" dirty="0"/>
+              <a:t>https://</a:t>
+            </a:r>
+            <a:r>
+              <a:rPr lang="en-GB" dirty="0" err="1"/>
+              <a:t>www.youtube.com</a:t>
+            </a:r>
+            <a:r>
+              <a:rPr lang="en-GB" dirty="0"/>
+              <a:t>/</a:t>
+            </a:r>
+            <a:r>
+              <a:rPr lang="en-GB" dirty="0" err="1"/>
+              <a:t>watch?v</a:t>
+            </a:r>
+            <a:r>
+              <a:rPr lang="en-GB" dirty="0"/>
+              <a:t>=OqEeIG8aPPk</a:t>
+            </a:r>
+          </a:p>
+          <a:p>
+            <a:r>
+              <a:rPr lang="en-GB" dirty="0"/>
+              <a:t>An event hosted by Clare Crawford-Mason and Lloyd </a:t>
+            </a:r>
+            <a:r>
+              <a:rPr lang="en-GB" dirty="0" err="1"/>
+              <a:t>Dobyns</a:t>
+            </a:r>
+            <a:r>
+              <a:rPr lang="en-GB" dirty="0"/>
+              <a:t> </a:t>
+            </a:r>
+          </a:p>
+          <a:p>
+            <a:r>
+              <a:rPr lang="en-GB" dirty="0"/>
+              <a:t>to capture the Learning and Legacy of </a:t>
+            </a:r>
+            <a:r>
+              <a:rPr lang="en-GB" dirty="0" err="1"/>
+              <a:t>Dr.</a:t>
+            </a:r>
+            <a:r>
+              <a:rPr lang="en-GB" dirty="0"/>
+              <a:t> W. Edwards Deming.</a:t>
+            </a:r>
+            <a:endParaRPr lang="bg-BG" dirty="0"/>
           </a:p>
         </p:txBody>
       </p:sp>
     </p:spTree>
     <p:extLst>
       <p:ext uri="{BB962C8B-B14F-4D97-AF65-F5344CB8AC3E}">
-        <p14:creationId xmlns:p14="http://schemas.microsoft.com/office/powerpoint/2010/main" val="477308218"/>
+        <p14:creationId xmlns:p14="http://schemas.microsoft.com/office/powerpoint/2010/main" val="1267798381"/>
       </p:ext>
     </p:extLst>
   </p:cSld>
@@ -11756,162 +10837,6 @@
         <p:spPr>
           <a:xfrm>
             <a:off x="325591" y="1601803"/>
-            <a:ext cx="11353721" cy="1292662"/>
-          </a:xfrm>
-        </p:spPr>
-        <p:txBody>
-          <a:bodyPr/>
-          <a:lstStyle/>
-          <a:p>
-            <a:pPr marL="0" indent="0">
-              <a:buNone/>
-            </a:pPr>
-            <a:r>
-              <a:rPr lang="en-US" dirty="0"/>
-              <a:t>“System is not a sum of the behavior of its parts, it’s the </a:t>
-            </a:r>
-            <a:r>
-              <a:rPr lang="en-US" b="1" dirty="0"/>
-              <a:t>product of their interactions</a:t>
-            </a:r>
-            <a:r>
-              <a:rPr lang="en-US" dirty="0"/>
-              <a:t>.” </a:t>
-            </a:r>
-          </a:p>
-        </p:txBody>
-      </p:sp>
-      <p:sp>
-        <p:nvSpPr>
-          <p:cNvPr id="3" name="TextBox 2"/>
-          <p:cNvSpPr txBox="1"/>
-          <p:nvPr/>
-        </p:nvSpPr>
-        <p:spPr>
-          <a:xfrm>
-            <a:off x="5343525" y="3911675"/>
-            <a:ext cx="6178785" cy="1200329"/>
-          </a:xfrm>
-          <a:prstGeom prst="rect">
-            <a:avLst/>
-          </a:prstGeom>
-          <a:noFill/>
-        </p:spPr>
-        <p:txBody>
-          <a:bodyPr wrap="square" rtlCol="0">
-            <a:spAutoFit/>
-          </a:bodyPr>
-          <a:lstStyle/>
-          <a:p>
-            <a:r>
-              <a:rPr lang="en-GB" dirty="0"/>
-              <a:t>Russell L. </a:t>
-            </a:r>
-            <a:r>
-              <a:rPr lang="en-GB" dirty="0" err="1"/>
-              <a:t>Ackoff</a:t>
-            </a:r>
-            <a:r>
-              <a:rPr lang="en-GB" dirty="0"/>
-              <a:t> (1994) </a:t>
-            </a:r>
-          </a:p>
-          <a:p>
-            <a:r>
-              <a:rPr lang="en-GB" dirty="0"/>
-              <a:t>https://</a:t>
-            </a:r>
-            <a:r>
-              <a:rPr lang="en-GB" dirty="0" err="1"/>
-              <a:t>www.youtube.com</a:t>
-            </a:r>
-            <a:r>
-              <a:rPr lang="en-GB" dirty="0"/>
-              <a:t>/</a:t>
-            </a:r>
-            <a:r>
-              <a:rPr lang="en-GB" dirty="0" err="1"/>
-              <a:t>watch?v</a:t>
-            </a:r>
-            <a:r>
-              <a:rPr lang="en-GB" dirty="0"/>
-              <a:t>=OqEeIG8aPPk</a:t>
-            </a:r>
-          </a:p>
-          <a:p>
-            <a:r>
-              <a:rPr lang="en-GB" dirty="0"/>
-              <a:t>An event hosted by Clare Crawford-Mason and Lloyd </a:t>
-            </a:r>
-            <a:r>
-              <a:rPr lang="en-GB" dirty="0" err="1"/>
-              <a:t>Dobyns</a:t>
-            </a:r>
-            <a:r>
-              <a:rPr lang="en-GB" dirty="0"/>
-              <a:t> </a:t>
-            </a:r>
-          </a:p>
-          <a:p>
-            <a:r>
-              <a:rPr lang="en-GB" dirty="0"/>
-              <a:t>to capture the Learning and Legacy of </a:t>
-            </a:r>
-            <a:r>
-              <a:rPr lang="en-GB" dirty="0" err="1"/>
-              <a:t>Dr.</a:t>
-            </a:r>
-            <a:r>
-              <a:rPr lang="en-GB" dirty="0"/>
-              <a:t> W. Edwards Deming.</a:t>
-            </a:r>
-            <a:endParaRPr lang="bg-BG" dirty="0"/>
-          </a:p>
-        </p:txBody>
-      </p:sp>
-    </p:spTree>
-    <p:extLst>
-      <p:ext uri="{BB962C8B-B14F-4D97-AF65-F5344CB8AC3E}">
-        <p14:creationId xmlns:p14="http://schemas.microsoft.com/office/powerpoint/2010/main" val="1267798381"/>
-      </p:ext>
-    </p:extLst>
-  </p:cSld>
-  <p:clrMapOvr>
-    <a:masterClrMapping/>
-  </p:clrMapOvr>
-</p:sld>
-</file>
-
-<file path=ppt/slides/slide21.xml><?xml version="1.0" encoding="utf-8"?>
-<p:sld xmlns:a="http://schemas.openxmlformats.org/drawingml/2006/main" xmlns:r="http://schemas.openxmlformats.org/officeDocument/2006/relationships" xmlns:p="http://schemas.openxmlformats.org/presentationml/2006/main">
-  <p:cSld>
-    <p:spTree>
-      <p:nvGrpSpPr>
-        <p:cNvPr id="1" name=""/>
-        <p:cNvGrpSpPr/>
-        <p:nvPr/>
-      </p:nvGrpSpPr>
-      <p:grpSpPr>
-        <a:xfrm>
-          <a:off x="0" y="0"/>
-          <a:ext cx="0" cy="0"/>
-          <a:chOff x="0" y="0"/>
-          <a:chExt cx="0" cy="0"/>
-        </a:xfrm>
-      </p:grpSpPr>
-      <p:sp>
-        <p:nvSpPr>
-          <p:cNvPr id="2" name="Text Placeholder 1"/>
-          <p:cNvSpPr>
-            <a:spLocks noGrp="1"/>
-          </p:cNvSpPr>
-          <p:nvPr>
-            <p:ph type="body" idx="1"/>
-          </p:nvPr>
-        </p:nvSpPr>
-        <p:spPr>
-          <a:xfrm>
-            <a:off x="325591" y="1601803"/>
             <a:ext cx="11353721" cy="2492990"/>
           </a:xfrm>
         </p:spPr>
@@ -11986,7 +10911,7 @@
 </p:sld>
 </file>
 
-<file path=ppt/slides/slide22.xml><?xml version="1.0" encoding="utf-8"?>
+<file path=ppt/slides/slide21.xml><?xml version="1.0" encoding="utf-8"?>
 <p:sld xmlns:a="http://schemas.openxmlformats.org/drawingml/2006/main" xmlns:r="http://schemas.openxmlformats.org/officeDocument/2006/relationships" xmlns:p="http://schemas.openxmlformats.org/presentationml/2006/main">
   <p:cSld>
     <p:spTree>

--- a/Knowledge Discovery Game.pptx
+++ b/Knowledge Discovery Game.pptx
@@ -5,30 +5,41 @@
     <p:sldMasterId id="2147483660" r:id="rId1"/>
   </p:sldMasterIdLst>
   <p:notesMasterIdLst>
-    <p:notesMasterId r:id="rId23"/>
+    <p:notesMasterId r:id="rId34"/>
   </p:notesMasterIdLst>
   <p:sldIdLst>
     <p:sldId id="256" r:id="rId2"/>
-    <p:sldId id="439" r:id="rId3"/>
-    <p:sldId id="319" r:id="rId4"/>
-    <p:sldId id="558" r:id="rId5"/>
-    <p:sldId id="528" r:id="rId6"/>
-    <p:sldId id="941" r:id="rId7"/>
-    <p:sldId id="308" r:id="rId8"/>
-    <p:sldId id="312" r:id="rId9"/>
-    <p:sldId id="277" r:id="rId10"/>
-    <p:sldId id="276" r:id="rId11"/>
-    <p:sldId id="273" r:id="rId12"/>
-    <p:sldId id="937" r:id="rId13"/>
-    <p:sldId id="559" r:id="rId14"/>
-    <p:sldId id="447" r:id="rId15"/>
-    <p:sldId id="444" r:id="rId16"/>
-    <p:sldId id="938" r:id="rId17"/>
-    <p:sldId id="940" r:id="rId18"/>
+    <p:sldId id="558" r:id="rId3"/>
+    <p:sldId id="439" r:id="rId4"/>
+    <p:sldId id="528" r:id="rId5"/>
+    <p:sldId id="941" r:id="rId6"/>
+    <p:sldId id="308" r:id="rId7"/>
+    <p:sldId id="312" r:id="rId8"/>
+    <p:sldId id="277" r:id="rId9"/>
+    <p:sldId id="276" r:id="rId10"/>
+    <p:sldId id="273" r:id="rId11"/>
+    <p:sldId id="937" r:id="rId12"/>
+    <p:sldId id="559" r:id="rId13"/>
+    <p:sldId id="447" r:id="rId14"/>
+    <p:sldId id="444" r:id="rId15"/>
+    <p:sldId id="938" r:id="rId16"/>
+    <p:sldId id="940" r:id="rId17"/>
+    <p:sldId id="2041" r:id="rId18"/>
     <p:sldId id="400" r:id="rId19"/>
-    <p:sldId id="401" r:id="rId20"/>
-    <p:sldId id="469" r:id="rId21"/>
-    <p:sldId id="409" r:id="rId22"/>
+    <p:sldId id="2071" r:id="rId20"/>
+    <p:sldId id="1967" r:id="rId21"/>
+    <p:sldId id="1962" r:id="rId22"/>
+    <p:sldId id="2020" r:id="rId23"/>
+    <p:sldId id="1987" r:id="rId24"/>
+    <p:sldId id="401" r:id="rId25"/>
+    <p:sldId id="469" r:id="rId26"/>
+    <p:sldId id="2065" r:id="rId27"/>
+    <p:sldId id="2066" r:id="rId28"/>
+    <p:sldId id="2067" r:id="rId29"/>
+    <p:sldId id="2068" r:id="rId30"/>
+    <p:sldId id="2069" r:id="rId31"/>
+    <p:sldId id="2070" r:id="rId32"/>
+    <p:sldId id="409" r:id="rId33"/>
   </p:sldIdLst>
   <p:sldSz cx="12192000" cy="6858000"/>
   <p:notesSz cx="6858000" cy="9144000"/>
@@ -133,9 +144,8 @@
         <p14:section name="Start" id="{BF8007BE-5A68-8E43-8F25-6D3E62C81BCA}">
           <p14:sldIdLst>
             <p14:sldId id="256"/>
+            <p14:sldId id="558"/>
             <p14:sldId id="439"/>
-            <p14:sldId id="319"/>
-            <p14:sldId id="558"/>
             <p14:sldId id="528"/>
             <p14:sldId id="941"/>
             <p14:sldId id="308"/>
@@ -153,13 +163,25 @@
             <p14:sldId id="444"/>
             <p14:sldId id="938"/>
             <p14:sldId id="940"/>
+            <p14:sldId id="2041"/>
           </p14:sldIdLst>
         </p14:section>
         <p14:section name="Kanban Policy Game Simulation" id="{ACCAA2BB-22AB-0E48-933B-19FC2FF17CF3}">
           <p14:sldIdLst>
             <p14:sldId id="400"/>
+            <p14:sldId id="2071"/>
+            <p14:sldId id="1967"/>
+            <p14:sldId id="1962"/>
+            <p14:sldId id="2020"/>
+            <p14:sldId id="1987"/>
             <p14:sldId id="401"/>
             <p14:sldId id="469"/>
+            <p14:sldId id="2065"/>
+            <p14:sldId id="2066"/>
+            <p14:sldId id="2067"/>
+            <p14:sldId id="2068"/>
+            <p14:sldId id="2069"/>
+            <p14:sldId id="2070"/>
             <p14:sldId id="409"/>
           </p14:sldIdLst>
         </p14:section>
@@ -254,7 +276,7 @@
           <a:p>
             <a:fld id="{F7631030-5E3A-9A4F-9303-8C792B0FA705}" type="datetimeFigureOut">
               <a:rPr lang="en-US" smtClean="0"/>
-              <a:t>12/4/22</a:t>
+              <a:t>12/9/22</a:t>
             </a:fld>
             <a:endParaRPr lang="en-US"/>
           </a:p>
@@ -610,7 +632,7 @@
           <a:p>
             <a:fld id="{17D8866A-684B-4641-8583-D1C928AE3307}" type="slidenum">
               <a:rPr lang="en-US" smtClean="0"/>
-              <a:t>2</a:t>
+              <a:t>3</a:t>
             </a:fld>
             <a:endParaRPr lang="en-US"/>
           </a:p>
@@ -620,6 +642,524 @@
     <p:extLst>
       <p:ext uri="{BB962C8B-B14F-4D97-AF65-F5344CB8AC3E}">
         <p14:creationId xmlns:p14="http://schemas.microsoft.com/office/powerpoint/2010/main" val="921151677"/>
+      </p:ext>
+    </p:extLst>
+  </p:cSld>
+  <p:clrMapOvr>
+    <a:masterClrMapping/>
+  </p:clrMapOvr>
+</p:notes>
+</file>
+
+<file path=ppt/notesSlides/notesSlide10.xml><?xml version="1.0" encoding="utf-8"?>
+<p:notes xmlns:a="http://schemas.openxmlformats.org/drawingml/2006/main" xmlns:r="http://schemas.openxmlformats.org/officeDocument/2006/relationships" xmlns:p="http://schemas.openxmlformats.org/presentationml/2006/main">
+  <p:cSld>
+    <p:spTree>
+      <p:nvGrpSpPr>
+        <p:cNvPr id="1" name=""/>
+        <p:cNvGrpSpPr/>
+        <p:nvPr/>
+      </p:nvGrpSpPr>
+      <p:grpSpPr>
+        <a:xfrm>
+          <a:off x="0" y="0"/>
+          <a:ext cx="0" cy="0"/>
+          <a:chOff x="0" y="0"/>
+          <a:chExt cx="0" cy="0"/>
+        </a:xfrm>
+      </p:grpSpPr>
+      <p:sp>
+        <p:nvSpPr>
+          <p:cNvPr id="230" name="Shape 230"/>
+          <p:cNvSpPr>
+            <a:spLocks noGrp="1" noRot="1" noChangeAspect="1"/>
+          </p:cNvSpPr>
+          <p:nvPr>
+            <p:ph type="sldImg"/>
+          </p:nvPr>
+        </p:nvSpPr>
+        <p:spPr>
+          <a:prstGeom prst="rect">
+            <a:avLst/>
+          </a:prstGeom>
+        </p:spPr>
+        <p:txBody>
+          <a:bodyPr/>
+          <a:lstStyle/>
+          <a:p>
+            <a:endParaRPr/>
+          </a:p>
+        </p:txBody>
+      </p:sp>
+      <p:sp>
+        <p:nvSpPr>
+          <p:cNvPr id="231" name="Shape 231"/>
+          <p:cNvSpPr>
+            <a:spLocks noGrp="1"/>
+          </p:cNvSpPr>
+          <p:nvPr>
+            <p:ph type="body" sz="quarter" idx="1"/>
+          </p:nvPr>
+        </p:nvSpPr>
+        <p:spPr>
+          <a:prstGeom prst="rect">
+            <a:avLst/>
+          </a:prstGeom>
+        </p:spPr>
+        <p:txBody>
+          <a:bodyPr/>
+          <a:lstStyle/>
+          <a:p>
+            <a:r>
+              <a:t>“Missing information” is studied by the Information Theory.</a:t>
+            </a:r>
+          </a:p>
+          <a:p>
+            <a:endParaRPr/>
+          </a:p>
+          <a:p>
+            <a:r>
+              <a:t>Shannon.’s formula calculates the missing information H as ….</a:t>
+            </a:r>
+          </a:p>
+        </p:txBody>
+      </p:sp>
+    </p:spTree>
+    <p:extLst>
+      <p:ext uri="{BB962C8B-B14F-4D97-AF65-F5344CB8AC3E}">
+        <p14:creationId xmlns:p14="http://schemas.microsoft.com/office/powerpoint/2010/main" val="799950204"/>
+      </p:ext>
+    </p:extLst>
+  </p:cSld>
+  <p:clrMapOvr>
+    <a:masterClrMapping/>
+  </p:clrMapOvr>
+</p:notes>
+</file>
+
+<file path=ppt/notesSlides/notesSlide11.xml><?xml version="1.0" encoding="utf-8"?>
+<p:notes xmlns:a="http://schemas.openxmlformats.org/drawingml/2006/main" xmlns:r="http://schemas.openxmlformats.org/officeDocument/2006/relationships" xmlns:p="http://schemas.openxmlformats.org/presentationml/2006/main">
+  <p:cSld>
+    <p:spTree>
+      <p:nvGrpSpPr>
+        <p:cNvPr id="1" name=""/>
+        <p:cNvGrpSpPr/>
+        <p:nvPr/>
+      </p:nvGrpSpPr>
+      <p:grpSpPr>
+        <a:xfrm>
+          <a:off x="0" y="0"/>
+          <a:ext cx="0" cy="0"/>
+          <a:chOff x="0" y="0"/>
+          <a:chExt cx="0" cy="0"/>
+        </a:xfrm>
+      </p:grpSpPr>
+      <p:sp>
+        <p:nvSpPr>
+          <p:cNvPr id="235" name="Shape 235"/>
+          <p:cNvSpPr>
+            <a:spLocks noGrp="1" noRot="1" noChangeAspect="1"/>
+          </p:cNvSpPr>
+          <p:nvPr>
+            <p:ph type="sldImg"/>
+          </p:nvPr>
+        </p:nvSpPr>
+        <p:spPr>
+          <a:prstGeom prst="rect">
+            <a:avLst/>
+          </a:prstGeom>
+        </p:spPr>
+        <p:txBody>
+          <a:bodyPr/>
+          <a:lstStyle/>
+          <a:p>
+            <a:endParaRPr/>
+          </a:p>
+        </p:txBody>
+      </p:sp>
+      <p:sp>
+        <p:nvSpPr>
+          <p:cNvPr id="236" name="Shape 236"/>
+          <p:cNvSpPr>
+            <a:spLocks noGrp="1"/>
+          </p:cNvSpPr>
+          <p:nvPr>
+            <p:ph type="body" sz="quarter" idx="1"/>
+          </p:nvPr>
+        </p:nvSpPr>
+        <p:spPr>
+          <a:prstGeom prst="rect">
+            <a:avLst/>
+          </a:prstGeom>
+        </p:spPr>
+        <p:txBody>
+          <a:bodyPr/>
+          <a:lstStyle/>
+          <a:p>
+            <a:r>
+              <a:rPr dirty="0"/>
+              <a:t>Missing information equals the average number of “Yes/No” binary questions we need to ask in order to gain the knowledge needed.</a:t>
+            </a:r>
+          </a:p>
+        </p:txBody>
+      </p:sp>
+    </p:spTree>
+    <p:extLst>
+      <p:ext uri="{BB962C8B-B14F-4D97-AF65-F5344CB8AC3E}">
+        <p14:creationId xmlns:p14="http://schemas.microsoft.com/office/powerpoint/2010/main" val="309700020"/>
+      </p:ext>
+    </p:extLst>
+  </p:cSld>
+  <p:clrMapOvr>
+    <a:masterClrMapping/>
+  </p:clrMapOvr>
+</p:notes>
+</file>
+
+<file path=ppt/notesSlides/notesSlide12.xml><?xml version="1.0" encoding="utf-8"?>
+<p:notes xmlns:a="http://schemas.openxmlformats.org/drawingml/2006/main" xmlns:r="http://schemas.openxmlformats.org/officeDocument/2006/relationships" xmlns:p="http://schemas.openxmlformats.org/presentationml/2006/main">
+  <p:cSld>
+    <p:spTree>
+      <p:nvGrpSpPr>
+        <p:cNvPr id="1" name=""/>
+        <p:cNvGrpSpPr/>
+        <p:nvPr/>
+      </p:nvGrpSpPr>
+      <p:grpSpPr>
+        <a:xfrm>
+          <a:off x="0" y="0"/>
+          <a:ext cx="0" cy="0"/>
+          <a:chOff x="0" y="0"/>
+          <a:chExt cx="0" cy="0"/>
+        </a:xfrm>
+      </p:grpSpPr>
+      <p:sp>
+        <p:nvSpPr>
+          <p:cNvPr id="2" name="Slide Image Placeholder 1"/>
+          <p:cNvSpPr>
+            <a:spLocks noGrp="1" noRot="1" noChangeAspect="1"/>
+          </p:cNvSpPr>
+          <p:nvPr>
+            <p:ph type="sldImg"/>
+          </p:nvPr>
+        </p:nvSpPr>
+        <p:spPr/>
+      </p:sp>
+      <p:sp>
+        <p:nvSpPr>
+          <p:cNvPr id="3" name="Notes Placeholder 2"/>
+          <p:cNvSpPr>
+            <a:spLocks noGrp="1"/>
+          </p:cNvSpPr>
+          <p:nvPr>
+            <p:ph type="body" idx="1"/>
+          </p:nvPr>
+        </p:nvSpPr>
+        <p:spPr/>
+        <p:txBody>
+          <a:bodyPr/>
+          <a:lstStyle/>
+          <a:p>
+            <a:r>
+              <a:rPr lang="en-GB" b="0" i="0" dirty="0">
+                <a:solidFill>
+                  <a:srgbClr val="24292F"/>
+                </a:solidFill>
+                <a:effectLst/>
+                <a:latin typeface="-apple-system"/>
+              </a:rPr>
+              <a:t>To put it in context - there are something like 10</a:t>
+            </a:r>
+            <a:r>
+              <a:rPr lang="en-GB" b="0" i="0" baseline="30000" dirty="0">
+                <a:solidFill>
+                  <a:srgbClr val="24292F"/>
+                </a:solidFill>
+                <a:effectLst/>
+                <a:latin typeface="-apple-system"/>
+              </a:rPr>
+              <a:t>22</a:t>
+            </a:r>
+            <a:r>
+              <a:rPr lang="en-GB" b="0" i="0" dirty="0">
+                <a:solidFill>
+                  <a:srgbClr val="24292F"/>
+                </a:solidFill>
+                <a:effectLst/>
+                <a:latin typeface="-apple-system"/>
+              </a:rPr>
+              <a:t> to 10</a:t>
+            </a:r>
+            <a:r>
+              <a:rPr lang="en-GB" b="0" i="0" baseline="30000" dirty="0">
+                <a:solidFill>
+                  <a:srgbClr val="24292F"/>
+                </a:solidFill>
+                <a:effectLst/>
+                <a:latin typeface="-apple-system"/>
+              </a:rPr>
+              <a:t>24</a:t>
+            </a:r>
+            <a:r>
+              <a:rPr lang="en-GB" b="0" i="0" dirty="0">
+                <a:solidFill>
+                  <a:srgbClr val="24292F"/>
+                </a:solidFill>
+                <a:effectLst/>
+                <a:latin typeface="-apple-system"/>
+              </a:rPr>
+              <a:t> stars in the Universe[3]. We may safely say that the knowledge worker faced an unbearable perplexity.</a:t>
+            </a:r>
+            <a:endParaRPr lang="en-BG" dirty="0"/>
+          </a:p>
+        </p:txBody>
+      </p:sp>
+      <p:sp>
+        <p:nvSpPr>
+          <p:cNvPr id="4" name="Slide Number Placeholder 3"/>
+          <p:cNvSpPr>
+            <a:spLocks noGrp="1"/>
+          </p:cNvSpPr>
+          <p:nvPr>
+            <p:ph type="sldNum" sz="quarter" idx="5"/>
+          </p:nvPr>
+        </p:nvSpPr>
+        <p:spPr/>
+        <p:txBody>
+          <a:bodyPr/>
+          <a:lstStyle/>
+          <a:p>
+            <a:fld id="{4FA2A6E7-4331-A049-85E7-D77B672CDE97}" type="slidenum">
+              <a:rPr lang="en-US" smtClean="0"/>
+              <a:t>29</a:t>
+            </a:fld>
+            <a:endParaRPr lang="en-US"/>
+          </a:p>
+        </p:txBody>
+      </p:sp>
+    </p:spTree>
+    <p:extLst>
+      <p:ext uri="{BB962C8B-B14F-4D97-AF65-F5344CB8AC3E}">
+        <p14:creationId xmlns:p14="http://schemas.microsoft.com/office/powerpoint/2010/main" val="1487287600"/>
+      </p:ext>
+    </p:extLst>
+  </p:cSld>
+  <p:clrMapOvr>
+    <a:masterClrMapping/>
+  </p:clrMapOvr>
+</p:notes>
+</file>
+
+<file path=ppt/notesSlides/notesSlide13.xml><?xml version="1.0" encoding="utf-8"?>
+<p:notes xmlns:a="http://schemas.openxmlformats.org/drawingml/2006/main" xmlns:r="http://schemas.openxmlformats.org/officeDocument/2006/relationships" xmlns:p="http://schemas.openxmlformats.org/presentationml/2006/main">
+  <p:cSld>
+    <p:spTree>
+      <p:nvGrpSpPr>
+        <p:cNvPr id="1" name=""/>
+        <p:cNvGrpSpPr/>
+        <p:nvPr/>
+      </p:nvGrpSpPr>
+      <p:grpSpPr>
+        <a:xfrm>
+          <a:off x="0" y="0"/>
+          <a:ext cx="0" cy="0"/>
+          <a:chOff x="0" y="0"/>
+          <a:chExt cx="0" cy="0"/>
+        </a:xfrm>
+      </p:grpSpPr>
+      <p:sp>
+        <p:nvSpPr>
+          <p:cNvPr id="2" name="Slide Image Placeholder 1"/>
+          <p:cNvSpPr>
+            <a:spLocks noGrp="1" noRot="1" noChangeAspect="1"/>
+          </p:cNvSpPr>
+          <p:nvPr>
+            <p:ph type="sldImg"/>
+          </p:nvPr>
+        </p:nvSpPr>
+        <p:spPr/>
+      </p:sp>
+      <p:sp>
+        <p:nvSpPr>
+          <p:cNvPr id="3" name="Notes Placeholder 2"/>
+          <p:cNvSpPr>
+            <a:spLocks noGrp="1"/>
+          </p:cNvSpPr>
+          <p:nvPr>
+            <p:ph type="body" idx="1"/>
+          </p:nvPr>
+        </p:nvSpPr>
+        <p:spPr/>
+        <p:txBody>
+          <a:bodyPr/>
+          <a:lstStyle/>
+          <a:p>
+            <a:r>
+              <a:rPr lang="en-US" dirty="0"/>
+              <a:t>We measure the capability of software development </a:t>
+            </a:r>
+            <a:r>
+              <a:rPr lang="en-US" dirty="0" err="1"/>
+              <a:t>organisations</a:t>
+            </a:r>
+            <a:r>
+              <a:rPr lang="en-US" dirty="0"/>
+              <a:t>, using the scientifically backed and patented metric ! Knowledge Discovery Efficiency or KEDE.</a:t>
+            </a:r>
+          </a:p>
+          <a:p>
+            <a:r>
+              <a:rPr lang="en-US" dirty="0"/>
+              <a:t>KEDE reflects the capability of software developers to efficiently discover and apply knowledge.</a:t>
+            </a:r>
+          </a:p>
+          <a:p>
+            <a:endParaRPr lang="en-BG" dirty="0"/>
+          </a:p>
+        </p:txBody>
+      </p:sp>
+      <p:sp>
+        <p:nvSpPr>
+          <p:cNvPr id="4" name="Slide Number Placeholder 3"/>
+          <p:cNvSpPr>
+            <a:spLocks noGrp="1"/>
+          </p:cNvSpPr>
+          <p:nvPr>
+            <p:ph type="sldNum" sz="quarter" idx="5"/>
+          </p:nvPr>
+        </p:nvSpPr>
+        <p:spPr/>
+        <p:txBody>
+          <a:bodyPr/>
+          <a:lstStyle/>
+          <a:p>
+            <a:fld id="{1283F2E3-B719-4A81-8C33-C26E59669CD4}" type="slidenum">
+              <a:rPr lang="en-US" smtClean="0"/>
+              <a:t>30</a:t>
+            </a:fld>
+            <a:endParaRPr lang="en-US"/>
+          </a:p>
+        </p:txBody>
+      </p:sp>
+    </p:spTree>
+    <p:extLst>
+      <p:ext uri="{BB962C8B-B14F-4D97-AF65-F5344CB8AC3E}">
+        <p14:creationId xmlns:p14="http://schemas.microsoft.com/office/powerpoint/2010/main" val="1431787635"/>
+      </p:ext>
+    </p:extLst>
+  </p:cSld>
+  <p:clrMapOvr>
+    <a:masterClrMapping/>
+  </p:clrMapOvr>
+</p:notes>
+</file>
+
+<file path=ppt/notesSlides/notesSlide14.xml><?xml version="1.0" encoding="utf-8"?>
+<p:notes xmlns:a="http://schemas.openxmlformats.org/drawingml/2006/main" xmlns:r="http://schemas.openxmlformats.org/officeDocument/2006/relationships" xmlns:p="http://schemas.openxmlformats.org/presentationml/2006/main">
+  <p:cSld>
+    <p:spTree>
+      <p:nvGrpSpPr>
+        <p:cNvPr id="1" name=""/>
+        <p:cNvGrpSpPr/>
+        <p:nvPr/>
+      </p:nvGrpSpPr>
+      <p:grpSpPr>
+        <a:xfrm>
+          <a:off x="0" y="0"/>
+          <a:ext cx="0" cy="0"/>
+          <a:chOff x="0" y="0"/>
+          <a:chExt cx="0" cy="0"/>
+        </a:xfrm>
+      </p:grpSpPr>
+      <p:sp>
+        <p:nvSpPr>
+          <p:cNvPr id="2" name="Slide Image Placeholder 1"/>
+          <p:cNvSpPr>
+            <a:spLocks noGrp="1" noRot="1" noChangeAspect="1"/>
+          </p:cNvSpPr>
+          <p:nvPr>
+            <p:ph type="sldImg"/>
+          </p:nvPr>
+        </p:nvSpPr>
+        <p:spPr/>
+      </p:sp>
+      <p:sp>
+        <p:nvSpPr>
+          <p:cNvPr id="3" name="Notes Placeholder 2"/>
+          <p:cNvSpPr>
+            <a:spLocks noGrp="1"/>
+          </p:cNvSpPr>
+          <p:nvPr>
+            <p:ph type="body" idx="1"/>
+          </p:nvPr>
+        </p:nvSpPr>
+        <p:spPr/>
+        <p:txBody>
+          <a:bodyPr/>
+          <a:lstStyle/>
+          <a:p>
+            <a:r>
+              <a:rPr lang="en-GB" b="0" i="0" dirty="0">
+                <a:solidFill>
+                  <a:srgbClr val="24292F"/>
+                </a:solidFill>
+                <a:effectLst/>
+                <a:latin typeface="-apple-system"/>
+              </a:rPr>
+              <a:t>Now we can rewrite the productivity formula for software developers to have KEDE in the denominator.</a:t>
+            </a:r>
+          </a:p>
+          <a:p>
+            <a:endParaRPr lang="en-GB" b="0" i="0" dirty="0">
+              <a:solidFill>
+                <a:srgbClr val="24292F"/>
+              </a:solidFill>
+              <a:effectLst/>
+              <a:latin typeface="-apple-system"/>
+            </a:endParaRPr>
+          </a:p>
+          <a:p>
+            <a:r>
+              <a:rPr lang="en-GB" b="0" i="0" dirty="0">
+                <a:solidFill>
+                  <a:srgbClr val="24292F"/>
+                </a:solidFill>
+                <a:effectLst/>
+                <a:latin typeface="-apple-system"/>
+              </a:rPr>
+              <a:t>For example, if we have an outcome of $100,000 and KEDE of 2, then productivity will be $2048 per bit of information. On another hand, if we have the same outcome of $100,000, but this time KEDE is 20, then productivity will be $25,000 per bit of information. We see the disproportionately positive effect of having experts on the team.</a:t>
+            </a:r>
+            <a:endParaRPr lang="en-BG" dirty="0"/>
+          </a:p>
+        </p:txBody>
+      </p:sp>
+      <p:sp>
+        <p:nvSpPr>
+          <p:cNvPr id="4" name="Slide Number Placeholder 3"/>
+          <p:cNvSpPr>
+            <a:spLocks noGrp="1"/>
+          </p:cNvSpPr>
+          <p:nvPr>
+            <p:ph type="sldNum" sz="quarter" idx="5"/>
+          </p:nvPr>
+        </p:nvSpPr>
+        <p:spPr/>
+        <p:txBody>
+          <a:bodyPr/>
+          <a:lstStyle/>
+          <a:p>
+            <a:fld id="{4FA2A6E7-4331-A049-85E7-D77B672CDE97}" type="slidenum">
+              <a:rPr lang="en-US" smtClean="0"/>
+              <a:t>31</a:t>
+            </a:fld>
+            <a:endParaRPr lang="en-US"/>
+          </a:p>
+        </p:txBody>
+      </p:sp>
+    </p:spTree>
+    <p:extLst>
+      <p:ext uri="{BB962C8B-B14F-4D97-AF65-F5344CB8AC3E}">
+        <p14:creationId xmlns:p14="http://schemas.microsoft.com/office/powerpoint/2010/main" val="3450589135"/>
       </p:ext>
     </p:extLst>
   </p:cSld>
@@ -694,7 +1234,7 @@
           <a:p>
             <a:fld id="{4FA2A6E7-4331-A049-85E7-D77B672CDE97}" type="slidenum">
               <a:rPr lang="en-US" smtClean="0"/>
-              <a:t>9</a:t>
+              <a:t>8</a:t>
             </a:fld>
             <a:endParaRPr lang="en-US"/>
           </a:p>
@@ -778,7 +1318,7 @@
           <a:p>
             <a:fld id="{4FA2A6E7-4331-A049-85E7-D77B672CDE97}" type="slidenum">
               <a:rPr lang="en-US" smtClean="0"/>
-              <a:t>15</a:t>
+              <a:t>14</a:t>
             </a:fld>
             <a:endParaRPr lang="en-US"/>
           </a:p>
@@ -862,7 +1402,7 @@
           <a:p>
             <a:fld id="{4FA2A6E7-4331-A049-85E7-D77B672CDE97}" type="slidenum">
               <a:rPr lang="en-US" smtClean="0"/>
-              <a:t>16</a:t>
+              <a:t>15</a:t>
             </a:fld>
             <a:endParaRPr lang="en-US"/>
           </a:p>
@@ -946,7 +1486,7 @@
           <a:p>
             <a:fld id="{4FA2A6E7-4331-A049-85E7-D77B672CDE97}" type="slidenum">
               <a:rPr lang="en-US" smtClean="0"/>
-              <a:t>17</a:t>
+              <a:t>16</a:t>
             </a:fld>
             <a:endParaRPr lang="en-US"/>
           </a:p>
@@ -1009,36 +1549,7 @@
           <a:bodyPr/>
           <a:lstStyle/>
           <a:p>
-            <a:r>
-              <a:rPr lang="en-GB" dirty="0">
-                <a:effectLst/>
-              </a:rPr>
-              <a:t>https://</a:t>
-            </a:r>
-            <a:r>
-              <a:rPr lang="en-GB" dirty="0" err="1">
-                <a:effectLst/>
-              </a:rPr>
-              <a:t>www.youtube.com</a:t>
-            </a:r>
-            <a:r>
-              <a:rPr lang="en-GB" dirty="0">
-                <a:effectLst/>
-              </a:rPr>
-              <a:t>/</a:t>
-            </a:r>
-            <a:r>
-              <a:rPr lang="en-GB" dirty="0" err="1">
-                <a:effectLst/>
-              </a:rPr>
-              <a:t>watch?v</a:t>
-            </a:r>
-            <a:r>
-              <a:rPr lang="en-GB" dirty="0">
-                <a:effectLst/>
-              </a:rPr>
-              <a:t>=OqEeIG8aPPk</a:t>
-            </a:r>
+            <a:endParaRPr lang="en-BG" dirty="0"/>
           </a:p>
         </p:txBody>
       </p:sp>
@@ -1049,7 +1560,7 @@
             <a:spLocks noGrp="1"/>
           </p:cNvSpPr>
           <p:nvPr>
-            <p:ph type="sldNum" sz="quarter" idx="10"/>
+            <p:ph type="sldNum" sz="quarter" idx="5"/>
           </p:nvPr>
         </p:nvSpPr>
         <p:spPr/>
@@ -1059,7 +1570,7 @@
           <a:p>
             <a:fld id="{4FA2A6E7-4331-A049-85E7-D77B672CDE97}" type="slidenum">
               <a:rPr lang="en-US" smtClean="0"/>
-              <a:t>19</a:t>
+              <a:t>20</a:t>
             </a:fld>
             <a:endParaRPr lang="en-US"/>
           </a:p>
@@ -1068,7 +1579,7 @@
     </p:spTree>
     <p:extLst>
       <p:ext uri="{BB962C8B-B14F-4D97-AF65-F5344CB8AC3E}">
-        <p14:creationId xmlns:p14="http://schemas.microsoft.com/office/powerpoint/2010/main" val="554643933"/>
+        <p14:creationId xmlns:p14="http://schemas.microsoft.com/office/powerpoint/2010/main" val="2036786416"/>
       </p:ext>
     </p:extLst>
   </p:cSld>
@@ -1122,9 +1633,36 @@
           <a:bodyPr/>
           <a:lstStyle/>
           <a:p>
-            <a:endParaRPr lang="en-GB" dirty="0">
-              <a:effectLst/>
-            </a:endParaRPr>
+            <a:r>
+              <a:rPr lang="en-GB" dirty="0">
+                <a:effectLst/>
+              </a:rPr>
+              <a:t>https://</a:t>
+            </a:r>
+            <a:r>
+              <a:rPr lang="en-GB" dirty="0" err="1">
+                <a:effectLst/>
+              </a:rPr>
+              <a:t>www.youtube.com</a:t>
+            </a:r>
+            <a:r>
+              <a:rPr lang="en-GB" dirty="0">
+                <a:effectLst/>
+              </a:rPr>
+              <a:t>/</a:t>
+            </a:r>
+            <a:r>
+              <a:rPr lang="en-GB" dirty="0" err="1">
+                <a:effectLst/>
+              </a:rPr>
+              <a:t>watch?v</a:t>
+            </a:r>
+            <a:r>
+              <a:rPr lang="en-GB" dirty="0">
+                <a:effectLst/>
+              </a:rPr>
+              <a:t>=OqEeIG8aPPk</a:t>
+            </a:r>
           </a:p>
         </p:txBody>
       </p:sp>
@@ -1145,7 +1683,93 @@
           <a:p>
             <a:fld id="{4FA2A6E7-4331-A049-85E7-D77B672CDE97}" type="slidenum">
               <a:rPr lang="en-US" smtClean="0"/>
-              <a:t>20</a:t>
+              <a:t>24</a:t>
+            </a:fld>
+            <a:endParaRPr lang="en-US"/>
+          </a:p>
+        </p:txBody>
+      </p:sp>
+    </p:spTree>
+    <p:extLst>
+      <p:ext uri="{BB962C8B-B14F-4D97-AF65-F5344CB8AC3E}">
+        <p14:creationId xmlns:p14="http://schemas.microsoft.com/office/powerpoint/2010/main" val="554643933"/>
+      </p:ext>
+    </p:extLst>
+  </p:cSld>
+  <p:clrMapOvr>
+    <a:masterClrMapping/>
+  </p:clrMapOvr>
+</p:notes>
+</file>
+
+<file path=ppt/notesSlides/notesSlide8.xml><?xml version="1.0" encoding="utf-8"?>
+<p:notes xmlns:a="http://schemas.openxmlformats.org/drawingml/2006/main" xmlns:r="http://schemas.openxmlformats.org/officeDocument/2006/relationships" xmlns:p="http://schemas.openxmlformats.org/presentationml/2006/main">
+  <p:cSld>
+    <p:spTree>
+      <p:nvGrpSpPr>
+        <p:cNvPr id="1" name=""/>
+        <p:cNvGrpSpPr/>
+        <p:nvPr/>
+      </p:nvGrpSpPr>
+      <p:grpSpPr>
+        <a:xfrm>
+          <a:off x="0" y="0"/>
+          <a:ext cx="0" cy="0"/>
+          <a:chOff x="0" y="0"/>
+          <a:chExt cx="0" cy="0"/>
+        </a:xfrm>
+      </p:grpSpPr>
+      <p:sp>
+        <p:nvSpPr>
+          <p:cNvPr id="2" name="Slide Image Placeholder 1"/>
+          <p:cNvSpPr>
+            <a:spLocks noGrp="1" noRot="1" noChangeAspect="1"/>
+          </p:cNvSpPr>
+          <p:nvPr>
+            <p:ph type="sldImg"/>
+          </p:nvPr>
+        </p:nvSpPr>
+        <p:spPr/>
+      </p:sp>
+      <p:sp>
+        <p:nvSpPr>
+          <p:cNvPr id="3" name="Notes Placeholder 2"/>
+          <p:cNvSpPr>
+            <a:spLocks noGrp="1"/>
+          </p:cNvSpPr>
+          <p:nvPr>
+            <p:ph type="body" idx="1"/>
+          </p:nvPr>
+        </p:nvSpPr>
+        <p:spPr/>
+        <p:txBody>
+          <a:bodyPr/>
+          <a:lstStyle/>
+          <a:p>
+            <a:endParaRPr lang="en-GB" dirty="0">
+              <a:effectLst/>
+            </a:endParaRPr>
+          </a:p>
+        </p:txBody>
+      </p:sp>
+      <p:sp>
+        <p:nvSpPr>
+          <p:cNvPr id="4" name="Slide Number Placeholder 3"/>
+          <p:cNvSpPr>
+            <a:spLocks noGrp="1"/>
+          </p:cNvSpPr>
+          <p:nvPr>
+            <p:ph type="sldNum" sz="quarter" idx="10"/>
+          </p:nvPr>
+        </p:nvSpPr>
+        <p:spPr/>
+        <p:txBody>
+          <a:bodyPr/>
+          <a:lstStyle/>
+          <a:p>
+            <a:fld id="{4FA2A6E7-4331-A049-85E7-D77B672CDE97}" type="slidenum">
+              <a:rPr lang="en-US" smtClean="0"/>
+              <a:t>25</a:t>
             </a:fld>
             <a:endParaRPr lang="en-US"/>
           </a:p>
@@ -1155,6 +1779,208 @@
     <p:extLst>
       <p:ext uri="{BB962C8B-B14F-4D97-AF65-F5344CB8AC3E}">
         <p14:creationId xmlns:p14="http://schemas.microsoft.com/office/powerpoint/2010/main" val="1337946764"/>
+      </p:ext>
+    </p:extLst>
+  </p:cSld>
+  <p:clrMapOvr>
+    <a:masterClrMapping/>
+  </p:clrMapOvr>
+</p:notes>
+</file>
+
+<file path=ppt/notesSlides/notesSlide9.xml><?xml version="1.0" encoding="utf-8"?>
+<p:notes xmlns:a="http://schemas.openxmlformats.org/drawingml/2006/main" xmlns:r="http://schemas.openxmlformats.org/officeDocument/2006/relationships" xmlns:p="http://schemas.openxmlformats.org/presentationml/2006/main">
+  <p:cSld>
+    <p:spTree>
+      <p:nvGrpSpPr>
+        <p:cNvPr id="1" name=""/>
+        <p:cNvGrpSpPr/>
+        <p:nvPr/>
+      </p:nvGrpSpPr>
+      <p:grpSpPr>
+        <a:xfrm>
+          <a:off x="0" y="0"/>
+          <a:ext cx="0" cy="0"/>
+          <a:chOff x="0" y="0"/>
+          <a:chExt cx="0" cy="0"/>
+        </a:xfrm>
+      </p:grpSpPr>
+      <p:sp>
+        <p:nvSpPr>
+          <p:cNvPr id="2" name="Slide Image Placeholder 1"/>
+          <p:cNvSpPr>
+            <a:spLocks noGrp="1" noRot="1" noChangeAspect="1"/>
+          </p:cNvSpPr>
+          <p:nvPr>
+            <p:ph type="sldImg"/>
+          </p:nvPr>
+        </p:nvSpPr>
+        <p:spPr/>
+      </p:sp>
+      <p:sp>
+        <p:nvSpPr>
+          <p:cNvPr id="3" name="Notes Placeholder 2"/>
+          <p:cNvSpPr>
+            <a:spLocks noGrp="1"/>
+          </p:cNvSpPr>
+          <p:nvPr>
+            <p:ph type="body" idx="1"/>
+          </p:nvPr>
+        </p:nvSpPr>
+        <p:spPr/>
+        <p:txBody>
+          <a:bodyPr/>
+          <a:lstStyle/>
+          <a:p>
+            <a:r>
+              <a:rPr lang="en-GB" b="0" i="0" dirty="0">
+                <a:solidFill>
+                  <a:srgbClr val="24292F"/>
+                </a:solidFill>
+                <a:effectLst/>
+                <a:latin typeface="-apple-system"/>
+              </a:rPr>
+              <a:t>Software developers apply </a:t>
+            </a:r>
+            <a:r>
+              <a:rPr lang="en-GB" b="0" i="0" u="none" strike="noStrike" dirty="0">
+                <a:effectLst/>
+                <a:latin typeface="-apple-system"/>
+                <a:hlinkClick r:id="rId3"/>
+              </a:rPr>
+              <a:t>knowledge</a:t>
+            </a:r>
+            <a:r>
+              <a:rPr lang="en-GB" b="0" i="0" dirty="0">
+                <a:solidFill>
+                  <a:srgbClr val="24292F"/>
+                </a:solidFill>
+                <a:effectLst/>
+                <a:latin typeface="-apple-system"/>
+              </a:rPr>
+              <a:t> in order to deliver </a:t>
+            </a:r>
+            <a:r>
+              <a:rPr lang="en-GB" b="0" i="0" u="none" strike="noStrike" dirty="0">
+                <a:effectLst/>
+                <a:latin typeface="-apple-system"/>
+                <a:hlinkClick r:id="rId4"/>
+              </a:rPr>
+              <a:t>outcomes</a:t>
+            </a:r>
+            <a:r>
+              <a:rPr lang="en-GB" b="0" i="0" dirty="0">
+                <a:solidFill>
+                  <a:srgbClr val="24292F"/>
+                </a:solidFill>
+                <a:effectLst/>
+                <a:latin typeface="-apple-system"/>
+              </a:rPr>
+              <a:t>. If they don't have the knowledge needed they have to </a:t>
+            </a:r>
+            <a:r>
+              <a:rPr lang="en-GB" b="0" i="0" u="none" strike="noStrike" dirty="0">
+                <a:effectLst/>
+                <a:latin typeface="-apple-system"/>
+                <a:hlinkClick r:id="rId5"/>
+              </a:rPr>
+              <a:t>discover</a:t>
+            </a:r>
+            <a:r>
+              <a:rPr lang="en-GB" b="0" i="0" dirty="0">
+                <a:solidFill>
+                  <a:srgbClr val="24292F"/>
+                </a:solidFill>
+                <a:effectLst/>
+                <a:latin typeface="-apple-system"/>
+              </a:rPr>
+              <a:t> it. Existing knowledge is the easiest and the fastest to discover - it is in the head, one just applies it. In other words, when existing knowledge is applied then there is the most efficient </a:t>
+            </a:r>
+            <a:r>
+              <a:rPr lang="en-GB" b="0" i="0" u="none" strike="noStrike" dirty="0">
+                <a:effectLst/>
+                <a:latin typeface="-apple-system"/>
+                <a:hlinkClick r:id="rId5"/>
+              </a:rPr>
+              <a:t>knowledge discovery</a:t>
+            </a:r>
+            <a:r>
+              <a:rPr lang="en-GB" b="0" i="0" dirty="0">
+                <a:solidFill>
+                  <a:srgbClr val="24292F"/>
+                </a:solidFill>
+                <a:effectLst/>
+                <a:latin typeface="-apple-system"/>
+              </a:rPr>
+              <a:t>. Conversely, when a lot of knowledge is missing then the </a:t>
+            </a:r>
+            <a:r>
+              <a:rPr lang="en-GB" b="0" i="0" u="none" strike="noStrike" dirty="0">
+                <a:effectLst/>
+                <a:latin typeface="-apple-system"/>
+                <a:hlinkClick r:id="rId5"/>
+              </a:rPr>
+              <a:t>knowledge discovery</a:t>
+            </a:r>
+            <a:r>
+              <a:rPr lang="en-GB" b="0" i="0" dirty="0">
+                <a:solidFill>
+                  <a:srgbClr val="24292F"/>
+                </a:solidFill>
+                <a:effectLst/>
+                <a:latin typeface="-apple-system"/>
+              </a:rPr>
+              <a:t> is less efficient. The more existing knowledge was applied i.e. the less knowledge was missing for achieving the desired outcome the more efficient the </a:t>
+            </a:r>
+            <a:r>
+              <a:rPr lang="en-GB" b="0" i="0" u="none" strike="noStrike" dirty="0">
+                <a:effectLst/>
+                <a:latin typeface="-apple-system"/>
+                <a:hlinkClick r:id="rId6"/>
+              </a:rPr>
+              <a:t>software development process</a:t>
+            </a:r>
+            <a:r>
+              <a:rPr lang="en-GB" b="0" i="0" dirty="0">
+                <a:solidFill>
+                  <a:srgbClr val="24292F"/>
+                </a:solidFill>
+                <a:effectLst/>
+                <a:latin typeface="-apple-system"/>
+              </a:rPr>
+              <a:t> is.</a:t>
+            </a:r>
+            <a:endParaRPr lang="en-BG" dirty="0"/>
+          </a:p>
+        </p:txBody>
+      </p:sp>
+      <p:sp>
+        <p:nvSpPr>
+          <p:cNvPr id="4" name="Slide Number Placeholder 3"/>
+          <p:cNvSpPr>
+            <a:spLocks noGrp="1"/>
+          </p:cNvSpPr>
+          <p:nvPr>
+            <p:ph type="sldNum" sz="quarter" idx="5"/>
+          </p:nvPr>
+        </p:nvSpPr>
+        <p:spPr/>
+        <p:txBody>
+          <a:bodyPr/>
+          <a:lstStyle/>
+          <a:p>
+            <a:fld id="{4FA2A6E7-4331-A049-85E7-D77B672CDE97}" type="slidenum">
+              <a:rPr lang="en-US" smtClean="0"/>
+              <a:t>26</a:t>
+            </a:fld>
+            <a:endParaRPr lang="en-US"/>
+          </a:p>
+        </p:txBody>
+      </p:sp>
+    </p:spTree>
+    <p:extLst>
+      <p:ext uri="{BB962C8B-B14F-4D97-AF65-F5344CB8AC3E}">
+        <p14:creationId xmlns:p14="http://schemas.microsoft.com/office/powerpoint/2010/main" val="3886010163"/>
       </p:ext>
     </p:extLst>
   </p:cSld>
@@ -1343,7 +2169,7 @@
           <a:p>
             <a:fld id="{C4DFAC79-E610-E644-9EFE-91971AFD3B94}" type="datetimeFigureOut">
               <a:rPr lang="en-US" smtClean="0"/>
-              <a:t>12/4/22</a:t>
+              <a:t>12/9/22</a:t>
             </a:fld>
             <a:endParaRPr lang="en-US"/>
           </a:p>
@@ -1506,7 +2332,7 @@
           <a:p>
             <a:fld id="{C4DFAC79-E610-E644-9EFE-91971AFD3B94}" type="datetimeFigureOut">
               <a:rPr lang="en-US" smtClean="0"/>
-              <a:t>12/4/22</a:t>
+              <a:t>12/9/22</a:t>
             </a:fld>
             <a:endParaRPr lang="en-US"/>
           </a:p>
@@ -1679,7 +2505,7 @@
           <a:p>
             <a:fld id="{C4DFAC79-E610-E644-9EFE-91971AFD3B94}" type="datetimeFigureOut">
               <a:rPr lang="en-US" smtClean="0"/>
-              <a:t>12/4/22</a:t>
+              <a:t>12/9/22</a:t>
             </a:fld>
             <a:endParaRPr lang="en-US"/>
           </a:p>
@@ -2605,6 +3431,71 @@
 </p:sldLayout>
 </file>
 
+<file path=ppt/slideLayouts/slideLayout18.xml><?xml version="1.0" encoding="utf-8"?>
+<p:sldLayout xmlns:a="http://schemas.openxmlformats.org/drawingml/2006/main" xmlns:r="http://schemas.openxmlformats.org/officeDocument/2006/relationships" xmlns:p="http://schemas.openxmlformats.org/presentationml/2006/main" userDrawn="1">
+  <p:cSld name="2_Custom Layout">
+    <p:spTree>
+      <p:nvGrpSpPr>
+        <p:cNvPr id="1" name=""/>
+        <p:cNvGrpSpPr/>
+        <p:nvPr/>
+      </p:nvGrpSpPr>
+      <p:grpSpPr>
+        <a:xfrm>
+          <a:off x="0" y="0"/>
+          <a:ext cx="0" cy="0"/>
+          <a:chOff x="0" y="0"/>
+          <a:chExt cx="0" cy="0"/>
+        </a:xfrm>
+      </p:grpSpPr>
+      <p:sp>
+        <p:nvSpPr>
+          <p:cNvPr id="5" name="Shape 14"/>
+          <p:cNvSpPr txBox="1">
+            <a:spLocks noGrp="1"/>
+          </p:cNvSpPr>
+          <p:nvPr>
+            <p:ph type="body" idx="1"/>
+          </p:nvPr>
+        </p:nvSpPr>
+        <p:spPr>
+          <a:xfrm>
+            <a:off x="541101" y="2554617"/>
+            <a:ext cx="11353721" cy="923330"/>
+          </a:xfrm>
+          <a:prstGeom prst="rect">
+            <a:avLst/>
+          </a:prstGeom>
+        </p:spPr>
+        <p:txBody>
+          <a:bodyPr wrap="square">
+            <a:spAutoFit/>
+          </a:bodyPr>
+          <a:lstStyle>
+            <a:lvl1pPr marL="0" indent="0" algn="ctr">
+              <a:buNone/>
+              <a:defRPr sz="5400" b="0"/>
+            </a:lvl1pPr>
+          </a:lstStyle>
+          <a:p>
+            <a:pPr lvl="0"/>
+            <a:endParaRPr dirty="0"/>
+          </a:p>
+        </p:txBody>
+      </p:sp>
+    </p:spTree>
+    <p:extLst>
+      <p:ext uri="{BB962C8B-B14F-4D97-AF65-F5344CB8AC3E}">
+        <p14:creationId xmlns:p14="http://schemas.microsoft.com/office/powerpoint/2010/main" val="2837895460"/>
+      </p:ext>
+    </p:extLst>
+  </p:cSld>
+  <p:clrMapOvr>
+    <a:masterClrMapping/>
+  </p:clrMapOvr>
+</p:sldLayout>
+</file>
+
 <file path=ppt/slideLayouts/slideLayout2.xml><?xml version="1.0" encoding="utf-8"?>
 <p:sldLayout xmlns:a="http://schemas.openxmlformats.org/drawingml/2006/main" xmlns:r="http://schemas.openxmlformats.org/officeDocument/2006/relationships" xmlns:p="http://schemas.openxmlformats.org/presentationml/2006/main" type="obj" preserve="1">
   <p:cSld name="Title and Content">
@@ -2712,7 +3603,7 @@
           <a:p>
             <a:fld id="{C4DFAC79-E610-E644-9EFE-91971AFD3B94}" type="datetimeFigureOut">
               <a:rPr lang="en-US" smtClean="0"/>
-              <a:t>12/4/22</a:t>
+              <a:t>12/9/22</a:t>
             </a:fld>
             <a:endParaRPr lang="en-US"/>
           </a:p>
@@ -2952,7 +3843,7 @@
           <a:p>
             <a:fld id="{C4DFAC79-E610-E644-9EFE-91971AFD3B94}" type="datetimeFigureOut">
               <a:rPr lang="en-US" smtClean="0"/>
-              <a:t>12/4/22</a:t>
+              <a:t>12/9/22</a:t>
             </a:fld>
             <a:endParaRPr lang="en-US"/>
           </a:p>
@@ -3232,7 +4123,7 @@
           <a:p>
             <a:fld id="{C4DFAC79-E610-E644-9EFE-91971AFD3B94}" type="datetimeFigureOut">
               <a:rPr lang="en-US" smtClean="0"/>
-              <a:t>12/4/22</a:t>
+              <a:t>12/9/22</a:t>
             </a:fld>
             <a:endParaRPr lang="en-US"/>
           </a:p>
@@ -3623,7 +4514,7 @@
           <a:p>
             <a:fld id="{C4DFAC79-E610-E644-9EFE-91971AFD3B94}" type="datetimeFigureOut">
               <a:rPr lang="en-US" smtClean="0"/>
-              <a:t>12/4/22</a:t>
+              <a:t>12/9/22</a:t>
             </a:fld>
             <a:endParaRPr lang="en-US"/>
           </a:p>
@@ -3735,7 +4626,7 @@
           <a:p>
             <a:fld id="{C4DFAC79-E610-E644-9EFE-91971AFD3B94}" type="datetimeFigureOut">
               <a:rPr lang="en-US" smtClean="0"/>
-              <a:t>12/4/22</a:t>
+              <a:t>12/9/22</a:t>
             </a:fld>
             <a:endParaRPr lang="en-US"/>
           </a:p>
@@ -3825,7 +4716,7 @@
           <a:p>
             <a:fld id="{C4DFAC79-E610-E644-9EFE-91971AFD3B94}" type="datetimeFigureOut">
               <a:rPr lang="en-US" smtClean="0"/>
-              <a:t>12/4/22</a:t>
+              <a:t>12/9/22</a:t>
             </a:fld>
             <a:endParaRPr lang="en-US"/>
           </a:p>
@@ -4095,7 +4986,7 @@
           <a:p>
             <a:fld id="{C4DFAC79-E610-E644-9EFE-91971AFD3B94}" type="datetimeFigureOut">
               <a:rPr lang="en-US" smtClean="0"/>
-              <a:t>12/4/22</a:t>
+              <a:t>12/9/22</a:t>
             </a:fld>
             <a:endParaRPr lang="en-US"/>
           </a:p>
@@ -4342,7 +5233,7 @@
           <a:p>
             <a:fld id="{C4DFAC79-E610-E644-9EFE-91971AFD3B94}" type="datetimeFigureOut">
               <a:rPr lang="en-US" smtClean="0"/>
-              <a:t>12/4/22</a:t>
+              <a:t>12/9/22</a:t>
             </a:fld>
             <a:endParaRPr lang="en-US"/>
           </a:p>
@@ -4548,7 +5439,7 @@
           <a:p>
             <a:fld id="{C4DFAC79-E610-E644-9EFE-91971AFD3B94}" type="datetimeFigureOut">
               <a:rPr lang="en-US" smtClean="0"/>
-              <a:t>12/4/22</a:t>
+              <a:t>12/9/22</a:t>
             </a:fld>
             <a:endParaRPr lang="en-US"/>
           </a:p>
@@ -4641,7 +5532,7 @@
           <p:nvPr userDrawn="1"/>
         </p:nvPicPr>
         <p:blipFill>
-          <a:blip r:embed="rId19">
+          <a:blip r:embed="rId20">
             <a:extLst>
               <a:ext uri="{28A0092B-C50C-407E-A947-70E740481C1C}">
                 <a14:useLocalDpi xmlns:a14="http://schemas.microsoft.com/office/drawing/2010/main" val="0"/>
@@ -4671,7 +5562,7 @@
           <p:nvPr userDrawn="1"/>
         </p:nvPicPr>
         <p:blipFill>
-          <a:blip r:embed="rId20">
+          <a:blip r:embed="rId21">
             <a:extLst>
               <a:ext uri="{28A0092B-C50C-407E-A947-70E740481C1C}">
                 <a14:useLocalDpi xmlns:a14="http://schemas.microsoft.com/office/drawing/2010/main" val="0"/>
@@ -4718,6 +5609,7 @@
     <p:sldLayoutId id="2147483675" r:id="rId15"/>
     <p:sldLayoutId id="2147483676" r:id="rId16"/>
     <p:sldLayoutId id="2147483677" r:id="rId17"/>
+    <p:sldLayoutId id="2147483678" r:id="rId18"/>
   </p:sldLayoutIdLst>
   <p:txStyles>
     <p:titleStyle>
@@ -5080,296 +5972,6 @@
           <a:p>
             <a:r>
               <a:rPr lang="en-US" dirty="0"/>
-              <a:t>Setup (for each period) </a:t>
-            </a:r>
-          </a:p>
-        </p:txBody>
-      </p:sp>
-      <p:sp>
-        <p:nvSpPr>
-          <p:cNvPr id="3" name="Content Placeholder 2"/>
-          <p:cNvSpPr>
-            <a:spLocks noGrp="1"/>
-          </p:cNvSpPr>
-          <p:nvPr>
-            <p:ph idx="1"/>
-          </p:nvPr>
-        </p:nvSpPr>
-        <p:spPr>
-          <a:xfrm>
-            <a:off x="609600" y="1467997"/>
-            <a:ext cx="10972800" cy="4525963"/>
-          </a:xfrm>
-        </p:spPr>
-        <p:txBody>
-          <a:bodyPr>
-            <a:normAutofit/>
-          </a:bodyPr>
-          <a:lstStyle/>
-          <a:p>
-            <a:pPr lvl="0"/>
-            <a:r>
-              <a:rPr lang="en-US" dirty="0"/>
-              <a:t>Get into teams of 3 people.</a:t>
-            </a:r>
-          </a:p>
-          <a:p>
-            <a:pPr lvl="0"/>
-            <a:r>
-              <a:rPr lang="en-GB" dirty="0"/>
-              <a:t>Each team member to pick a role.</a:t>
-            </a:r>
-          </a:p>
-          <a:p>
-            <a:pPr lvl="0"/>
-            <a:r>
-              <a:rPr lang="en-US" dirty="0"/>
-              <a:t>Generate a backlog of:</a:t>
-            </a:r>
-          </a:p>
-          <a:p>
-            <a:pPr lvl="1"/>
-            <a:r>
-              <a:rPr lang="en-US" dirty="0"/>
-              <a:t>10 clear features</a:t>
-            </a:r>
-          </a:p>
-          <a:p>
-            <a:pPr lvl="1"/>
-            <a:r>
-              <a:rPr lang="en-US" dirty="0"/>
-              <a:t>10 complicated features</a:t>
-            </a:r>
-            <a:endParaRPr lang="en-GB" dirty="0"/>
-          </a:p>
-          <a:p>
-            <a:pPr lvl="1"/>
-            <a:r>
-              <a:rPr lang="en-US" dirty="0"/>
-              <a:t>10 complex features</a:t>
-            </a:r>
-            <a:endParaRPr lang="en-GB" dirty="0"/>
-          </a:p>
-          <a:p>
-            <a:pPr lvl="0"/>
-            <a:r>
-              <a:rPr lang="en-US" dirty="0"/>
-              <a:t>Leave the cards in their section of “Backlog” column.</a:t>
-            </a:r>
-          </a:p>
-          <a:p>
-            <a:pPr lvl="0"/>
-            <a:r>
-              <a:rPr lang="en-US" dirty="0"/>
-              <a:t>Assign who will be working on what type of feature.</a:t>
-            </a:r>
-            <a:endParaRPr lang="en-GB" dirty="0"/>
-          </a:p>
-        </p:txBody>
-      </p:sp>
-      <p:sp>
-        <p:nvSpPr>
-          <p:cNvPr id="4" name="Rounded Rectangle 3">
-            <a:extLst>
-              <a:ext uri="{FF2B5EF4-FFF2-40B4-BE49-F238E27FC236}">
-                <a16:creationId xmlns:a16="http://schemas.microsoft.com/office/drawing/2014/main" id="{DE402D1E-EA49-0E94-DEE4-328BA7B99375}"/>
-              </a:ext>
-            </a:extLst>
-          </p:cNvPr>
-          <p:cNvSpPr/>
-          <p:nvPr/>
-        </p:nvSpPr>
-        <p:spPr>
-          <a:xfrm>
-            <a:off x="4109012" y="3337851"/>
-            <a:ext cx="1215342" cy="298048"/>
-          </a:xfrm>
-          <a:prstGeom prst="roundRect">
-            <a:avLst/>
-          </a:prstGeom>
-          <a:solidFill>
-            <a:schemeClr val="accent3"/>
-          </a:solidFill>
-          <a:ln>
-            <a:solidFill>
-              <a:schemeClr val="accent3"/>
-            </a:solidFill>
-          </a:ln>
-        </p:spPr>
-        <p:style>
-          <a:lnRef idx="1">
-            <a:schemeClr val="accent1"/>
-          </a:lnRef>
-          <a:fillRef idx="3">
-            <a:schemeClr val="accent1"/>
-          </a:fillRef>
-          <a:effectRef idx="2">
-            <a:schemeClr val="accent1"/>
-          </a:effectRef>
-          <a:fontRef idx="minor">
-            <a:schemeClr val="lt1"/>
-          </a:fontRef>
-        </p:style>
-        <p:txBody>
-          <a:bodyPr rtlCol="0" anchor="ctr"/>
-          <a:lstStyle/>
-          <a:p>
-            <a:pPr algn="ctr"/>
-            <a:endParaRPr lang="en-BG"/>
-          </a:p>
-        </p:txBody>
-      </p:sp>
-      <p:sp>
-        <p:nvSpPr>
-          <p:cNvPr id="5" name="Rounded Rectangle 4">
-            <a:extLst>
-              <a:ext uri="{FF2B5EF4-FFF2-40B4-BE49-F238E27FC236}">
-                <a16:creationId xmlns:a16="http://schemas.microsoft.com/office/drawing/2014/main" id="{6054A0B5-0146-8BC1-6296-9D4DFC47CB44}"/>
-              </a:ext>
-            </a:extLst>
-          </p:cNvPr>
-          <p:cNvSpPr/>
-          <p:nvPr/>
-        </p:nvSpPr>
-        <p:spPr>
-          <a:xfrm>
-            <a:off x="5071639" y="3814340"/>
-            <a:ext cx="1215342" cy="298048"/>
-          </a:xfrm>
-          <a:prstGeom prst="roundRect">
-            <a:avLst/>
-          </a:prstGeom>
-          <a:solidFill>
-            <a:srgbClr val="FFC000"/>
-          </a:solidFill>
-          <a:ln>
-            <a:solidFill>
-              <a:srgbClr val="FFC000"/>
-            </a:solidFill>
-          </a:ln>
-        </p:spPr>
-        <p:style>
-          <a:lnRef idx="1">
-            <a:schemeClr val="accent1"/>
-          </a:lnRef>
-          <a:fillRef idx="3">
-            <a:schemeClr val="accent1"/>
-          </a:fillRef>
-          <a:effectRef idx="2">
-            <a:schemeClr val="accent1"/>
-          </a:effectRef>
-          <a:fontRef idx="minor">
-            <a:schemeClr val="lt1"/>
-          </a:fontRef>
-        </p:style>
-        <p:txBody>
-          <a:bodyPr rtlCol="0" anchor="ctr"/>
-          <a:lstStyle/>
-          <a:p>
-            <a:pPr algn="ctr"/>
-            <a:endParaRPr lang="en-BG"/>
-          </a:p>
-        </p:txBody>
-      </p:sp>
-      <p:sp>
-        <p:nvSpPr>
-          <p:cNvPr id="6" name="Rounded Rectangle 5">
-            <a:extLst>
-              <a:ext uri="{FF2B5EF4-FFF2-40B4-BE49-F238E27FC236}">
-                <a16:creationId xmlns:a16="http://schemas.microsoft.com/office/drawing/2014/main" id="{550892F0-7FD5-7E4C-CDF9-A48E0B3FCA02}"/>
-              </a:ext>
-            </a:extLst>
-          </p:cNvPr>
-          <p:cNvSpPr/>
-          <p:nvPr/>
-        </p:nvSpPr>
-        <p:spPr>
-          <a:xfrm>
-            <a:off x="4483260" y="4313982"/>
-            <a:ext cx="1215342" cy="298048"/>
-          </a:xfrm>
-          <a:prstGeom prst="roundRect">
-            <a:avLst/>
-          </a:prstGeom>
-          <a:solidFill>
-            <a:schemeClr val="accent6"/>
-          </a:solidFill>
-          <a:ln>
-            <a:solidFill>
-              <a:schemeClr val="accent6"/>
-            </a:solidFill>
-          </a:ln>
-        </p:spPr>
-        <p:style>
-          <a:lnRef idx="1">
-            <a:schemeClr val="accent1"/>
-          </a:lnRef>
-          <a:fillRef idx="3">
-            <a:schemeClr val="accent1"/>
-          </a:fillRef>
-          <a:effectRef idx="2">
-            <a:schemeClr val="accent1"/>
-          </a:effectRef>
-          <a:fontRef idx="minor">
-            <a:schemeClr val="lt1"/>
-          </a:fontRef>
-        </p:style>
-        <p:txBody>
-          <a:bodyPr rtlCol="0" anchor="ctr"/>
-          <a:lstStyle/>
-          <a:p>
-            <a:pPr algn="ctr"/>
-            <a:endParaRPr lang="en-BG"/>
-          </a:p>
-        </p:txBody>
-      </p:sp>
-    </p:spTree>
-    <p:extLst>
-      <p:ext uri="{BB962C8B-B14F-4D97-AF65-F5344CB8AC3E}">
-        <p14:creationId xmlns:p14="http://schemas.microsoft.com/office/powerpoint/2010/main" val="727183970"/>
-      </p:ext>
-    </p:extLst>
-  </p:cSld>
-  <p:clrMapOvr>
-    <a:masterClrMapping/>
-  </p:clrMapOvr>
-</p:sld>
-</file>
-
-<file path=ppt/slides/slide11.xml><?xml version="1.0" encoding="utf-8"?>
-<p:sld xmlns:a="http://schemas.openxmlformats.org/drawingml/2006/main" xmlns:r="http://schemas.openxmlformats.org/officeDocument/2006/relationships" xmlns:p="http://schemas.openxmlformats.org/presentationml/2006/main">
-  <p:cSld>
-    <p:spTree>
-      <p:nvGrpSpPr>
-        <p:cNvPr id="1" name=""/>
-        <p:cNvGrpSpPr/>
-        <p:nvPr/>
-      </p:nvGrpSpPr>
-      <p:grpSpPr>
-        <a:xfrm>
-          <a:off x="0" y="0"/>
-          <a:ext cx="0" cy="0"/>
-          <a:chOff x="0" y="0"/>
-          <a:chExt cx="0" cy="0"/>
-        </a:xfrm>
-      </p:grpSpPr>
-      <p:sp>
-        <p:nvSpPr>
-          <p:cNvPr id="2" name="Title 1"/>
-          <p:cNvSpPr>
-            <a:spLocks noGrp="1"/>
-          </p:cNvSpPr>
-          <p:nvPr>
-            <p:ph type="title"/>
-          </p:nvPr>
-        </p:nvSpPr>
-        <p:spPr/>
-        <p:txBody>
-          <a:bodyPr/>
-          <a:lstStyle/>
-          <a:p>
-            <a:r>
-              <a:rPr lang="en-US" dirty="0"/>
               <a:t>Rules</a:t>
             </a:r>
           </a:p>
@@ -5506,7 +6108,7 @@
 </p:sld>
 </file>
 
-<file path=ppt/slides/slide12.xml><?xml version="1.0" encoding="utf-8"?>
+<file path=ppt/slides/slide11.xml><?xml version="1.0" encoding="utf-8"?>
 <p:sld xmlns:a="http://schemas.openxmlformats.org/drawingml/2006/main" xmlns:r="http://schemas.openxmlformats.org/officeDocument/2006/relationships" xmlns:p="http://schemas.openxmlformats.org/presentationml/2006/main">
   <p:cSld>
     <p:spTree>
@@ -6046,15 +6648,15 @@
           </p:cNvPr>
           <p:cNvCxnSpPr>
             <a:cxnSpLocks/>
-            <a:stCxn id="7" idx="6"/>
+            <a:stCxn id="3" idx="6"/>
             <a:endCxn id="69" idx="4"/>
           </p:cNvCxnSpPr>
           <p:nvPr/>
         </p:nvCxnSpPr>
         <p:spPr>
           <a:xfrm flipV="1">
-            <a:off x="5173930" y="3072877"/>
-            <a:ext cx="2608889" cy="1847168"/>
+            <a:off x="7028446" y="3072877"/>
+            <a:ext cx="754373" cy="1843430"/>
           </a:xfrm>
           <a:prstGeom prst="bentConnector2">
             <a:avLst/>
@@ -7040,6 +7642,148 @@
           </a:fontRef>
         </p:style>
       </p:cxnSp>
+      <p:sp>
+        <p:nvSpPr>
+          <p:cNvPr id="3" name="Oval 2">
+            <a:extLst>
+              <a:ext uri="{FF2B5EF4-FFF2-40B4-BE49-F238E27FC236}">
+                <a16:creationId xmlns:a16="http://schemas.microsoft.com/office/drawing/2014/main" id="{92CC9ACF-28BC-DA77-97F8-F37C35F6BB72}"/>
+              </a:ext>
+            </a:extLst>
+          </p:cNvPr>
+          <p:cNvSpPr/>
+          <p:nvPr/>
+        </p:nvSpPr>
+        <p:spPr>
+          <a:xfrm>
+            <a:off x="5559810" y="4234266"/>
+            <a:ext cx="1468636" cy="1364082"/>
+          </a:xfrm>
+          <a:prstGeom prst="ellipse">
+            <a:avLst/>
+          </a:prstGeom>
+          <a:solidFill>
+            <a:schemeClr val="bg1">
+              <a:lumMod val="95000"/>
+            </a:schemeClr>
+          </a:solidFill>
+          <a:ln>
+            <a:solidFill>
+              <a:schemeClr val="tx1"/>
+            </a:solidFill>
+          </a:ln>
+        </p:spPr>
+        <p:style>
+          <a:lnRef idx="1">
+            <a:schemeClr val="accent1"/>
+          </a:lnRef>
+          <a:fillRef idx="3">
+            <a:schemeClr val="accent1"/>
+          </a:fillRef>
+          <a:effectRef idx="2">
+            <a:schemeClr val="accent1"/>
+          </a:effectRef>
+          <a:fontRef idx="minor">
+            <a:schemeClr val="lt1"/>
+          </a:fontRef>
+        </p:style>
+        <p:txBody>
+          <a:bodyPr wrap="none" rtlCol="0" anchor="ctr">
+            <a:noAutofit/>
+          </a:bodyPr>
+          <a:lstStyle/>
+          <a:p>
+            <a:pPr algn="ctr"/>
+            <a:r>
+              <a:rPr lang="en-US" dirty="0">
+                <a:solidFill>
+                  <a:schemeClr val="tx1"/>
+                </a:solidFill>
+              </a:rPr>
+              <a:t>Mark your </a:t>
+            </a:r>
+            <a:br>
+              <a:rPr lang="en-US" dirty="0">
+                <a:solidFill>
+                  <a:schemeClr val="tx1"/>
+                </a:solidFill>
+              </a:rPr>
+            </a:br>
+            <a:r>
+              <a:rPr lang="en-US" dirty="0">
+                <a:solidFill>
+                  <a:schemeClr val="tx1"/>
+                </a:solidFill>
+              </a:rPr>
+              <a:t>existing </a:t>
+            </a:r>
+            <a:br>
+              <a:rPr lang="en-US" dirty="0">
+                <a:solidFill>
+                  <a:schemeClr val="tx1"/>
+                </a:solidFill>
+              </a:rPr>
+            </a:br>
+            <a:r>
+              <a:rPr lang="en-US" dirty="0">
+                <a:solidFill>
+                  <a:schemeClr val="tx1"/>
+                </a:solidFill>
+              </a:rPr>
+              <a:t>knowledge</a:t>
+            </a:r>
+          </a:p>
+        </p:txBody>
+      </p:sp>
+      <p:cxnSp>
+        <p:nvCxnSpPr>
+          <p:cNvPr id="13" name="Elbow Connector 12">
+            <a:extLst>
+              <a:ext uri="{FF2B5EF4-FFF2-40B4-BE49-F238E27FC236}">
+                <a16:creationId xmlns:a16="http://schemas.microsoft.com/office/drawing/2014/main" id="{5CF9C62C-2360-C3A9-1DC8-776696E88D04}"/>
+              </a:ext>
+            </a:extLst>
+          </p:cNvPr>
+          <p:cNvCxnSpPr>
+            <a:cxnSpLocks/>
+            <a:stCxn id="7" idx="6"/>
+            <a:endCxn id="3" idx="2"/>
+          </p:cNvCxnSpPr>
+          <p:nvPr/>
+        </p:nvCxnSpPr>
+        <p:spPr>
+          <a:xfrm flipV="1">
+            <a:off x="5173930" y="4916307"/>
+            <a:ext cx="385880" cy="3738"/>
+          </a:xfrm>
+          <a:prstGeom prst="bentConnector3">
+            <a:avLst>
+              <a:gd name="adj1" fmla="val 50000"/>
+            </a:avLst>
+          </a:prstGeom>
+          <a:ln>
+            <a:solidFill>
+              <a:schemeClr val="tx1"/>
+            </a:solidFill>
+            <a:headEnd w="lg" len="med"/>
+            <a:tailEnd type="triangle" w="lg" len="lg"/>
+          </a:ln>
+        </p:spPr>
+        <p:style>
+          <a:lnRef idx="2">
+            <a:schemeClr val="accent1"/>
+          </a:lnRef>
+          <a:fillRef idx="0">
+            <a:schemeClr val="accent1"/>
+          </a:fillRef>
+          <a:effectRef idx="1">
+            <a:schemeClr val="accent1"/>
+          </a:effectRef>
+          <a:fontRef idx="minor">
+            <a:schemeClr val="tx1"/>
+          </a:fontRef>
+        </p:style>
+      </p:cxnSp>
     </p:spTree>
     <p:extLst>
       <p:ext uri="{BB962C8B-B14F-4D97-AF65-F5344CB8AC3E}">
@@ -7053,7 +7797,7 @@
 </p:sld>
 </file>
 
-<file path=ppt/slides/slide13.xml><?xml version="1.0" encoding="utf-8"?>
+<file path=ppt/slides/slide12.xml><?xml version="1.0" encoding="utf-8"?>
 <p:sld xmlns:a="http://schemas.openxmlformats.org/drawingml/2006/main" xmlns:r="http://schemas.openxmlformats.org/officeDocument/2006/relationships" xmlns:p="http://schemas.openxmlformats.org/presentationml/2006/main">
   <p:cSld>
     <p:spTree>
@@ -7330,7 +8074,7 @@
 </p:sld>
 </file>
 
-<file path=ppt/slides/slide14.xml><?xml version="1.0" encoding="utf-8"?>
+<file path=ppt/slides/slide13.xml><?xml version="1.0" encoding="utf-8"?>
 <p:sld xmlns:a="http://schemas.openxmlformats.org/drawingml/2006/main" xmlns:r="http://schemas.openxmlformats.org/officeDocument/2006/relationships" xmlns:p="http://schemas.openxmlformats.org/presentationml/2006/main">
   <p:cSld>
     <p:spTree>
@@ -7435,7 +8179,7 @@
 </p:sld>
 </file>
 
-<file path=ppt/slides/slide15.xml><?xml version="1.0" encoding="utf-8"?>
+<file path=ppt/slides/slide14.xml><?xml version="1.0" encoding="utf-8"?>
 <p:sld xmlns:a="http://schemas.openxmlformats.org/drawingml/2006/main" xmlns:r="http://schemas.openxmlformats.org/officeDocument/2006/relationships" xmlns:p="http://schemas.openxmlformats.org/presentationml/2006/main">
   <p:cSld>
     <p:spTree>
@@ -8424,7 +9168,7 @@
 </p:sld>
 </file>
 
-<file path=ppt/slides/slide16.xml><?xml version="1.0" encoding="utf-8"?>
+<file path=ppt/slides/slide15.xml><?xml version="1.0" encoding="utf-8"?>
 <p:sld xmlns:a="http://schemas.openxmlformats.org/drawingml/2006/main" xmlns:r="http://schemas.openxmlformats.org/officeDocument/2006/relationships" xmlns:p="http://schemas.openxmlformats.org/presentationml/2006/main">
   <p:cSld>
     <p:spTree>
@@ -9413,7 +10157,7 @@
 </p:sld>
 </file>
 
-<file path=ppt/slides/slide17.xml><?xml version="1.0" encoding="utf-8"?>
+<file path=ppt/slides/slide16.xml><?xml version="1.0" encoding="utf-8"?>
 <p:sld xmlns:a="http://schemas.openxmlformats.org/drawingml/2006/main" xmlns:r="http://schemas.openxmlformats.org/officeDocument/2006/relationships" xmlns:p="http://schemas.openxmlformats.org/presentationml/2006/main">
   <p:cSld>
     <p:spTree>
@@ -10402,6 +11146,1216 @@
 </p:sld>
 </file>
 
+<file path=ppt/slides/slide17.xml><?xml version="1.0" encoding="utf-8"?>
+<p:sld xmlns:a="http://schemas.openxmlformats.org/drawingml/2006/main" xmlns:r="http://schemas.openxmlformats.org/officeDocument/2006/relationships" xmlns:p="http://schemas.openxmlformats.org/presentationml/2006/main">
+  <p:cSld>
+    <p:spTree>
+      <p:nvGrpSpPr>
+        <p:cNvPr id="1" name=""/>
+        <p:cNvGrpSpPr/>
+        <p:nvPr/>
+      </p:nvGrpSpPr>
+      <p:grpSpPr>
+        <a:xfrm>
+          <a:off x="0" y="0"/>
+          <a:ext cx="0" cy="0"/>
+          <a:chOff x="0" y="0"/>
+          <a:chExt cx="0" cy="0"/>
+        </a:xfrm>
+      </p:grpSpPr>
+      <p:sp>
+        <p:nvSpPr>
+          <p:cNvPr id="2" name="Title 1">
+            <a:extLst>
+              <a:ext uri="{FF2B5EF4-FFF2-40B4-BE49-F238E27FC236}">
+                <a16:creationId xmlns:a16="http://schemas.microsoft.com/office/drawing/2014/main" id="{6334B5AF-B634-ADE5-3A01-5531EE71E1DC}"/>
+              </a:ext>
+            </a:extLst>
+          </p:cNvPr>
+          <p:cNvSpPr>
+            <a:spLocks noGrp="1"/>
+          </p:cNvSpPr>
+          <p:nvPr>
+            <p:ph type="title"/>
+          </p:nvPr>
+        </p:nvSpPr>
+        <p:spPr/>
+        <p:txBody>
+          <a:bodyPr/>
+          <a:lstStyle/>
+          <a:p>
+            <a:r>
+              <a:rPr lang="en-BG" dirty="0"/>
+              <a:t>Results from the game</a:t>
+            </a:r>
+          </a:p>
+        </p:txBody>
+      </p:sp>
+      <p:graphicFrame>
+        <p:nvGraphicFramePr>
+          <p:cNvPr id="4" name="Table 3">
+            <a:extLst>
+              <a:ext uri="{FF2B5EF4-FFF2-40B4-BE49-F238E27FC236}">
+                <a16:creationId xmlns:a16="http://schemas.microsoft.com/office/drawing/2014/main" id="{2A95F112-F8CE-A631-7C77-C0E5D08FD008}"/>
+              </a:ext>
+            </a:extLst>
+          </p:cNvPr>
+          <p:cNvGraphicFramePr>
+            <a:graphicFrameLocks noGrp="1"/>
+          </p:cNvGraphicFramePr>
+          <p:nvPr/>
+        </p:nvGraphicFramePr>
+        <p:xfrm>
+          <a:off x="2146300" y="1417637"/>
+          <a:ext cx="7429502" cy="3598865"/>
+        </p:xfrm>
+        <a:graphic>
+          <a:graphicData uri="http://schemas.openxmlformats.org/drawingml/2006/table">
+            <a:tbl>
+              <a:tblPr/>
+              <a:tblGrid>
+                <a:gridCol w="1866314">
+                  <a:extLst>
+                    <a:ext uri="{9D8B030D-6E8A-4147-A177-3AD203B41FA5}">
+                      <a16:colId xmlns:a16="http://schemas.microsoft.com/office/drawing/2014/main" val="3916339277"/>
+                    </a:ext>
+                  </a:extLst>
+                </a:gridCol>
+                <a:gridCol w="1866314">
+                  <a:extLst>
+                    <a:ext uri="{9D8B030D-6E8A-4147-A177-3AD203B41FA5}">
+                      <a16:colId xmlns:a16="http://schemas.microsoft.com/office/drawing/2014/main" val="3528902101"/>
+                    </a:ext>
+                  </a:extLst>
+                </a:gridCol>
+                <a:gridCol w="1866314">
+                  <a:extLst>
+                    <a:ext uri="{9D8B030D-6E8A-4147-A177-3AD203B41FA5}">
+                      <a16:colId xmlns:a16="http://schemas.microsoft.com/office/drawing/2014/main" val="193785103"/>
+                    </a:ext>
+                  </a:extLst>
+                </a:gridCol>
+                <a:gridCol w="1830560">
+                  <a:extLst>
+                    <a:ext uri="{9D8B030D-6E8A-4147-A177-3AD203B41FA5}">
+                      <a16:colId xmlns:a16="http://schemas.microsoft.com/office/drawing/2014/main" val="936823543"/>
+                    </a:ext>
+                  </a:extLst>
+                </a:gridCol>
+              </a:tblGrid>
+              <a:tr h="719773">
+                <a:tc gridSpan="3">
+                  <a:txBody>
+                    <a:bodyPr/>
+                    <a:lstStyle/>
+                    <a:p>
+                      <a:pPr algn="ctr" fontAlgn="b"/>
+                      <a:r>
+                        <a:rPr lang="en-GB" sz="2800" b="1" i="0" u="none" strike="noStrike">
+                          <a:solidFill>
+                            <a:srgbClr val="000000"/>
+                          </a:solidFill>
+                          <a:effectLst/>
+                          <a:latin typeface="Calibri" panose="020F0502020204030204" pitchFamily="34" charset="0"/>
+                        </a:rPr>
+                        <a:t>Happiness</a:t>
+                      </a:r>
+                    </a:p>
+                  </a:txBody>
+                  <a:tcPr marL="9525" marR="9525" marT="9525" marB="0" anchor="ctr">
+                    <a:lnL w="6350" cap="flat" cmpd="sng" algn="ctr">
+                      <a:solidFill>
+                        <a:srgbClr val="000000"/>
+                      </a:solidFill>
+                      <a:prstDash val="solid"/>
+                      <a:round/>
+                      <a:headEnd type="none" w="med" len="med"/>
+                      <a:tailEnd type="none" w="med" len="med"/>
+                    </a:lnL>
+                    <a:lnR w="6350" cap="flat" cmpd="sng" algn="ctr">
+                      <a:solidFill>
+                        <a:srgbClr val="000000"/>
+                      </a:solidFill>
+                      <a:prstDash val="solid"/>
+                      <a:round/>
+                      <a:headEnd type="none" w="med" len="med"/>
+                      <a:tailEnd type="none" w="med" len="med"/>
+                    </a:lnR>
+                    <a:lnT w="6350" cap="flat" cmpd="sng" algn="ctr">
+                      <a:solidFill>
+                        <a:srgbClr val="000000"/>
+                      </a:solidFill>
+                      <a:prstDash val="solid"/>
+                      <a:round/>
+                      <a:headEnd type="none" w="med" len="med"/>
+                      <a:tailEnd type="none" w="med" len="med"/>
+                    </a:lnT>
+                    <a:lnB w="6350" cap="flat" cmpd="sng" algn="ctr">
+                      <a:solidFill>
+                        <a:srgbClr val="000000"/>
+                      </a:solidFill>
+                      <a:prstDash val="solid"/>
+                      <a:round/>
+                      <a:headEnd type="none" w="med" len="med"/>
+                      <a:tailEnd type="none" w="med" len="med"/>
+                    </a:lnB>
+                    <a:solidFill>
+                      <a:srgbClr val="DCE6F1"/>
+                    </a:solidFill>
+                  </a:tcPr>
+                </a:tc>
+                <a:tc hMerge="1">
+                  <a:txBody>
+                    <a:bodyPr/>
+                    <a:lstStyle/>
+                    <a:p>
+                      <a:endParaRPr lang="en-BG"/>
+                    </a:p>
+                  </a:txBody>
+                  <a:tcPr/>
+                </a:tc>
+                <a:tc hMerge="1">
+                  <a:txBody>
+                    <a:bodyPr/>
+                    <a:lstStyle/>
+                    <a:p>
+                      <a:endParaRPr lang="en-BG"/>
+                    </a:p>
+                  </a:txBody>
+                  <a:tcPr/>
+                </a:tc>
+                <a:tc>
+                  <a:txBody>
+                    <a:bodyPr/>
+                    <a:lstStyle/>
+                    <a:p>
+                      <a:pPr algn="ctr" fontAlgn="b"/>
+                      <a:r>
+                        <a:rPr lang="en-GB" sz="2800" b="1" i="0" u="none" strike="noStrike">
+                          <a:solidFill>
+                            <a:srgbClr val="000000"/>
+                          </a:solidFill>
+                          <a:effectLst/>
+                          <a:latin typeface="Calibri" panose="020F0502020204030204" pitchFamily="34" charset="0"/>
+                        </a:rPr>
+                        <a:t>Productivity</a:t>
+                      </a:r>
+                    </a:p>
+                  </a:txBody>
+                  <a:tcPr marL="9525" marR="9525" marT="9525" marB="0" anchor="ctr">
+                    <a:lnL w="6350" cap="flat" cmpd="sng" algn="ctr">
+                      <a:solidFill>
+                        <a:srgbClr val="000000"/>
+                      </a:solidFill>
+                      <a:prstDash val="solid"/>
+                      <a:round/>
+                      <a:headEnd type="none" w="med" len="med"/>
+                      <a:tailEnd type="none" w="med" len="med"/>
+                    </a:lnL>
+                    <a:lnR w="6350" cap="flat" cmpd="sng" algn="ctr">
+                      <a:solidFill>
+                        <a:srgbClr val="000000"/>
+                      </a:solidFill>
+                      <a:prstDash val="solid"/>
+                      <a:round/>
+                      <a:headEnd type="none" w="med" len="med"/>
+                      <a:tailEnd type="none" w="med" len="med"/>
+                    </a:lnR>
+                    <a:lnT w="6350" cap="flat" cmpd="sng" algn="ctr">
+                      <a:solidFill>
+                        <a:srgbClr val="000000"/>
+                      </a:solidFill>
+                      <a:prstDash val="solid"/>
+                      <a:round/>
+                      <a:headEnd type="none" w="med" len="med"/>
+                      <a:tailEnd type="none" w="med" len="med"/>
+                    </a:lnT>
+                    <a:lnB w="6350" cap="flat" cmpd="sng" algn="ctr">
+                      <a:solidFill>
+                        <a:srgbClr val="000000"/>
+                      </a:solidFill>
+                      <a:prstDash val="solid"/>
+                      <a:round/>
+                      <a:headEnd type="none" w="med" len="med"/>
+                      <a:tailEnd type="none" w="med" len="med"/>
+                    </a:lnB>
+                    <a:solidFill>
+                      <a:srgbClr val="DCE6F1"/>
+                    </a:solidFill>
+                  </a:tcPr>
+                </a:tc>
+                <a:extLst>
+                  <a:ext uri="{0D108BD9-81ED-4DB2-BD59-A6C34878D82A}">
+                    <a16:rowId xmlns:a16="http://schemas.microsoft.com/office/drawing/2014/main" val="3539931542"/>
+                  </a:ext>
+                </a:extLst>
+              </a:tr>
+              <a:tr h="719773">
+                <a:tc>
+                  <a:txBody>
+                    <a:bodyPr/>
+                    <a:lstStyle/>
+                    <a:p>
+                      <a:pPr algn="ctr" fontAlgn="b"/>
+                      <a:r>
+                        <a:rPr lang="en-GB" sz="2800" b="1" i="0" u="none" strike="noStrike">
+                          <a:solidFill>
+                            <a:srgbClr val="000000"/>
+                          </a:solidFill>
+                          <a:effectLst/>
+                          <a:latin typeface="Calibri" panose="020F0502020204030204" pitchFamily="34" charset="0"/>
+                        </a:rPr>
+                        <a:t>Sum H</a:t>
+                      </a:r>
+                    </a:p>
+                  </a:txBody>
+                  <a:tcPr marL="9525" marR="9525" marT="9525" marB="0" anchor="ctr">
+                    <a:lnL w="6350" cap="flat" cmpd="sng" algn="ctr">
+                      <a:solidFill>
+                        <a:srgbClr val="000000"/>
+                      </a:solidFill>
+                      <a:prstDash val="solid"/>
+                      <a:round/>
+                      <a:headEnd type="none" w="med" len="med"/>
+                      <a:tailEnd type="none" w="med" len="med"/>
+                    </a:lnL>
+                    <a:lnR w="6350" cap="flat" cmpd="sng" algn="ctr">
+                      <a:solidFill>
+                        <a:srgbClr val="000000"/>
+                      </a:solidFill>
+                      <a:prstDash val="solid"/>
+                      <a:round/>
+                      <a:headEnd type="none" w="med" len="med"/>
+                      <a:tailEnd type="none" w="med" len="med"/>
+                    </a:lnR>
+                    <a:lnT w="6350" cap="flat" cmpd="sng" algn="ctr">
+                      <a:solidFill>
+                        <a:srgbClr val="000000"/>
+                      </a:solidFill>
+                      <a:prstDash val="solid"/>
+                      <a:round/>
+                      <a:headEnd type="none" w="med" len="med"/>
+                      <a:tailEnd type="none" w="med" len="med"/>
+                    </a:lnT>
+                    <a:lnB w="6350" cap="flat" cmpd="sng" algn="ctr">
+                      <a:solidFill>
+                        <a:srgbClr val="000000"/>
+                      </a:solidFill>
+                      <a:prstDash val="solid"/>
+                      <a:round/>
+                      <a:headEnd type="none" w="med" len="med"/>
+                      <a:tailEnd type="none" w="med" len="med"/>
+                    </a:lnB>
+                  </a:tcPr>
+                </a:tc>
+                <a:tc>
+                  <a:txBody>
+                    <a:bodyPr/>
+                    <a:lstStyle/>
+                    <a:p>
+                      <a:pPr algn="ctr" fontAlgn="b"/>
+                      <a:r>
+                        <a:rPr lang="en-GB" sz="2800" b="1" i="0" u="none" strike="noStrike">
+                          <a:solidFill>
+                            <a:srgbClr val="000000"/>
+                          </a:solidFill>
+                          <a:effectLst/>
+                          <a:latin typeface="Calibri" panose="020F0502020204030204" pitchFamily="34" charset="0"/>
+                        </a:rPr>
+                        <a:t>Avg H</a:t>
+                      </a:r>
+                    </a:p>
+                  </a:txBody>
+                  <a:tcPr marL="9525" marR="9525" marT="9525" marB="0" anchor="ctr">
+                    <a:lnL w="6350" cap="flat" cmpd="sng" algn="ctr">
+                      <a:solidFill>
+                        <a:srgbClr val="000000"/>
+                      </a:solidFill>
+                      <a:prstDash val="solid"/>
+                      <a:round/>
+                      <a:headEnd type="none" w="med" len="med"/>
+                      <a:tailEnd type="none" w="med" len="med"/>
+                    </a:lnL>
+                    <a:lnR w="6350" cap="flat" cmpd="sng" algn="ctr">
+                      <a:solidFill>
+                        <a:srgbClr val="000000"/>
+                      </a:solidFill>
+                      <a:prstDash val="solid"/>
+                      <a:round/>
+                      <a:headEnd type="none" w="med" len="med"/>
+                      <a:tailEnd type="none" w="med" len="med"/>
+                    </a:lnR>
+                    <a:lnT w="6350" cap="flat" cmpd="sng" algn="ctr">
+                      <a:solidFill>
+                        <a:srgbClr val="000000"/>
+                      </a:solidFill>
+                      <a:prstDash val="solid"/>
+                      <a:round/>
+                      <a:headEnd type="none" w="med" len="med"/>
+                      <a:tailEnd type="none" w="med" len="med"/>
+                    </a:lnT>
+                    <a:lnB w="6350" cap="flat" cmpd="sng" algn="ctr">
+                      <a:solidFill>
+                        <a:srgbClr val="000000"/>
+                      </a:solidFill>
+                      <a:prstDash val="solid"/>
+                      <a:round/>
+                      <a:headEnd type="none" w="med" len="med"/>
+                      <a:tailEnd type="none" w="med" len="med"/>
+                    </a:lnB>
+                  </a:tcPr>
+                </a:tc>
+                <a:tc>
+                  <a:txBody>
+                    <a:bodyPr/>
+                    <a:lstStyle/>
+                    <a:p>
+                      <a:pPr algn="ctr" fontAlgn="b"/>
+                      <a:r>
+                        <a:rPr lang="en-GB" sz="2800" b="1" i="0" u="none" strike="noStrike">
+                          <a:solidFill>
+                            <a:srgbClr val="000000"/>
+                          </a:solidFill>
+                          <a:effectLst/>
+                          <a:latin typeface="Calibri" panose="020F0502020204030204" pitchFamily="34" charset="0"/>
+                        </a:rPr>
+                        <a:t>Avg KEDE</a:t>
+                      </a:r>
+                    </a:p>
+                  </a:txBody>
+                  <a:tcPr marL="9525" marR="9525" marT="9525" marB="0" anchor="ctr">
+                    <a:lnL w="6350" cap="flat" cmpd="sng" algn="ctr">
+                      <a:solidFill>
+                        <a:srgbClr val="000000"/>
+                      </a:solidFill>
+                      <a:prstDash val="solid"/>
+                      <a:round/>
+                      <a:headEnd type="none" w="med" len="med"/>
+                      <a:tailEnd type="none" w="med" len="med"/>
+                    </a:lnL>
+                    <a:lnR w="6350" cap="flat" cmpd="sng" algn="ctr">
+                      <a:solidFill>
+                        <a:srgbClr val="000000"/>
+                      </a:solidFill>
+                      <a:prstDash val="solid"/>
+                      <a:round/>
+                      <a:headEnd type="none" w="med" len="med"/>
+                      <a:tailEnd type="none" w="med" len="med"/>
+                    </a:lnR>
+                    <a:lnT w="6350" cap="flat" cmpd="sng" algn="ctr">
+                      <a:solidFill>
+                        <a:srgbClr val="000000"/>
+                      </a:solidFill>
+                      <a:prstDash val="solid"/>
+                      <a:round/>
+                      <a:headEnd type="none" w="med" len="med"/>
+                      <a:tailEnd type="none" w="med" len="med"/>
+                    </a:lnT>
+                    <a:lnB w="6350" cap="flat" cmpd="sng" algn="ctr">
+                      <a:solidFill>
+                        <a:srgbClr val="000000"/>
+                      </a:solidFill>
+                      <a:prstDash val="solid"/>
+                      <a:round/>
+                      <a:headEnd type="none" w="med" len="med"/>
+                      <a:tailEnd type="none" w="med" len="med"/>
+                    </a:lnB>
+                  </a:tcPr>
+                </a:tc>
+                <a:tc>
+                  <a:txBody>
+                    <a:bodyPr/>
+                    <a:lstStyle/>
+                    <a:p>
+                      <a:pPr algn="ctr" fontAlgn="b"/>
+                      <a:r>
+                        <a:rPr lang="en-GB" sz="2800" b="1" i="0" u="none" strike="noStrike">
+                          <a:solidFill>
+                            <a:srgbClr val="000000"/>
+                          </a:solidFill>
+                          <a:effectLst/>
+                          <a:latin typeface="Calibri" panose="020F0502020204030204" pitchFamily="34" charset="0"/>
+                        </a:rPr>
+                        <a:t>Sum Cards</a:t>
+                      </a:r>
+                    </a:p>
+                  </a:txBody>
+                  <a:tcPr marL="9525" marR="9525" marT="9525" marB="0" anchor="ctr">
+                    <a:lnL w="6350" cap="flat" cmpd="sng" algn="ctr">
+                      <a:solidFill>
+                        <a:srgbClr val="000000"/>
+                      </a:solidFill>
+                      <a:prstDash val="solid"/>
+                      <a:round/>
+                      <a:headEnd type="none" w="med" len="med"/>
+                      <a:tailEnd type="none" w="med" len="med"/>
+                    </a:lnL>
+                    <a:lnR w="6350" cap="flat" cmpd="sng" algn="ctr">
+                      <a:solidFill>
+                        <a:srgbClr val="000000"/>
+                      </a:solidFill>
+                      <a:prstDash val="solid"/>
+                      <a:round/>
+                      <a:headEnd type="none" w="med" len="med"/>
+                      <a:tailEnd type="none" w="med" len="med"/>
+                    </a:lnR>
+                    <a:lnT w="6350" cap="flat" cmpd="sng" algn="ctr">
+                      <a:solidFill>
+                        <a:srgbClr val="000000"/>
+                      </a:solidFill>
+                      <a:prstDash val="solid"/>
+                      <a:round/>
+                      <a:headEnd type="none" w="med" len="med"/>
+                      <a:tailEnd type="none" w="med" len="med"/>
+                    </a:lnT>
+                    <a:lnB w="6350" cap="flat" cmpd="sng" algn="ctr">
+                      <a:solidFill>
+                        <a:srgbClr val="000000"/>
+                      </a:solidFill>
+                      <a:prstDash val="solid"/>
+                      <a:round/>
+                      <a:headEnd type="none" w="med" len="med"/>
+                      <a:tailEnd type="none" w="med" len="med"/>
+                    </a:lnB>
+                  </a:tcPr>
+                </a:tc>
+                <a:extLst>
+                  <a:ext uri="{0D108BD9-81ED-4DB2-BD59-A6C34878D82A}">
+                    <a16:rowId xmlns:a16="http://schemas.microsoft.com/office/drawing/2014/main" val="4069017481"/>
+                  </a:ext>
+                </a:extLst>
+              </a:tr>
+              <a:tr h="719773">
+                <a:tc>
+                  <a:txBody>
+                    <a:bodyPr/>
+                    <a:lstStyle/>
+                    <a:p>
+                      <a:pPr algn="ctr" fontAlgn="b"/>
+                      <a:r>
+                        <a:rPr lang="en-BG" sz="2800" b="0" i="0" u="none" strike="noStrike" dirty="0">
+                          <a:solidFill>
+                            <a:schemeClr val="bg1"/>
+                          </a:solidFill>
+                          <a:effectLst/>
+                          <a:latin typeface="Calibri" panose="020F0502020204030204" pitchFamily="34" charset="0"/>
+                        </a:rPr>
+                        <a:t>10</a:t>
+                      </a:r>
+                    </a:p>
+                  </a:txBody>
+                  <a:tcPr marL="9525" marR="9525" marT="9525" marB="0" anchor="ctr">
+                    <a:lnL w="6350" cap="flat" cmpd="sng" algn="ctr">
+                      <a:solidFill>
+                        <a:srgbClr val="000000"/>
+                      </a:solidFill>
+                      <a:prstDash val="solid"/>
+                      <a:round/>
+                      <a:headEnd type="none" w="med" len="med"/>
+                      <a:tailEnd type="none" w="med" len="med"/>
+                    </a:lnL>
+                    <a:lnR w="6350" cap="flat" cmpd="sng" algn="ctr">
+                      <a:solidFill>
+                        <a:srgbClr val="000000"/>
+                      </a:solidFill>
+                      <a:prstDash val="solid"/>
+                      <a:round/>
+                      <a:headEnd type="none" w="med" len="med"/>
+                      <a:tailEnd type="none" w="med" len="med"/>
+                    </a:lnR>
+                    <a:lnT w="6350" cap="flat" cmpd="sng" algn="ctr">
+                      <a:solidFill>
+                        <a:srgbClr val="000000"/>
+                      </a:solidFill>
+                      <a:prstDash val="solid"/>
+                      <a:round/>
+                      <a:headEnd type="none" w="med" len="med"/>
+                      <a:tailEnd type="none" w="med" len="med"/>
+                    </a:lnT>
+                    <a:lnB w="6350" cap="flat" cmpd="sng" algn="ctr">
+                      <a:solidFill>
+                        <a:srgbClr val="000000"/>
+                      </a:solidFill>
+                      <a:prstDash val="solid"/>
+                      <a:round/>
+                      <a:headEnd type="none" w="med" len="med"/>
+                      <a:tailEnd type="none" w="med" len="med"/>
+                    </a:lnB>
+                    <a:solidFill>
+                      <a:srgbClr val="FF0000"/>
+                    </a:solidFill>
+                  </a:tcPr>
+                </a:tc>
+                <a:tc>
+                  <a:txBody>
+                    <a:bodyPr/>
+                    <a:lstStyle/>
+                    <a:p>
+                      <a:pPr algn="ctr" fontAlgn="b"/>
+                      <a:r>
+                        <a:rPr lang="en-BG" sz="2800" b="0" i="0" u="none" strike="noStrike">
+                          <a:solidFill>
+                            <a:srgbClr val="000000"/>
+                          </a:solidFill>
+                          <a:effectLst/>
+                          <a:latin typeface="Calibri" panose="020F0502020204030204" pitchFamily="34" charset="0"/>
+                        </a:rPr>
+                        <a:t>0,875</a:t>
+                      </a:r>
+                    </a:p>
+                  </a:txBody>
+                  <a:tcPr marL="9525" marR="9525" marT="9525" marB="0" anchor="ctr">
+                    <a:lnL w="6350" cap="flat" cmpd="sng" algn="ctr">
+                      <a:solidFill>
+                        <a:srgbClr val="000000"/>
+                      </a:solidFill>
+                      <a:prstDash val="solid"/>
+                      <a:round/>
+                      <a:headEnd type="none" w="med" len="med"/>
+                      <a:tailEnd type="none" w="med" len="med"/>
+                    </a:lnL>
+                    <a:lnR w="6350" cap="flat" cmpd="sng" algn="ctr">
+                      <a:solidFill>
+                        <a:srgbClr val="000000"/>
+                      </a:solidFill>
+                      <a:prstDash val="solid"/>
+                      <a:round/>
+                      <a:headEnd type="none" w="med" len="med"/>
+                      <a:tailEnd type="none" w="med" len="med"/>
+                    </a:lnR>
+                    <a:lnT w="6350" cap="flat" cmpd="sng" algn="ctr">
+                      <a:solidFill>
+                        <a:srgbClr val="000000"/>
+                      </a:solidFill>
+                      <a:prstDash val="solid"/>
+                      <a:round/>
+                      <a:headEnd type="none" w="med" len="med"/>
+                      <a:tailEnd type="none" w="med" len="med"/>
+                    </a:lnT>
+                    <a:lnB w="6350" cap="flat" cmpd="sng" algn="ctr">
+                      <a:solidFill>
+                        <a:srgbClr val="000000"/>
+                      </a:solidFill>
+                      <a:prstDash val="solid"/>
+                      <a:round/>
+                      <a:headEnd type="none" w="med" len="med"/>
+                      <a:tailEnd type="none" w="med" len="med"/>
+                    </a:lnB>
+                  </a:tcPr>
+                </a:tc>
+                <a:tc>
+                  <a:txBody>
+                    <a:bodyPr/>
+                    <a:lstStyle/>
+                    <a:p>
+                      <a:pPr algn="ctr" fontAlgn="b"/>
+                      <a:r>
+                        <a:rPr lang="en-BG" sz="2800" b="0" i="0" u="none" strike="noStrike" dirty="0">
+                          <a:solidFill>
+                            <a:srgbClr val="000000"/>
+                          </a:solidFill>
+                          <a:effectLst/>
+                          <a:latin typeface="Calibri" panose="020F0502020204030204" pitchFamily="34" charset="0"/>
+                        </a:rPr>
+                        <a:t>53</a:t>
+                      </a:r>
+                    </a:p>
+                  </a:txBody>
+                  <a:tcPr marL="9525" marR="9525" marT="9525" marB="0" anchor="ctr">
+                    <a:lnL w="6350" cap="flat" cmpd="sng" algn="ctr">
+                      <a:solidFill>
+                        <a:srgbClr val="000000"/>
+                      </a:solidFill>
+                      <a:prstDash val="solid"/>
+                      <a:round/>
+                      <a:headEnd type="none" w="med" len="med"/>
+                      <a:tailEnd type="none" w="med" len="med"/>
+                    </a:lnL>
+                    <a:lnR w="6350" cap="flat" cmpd="sng" algn="ctr">
+                      <a:solidFill>
+                        <a:srgbClr val="000000"/>
+                      </a:solidFill>
+                      <a:prstDash val="solid"/>
+                      <a:round/>
+                      <a:headEnd type="none" w="med" len="med"/>
+                      <a:tailEnd type="none" w="med" len="med"/>
+                    </a:lnR>
+                    <a:lnT w="6350" cap="flat" cmpd="sng" algn="ctr">
+                      <a:solidFill>
+                        <a:srgbClr val="000000"/>
+                      </a:solidFill>
+                      <a:prstDash val="solid"/>
+                      <a:round/>
+                      <a:headEnd type="none" w="med" len="med"/>
+                      <a:tailEnd type="none" w="med" len="med"/>
+                    </a:lnT>
+                    <a:lnB w="6350" cap="flat" cmpd="sng" algn="ctr">
+                      <a:solidFill>
+                        <a:srgbClr val="000000"/>
+                      </a:solidFill>
+                      <a:prstDash val="solid"/>
+                      <a:round/>
+                      <a:headEnd type="none" w="med" len="med"/>
+                      <a:tailEnd type="none" w="med" len="med"/>
+                    </a:lnB>
+                  </a:tcPr>
+                </a:tc>
+                <a:tc>
+                  <a:txBody>
+                    <a:bodyPr/>
+                    <a:lstStyle/>
+                    <a:p>
+                      <a:pPr algn="ctr" fontAlgn="b"/>
+                      <a:r>
+                        <a:rPr lang="en-BG" sz="2800" b="0" i="0" u="none" strike="noStrike">
+                          <a:solidFill>
+                            <a:srgbClr val="000000"/>
+                          </a:solidFill>
+                          <a:effectLst/>
+                          <a:latin typeface="Calibri" panose="020F0502020204030204" pitchFamily="34" charset="0"/>
+                        </a:rPr>
+                        <a:t>16</a:t>
+                      </a:r>
+                    </a:p>
+                  </a:txBody>
+                  <a:tcPr marL="9525" marR="9525" marT="9525" marB="0" anchor="ctr">
+                    <a:lnL w="6350" cap="flat" cmpd="sng" algn="ctr">
+                      <a:solidFill>
+                        <a:srgbClr val="000000"/>
+                      </a:solidFill>
+                      <a:prstDash val="solid"/>
+                      <a:round/>
+                      <a:headEnd type="none" w="med" len="med"/>
+                      <a:tailEnd type="none" w="med" len="med"/>
+                    </a:lnL>
+                    <a:lnR w="6350" cap="flat" cmpd="sng" algn="ctr">
+                      <a:solidFill>
+                        <a:srgbClr val="000000"/>
+                      </a:solidFill>
+                      <a:prstDash val="solid"/>
+                      <a:round/>
+                      <a:headEnd type="none" w="med" len="med"/>
+                      <a:tailEnd type="none" w="med" len="med"/>
+                    </a:lnR>
+                    <a:lnT w="6350" cap="flat" cmpd="sng" algn="ctr">
+                      <a:solidFill>
+                        <a:srgbClr val="000000"/>
+                      </a:solidFill>
+                      <a:prstDash val="solid"/>
+                      <a:round/>
+                      <a:headEnd type="none" w="med" len="med"/>
+                      <a:tailEnd type="none" w="med" len="med"/>
+                    </a:lnT>
+                    <a:lnB w="6350" cap="flat" cmpd="sng" algn="ctr">
+                      <a:solidFill>
+                        <a:srgbClr val="000000"/>
+                      </a:solidFill>
+                      <a:prstDash val="solid"/>
+                      <a:round/>
+                      <a:headEnd type="none" w="med" len="med"/>
+                      <a:tailEnd type="none" w="med" len="med"/>
+                    </a:lnB>
+                  </a:tcPr>
+                </a:tc>
+                <a:extLst>
+                  <a:ext uri="{0D108BD9-81ED-4DB2-BD59-A6C34878D82A}">
+                    <a16:rowId xmlns:a16="http://schemas.microsoft.com/office/drawing/2014/main" val="123928671"/>
+                  </a:ext>
+                </a:extLst>
+              </a:tr>
+              <a:tr h="719773">
+                <a:tc>
+                  <a:txBody>
+                    <a:bodyPr/>
+                    <a:lstStyle/>
+                    <a:p>
+                      <a:pPr algn="ctr" fontAlgn="b"/>
+                      <a:r>
+                        <a:rPr lang="en-BG" sz="2800" b="0" i="0" u="none" strike="noStrike" dirty="0">
+                          <a:solidFill>
+                            <a:srgbClr val="000000"/>
+                          </a:solidFill>
+                          <a:effectLst/>
+                          <a:latin typeface="Calibri" panose="020F0502020204030204" pitchFamily="34" charset="0"/>
+                        </a:rPr>
+                        <a:t>5</a:t>
+                      </a:r>
+                    </a:p>
+                  </a:txBody>
+                  <a:tcPr marL="9525" marR="9525" marT="9525" marB="0" anchor="ctr">
+                    <a:lnL w="6350" cap="flat" cmpd="sng" algn="ctr">
+                      <a:solidFill>
+                        <a:srgbClr val="000000"/>
+                      </a:solidFill>
+                      <a:prstDash val="solid"/>
+                      <a:round/>
+                      <a:headEnd type="none" w="med" len="med"/>
+                      <a:tailEnd type="none" w="med" len="med"/>
+                    </a:lnL>
+                    <a:lnR w="6350" cap="flat" cmpd="sng" algn="ctr">
+                      <a:solidFill>
+                        <a:srgbClr val="000000"/>
+                      </a:solidFill>
+                      <a:prstDash val="solid"/>
+                      <a:round/>
+                      <a:headEnd type="none" w="med" len="med"/>
+                      <a:tailEnd type="none" w="med" len="med"/>
+                    </a:lnR>
+                    <a:lnT w="6350" cap="flat" cmpd="sng" algn="ctr">
+                      <a:solidFill>
+                        <a:srgbClr val="000000"/>
+                      </a:solidFill>
+                      <a:prstDash val="solid"/>
+                      <a:round/>
+                      <a:headEnd type="none" w="med" len="med"/>
+                      <a:tailEnd type="none" w="med" len="med"/>
+                    </a:lnT>
+                    <a:lnB w="6350" cap="flat" cmpd="sng" algn="ctr">
+                      <a:solidFill>
+                        <a:srgbClr val="000000"/>
+                      </a:solidFill>
+                      <a:prstDash val="solid"/>
+                      <a:round/>
+                      <a:headEnd type="none" w="med" len="med"/>
+                      <a:tailEnd type="none" w="med" len="med"/>
+                    </a:lnB>
+                    <a:solidFill>
+                      <a:srgbClr val="FFFF00"/>
+                    </a:solidFill>
+                  </a:tcPr>
+                </a:tc>
+                <a:tc>
+                  <a:txBody>
+                    <a:bodyPr/>
+                    <a:lstStyle/>
+                    <a:p>
+                      <a:pPr algn="ctr" fontAlgn="b"/>
+                      <a:r>
+                        <a:rPr lang="en-BG" sz="2800" b="0" i="0" u="none" strike="noStrike" dirty="0">
+                          <a:solidFill>
+                            <a:srgbClr val="000000"/>
+                          </a:solidFill>
+                          <a:effectLst/>
+                          <a:latin typeface="Calibri" panose="020F0502020204030204" pitchFamily="34" charset="0"/>
+                        </a:rPr>
+                        <a:t>0,76</a:t>
+                      </a:r>
+                    </a:p>
+                  </a:txBody>
+                  <a:tcPr marL="9525" marR="9525" marT="9525" marB="0" anchor="ctr">
+                    <a:lnL w="6350" cap="flat" cmpd="sng" algn="ctr">
+                      <a:solidFill>
+                        <a:srgbClr val="000000"/>
+                      </a:solidFill>
+                      <a:prstDash val="solid"/>
+                      <a:round/>
+                      <a:headEnd type="none" w="med" len="med"/>
+                      <a:tailEnd type="none" w="med" len="med"/>
+                    </a:lnL>
+                    <a:lnR w="6350" cap="flat" cmpd="sng" algn="ctr">
+                      <a:solidFill>
+                        <a:srgbClr val="000000"/>
+                      </a:solidFill>
+                      <a:prstDash val="solid"/>
+                      <a:round/>
+                      <a:headEnd type="none" w="med" len="med"/>
+                      <a:tailEnd type="none" w="med" len="med"/>
+                    </a:lnR>
+                    <a:lnT w="6350" cap="flat" cmpd="sng" algn="ctr">
+                      <a:solidFill>
+                        <a:srgbClr val="000000"/>
+                      </a:solidFill>
+                      <a:prstDash val="solid"/>
+                      <a:round/>
+                      <a:headEnd type="none" w="med" len="med"/>
+                      <a:tailEnd type="none" w="med" len="med"/>
+                    </a:lnT>
+                    <a:lnB w="6350" cap="flat" cmpd="sng" algn="ctr">
+                      <a:solidFill>
+                        <a:srgbClr val="000000"/>
+                      </a:solidFill>
+                      <a:prstDash val="solid"/>
+                      <a:round/>
+                      <a:headEnd type="none" w="med" len="med"/>
+                      <a:tailEnd type="none" w="med" len="med"/>
+                    </a:lnB>
+                  </a:tcPr>
+                </a:tc>
+                <a:tc>
+                  <a:txBody>
+                    <a:bodyPr/>
+                    <a:lstStyle/>
+                    <a:p>
+                      <a:pPr algn="ctr" fontAlgn="b"/>
+                      <a:r>
+                        <a:rPr lang="en-BG" sz="2800" b="0" i="0" u="none" strike="noStrike" dirty="0">
+                          <a:solidFill>
+                            <a:srgbClr val="000000"/>
+                          </a:solidFill>
+                          <a:effectLst/>
+                          <a:latin typeface="Calibri" panose="020F0502020204030204" pitchFamily="34" charset="0"/>
+                        </a:rPr>
+                        <a:t>56</a:t>
+                      </a:r>
+                    </a:p>
+                  </a:txBody>
+                  <a:tcPr marL="9525" marR="9525" marT="9525" marB="0" anchor="ctr">
+                    <a:lnL w="6350" cap="flat" cmpd="sng" algn="ctr">
+                      <a:solidFill>
+                        <a:srgbClr val="000000"/>
+                      </a:solidFill>
+                      <a:prstDash val="solid"/>
+                      <a:round/>
+                      <a:headEnd type="none" w="med" len="med"/>
+                      <a:tailEnd type="none" w="med" len="med"/>
+                    </a:lnL>
+                    <a:lnR w="6350" cap="flat" cmpd="sng" algn="ctr">
+                      <a:solidFill>
+                        <a:srgbClr val="000000"/>
+                      </a:solidFill>
+                      <a:prstDash val="solid"/>
+                      <a:round/>
+                      <a:headEnd type="none" w="med" len="med"/>
+                      <a:tailEnd type="none" w="med" len="med"/>
+                    </a:lnR>
+                    <a:lnT w="6350" cap="flat" cmpd="sng" algn="ctr">
+                      <a:solidFill>
+                        <a:srgbClr val="000000"/>
+                      </a:solidFill>
+                      <a:prstDash val="solid"/>
+                      <a:round/>
+                      <a:headEnd type="none" w="med" len="med"/>
+                      <a:tailEnd type="none" w="med" len="med"/>
+                    </a:lnT>
+                    <a:lnB w="6350" cap="flat" cmpd="sng" algn="ctr">
+                      <a:solidFill>
+                        <a:srgbClr val="000000"/>
+                      </a:solidFill>
+                      <a:prstDash val="solid"/>
+                      <a:round/>
+                      <a:headEnd type="none" w="med" len="med"/>
+                      <a:tailEnd type="none" w="med" len="med"/>
+                    </a:lnB>
+                  </a:tcPr>
+                </a:tc>
+                <a:tc>
+                  <a:txBody>
+                    <a:bodyPr/>
+                    <a:lstStyle/>
+                    <a:p>
+                      <a:pPr algn="ctr" fontAlgn="b"/>
+                      <a:r>
+                        <a:rPr lang="en-BG" sz="2800" b="0" i="0" u="none" strike="noStrike">
+                          <a:solidFill>
+                            <a:srgbClr val="000000"/>
+                          </a:solidFill>
+                          <a:effectLst/>
+                          <a:latin typeface="Calibri" panose="020F0502020204030204" pitchFamily="34" charset="0"/>
+                        </a:rPr>
+                        <a:t>17</a:t>
+                      </a:r>
+                    </a:p>
+                  </a:txBody>
+                  <a:tcPr marL="9525" marR="9525" marT="9525" marB="0" anchor="ctr">
+                    <a:lnL w="6350" cap="flat" cmpd="sng" algn="ctr">
+                      <a:solidFill>
+                        <a:srgbClr val="000000"/>
+                      </a:solidFill>
+                      <a:prstDash val="solid"/>
+                      <a:round/>
+                      <a:headEnd type="none" w="med" len="med"/>
+                      <a:tailEnd type="none" w="med" len="med"/>
+                    </a:lnL>
+                    <a:lnR w="6350" cap="flat" cmpd="sng" algn="ctr">
+                      <a:solidFill>
+                        <a:srgbClr val="000000"/>
+                      </a:solidFill>
+                      <a:prstDash val="solid"/>
+                      <a:round/>
+                      <a:headEnd type="none" w="med" len="med"/>
+                      <a:tailEnd type="none" w="med" len="med"/>
+                    </a:lnR>
+                    <a:lnT w="6350" cap="flat" cmpd="sng" algn="ctr">
+                      <a:solidFill>
+                        <a:srgbClr val="000000"/>
+                      </a:solidFill>
+                      <a:prstDash val="solid"/>
+                      <a:round/>
+                      <a:headEnd type="none" w="med" len="med"/>
+                      <a:tailEnd type="none" w="med" len="med"/>
+                    </a:lnT>
+                    <a:lnB w="6350" cap="flat" cmpd="sng" algn="ctr">
+                      <a:solidFill>
+                        <a:srgbClr val="000000"/>
+                      </a:solidFill>
+                      <a:prstDash val="solid"/>
+                      <a:round/>
+                      <a:headEnd type="none" w="med" len="med"/>
+                      <a:tailEnd type="none" w="med" len="med"/>
+                    </a:lnB>
+                  </a:tcPr>
+                </a:tc>
+                <a:extLst>
+                  <a:ext uri="{0D108BD9-81ED-4DB2-BD59-A6C34878D82A}">
+                    <a16:rowId xmlns:a16="http://schemas.microsoft.com/office/drawing/2014/main" val="1564563870"/>
+                  </a:ext>
+                </a:extLst>
+              </a:tr>
+              <a:tr h="719773">
+                <a:tc>
+                  <a:txBody>
+                    <a:bodyPr/>
+                    <a:lstStyle/>
+                    <a:p>
+                      <a:pPr algn="ctr" fontAlgn="b"/>
+                      <a:r>
+                        <a:rPr lang="en-BG" sz="2800" b="0" i="0" u="none" strike="noStrike" dirty="0">
+                          <a:solidFill>
+                            <a:schemeClr val="bg1"/>
+                          </a:solidFill>
+                          <a:effectLst/>
+                          <a:latin typeface="Calibri" panose="020F0502020204030204" pitchFamily="34" charset="0"/>
+                        </a:rPr>
+                        <a:t>2</a:t>
+                      </a:r>
+                    </a:p>
+                  </a:txBody>
+                  <a:tcPr marL="9525" marR="9525" marT="9525" marB="0" anchor="ctr">
+                    <a:lnL w="6350" cap="flat" cmpd="sng" algn="ctr">
+                      <a:solidFill>
+                        <a:srgbClr val="000000"/>
+                      </a:solidFill>
+                      <a:prstDash val="solid"/>
+                      <a:round/>
+                      <a:headEnd type="none" w="med" len="med"/>
+                      <a:tailEnd type="none" w="med" len="med"/>
+                    </a:lnL>
+                    <a:lnR w="6350" cap="flat" cmpd="sng" algn="ctr">
+                      <a:solidFill>
+                        <a:srgbClr val="000000"/>
+                      </a:solidFill>
+                      <a:prstDash val="solid"/>
+                      <a:round/>
+                      <a:headEnd type="none" w="med" len="med"/>
+                      <a:tailEnd type="none" w="med" len="med"/>
+                    </a:lnR>
+                    <a:lnT w="6350" cap="flat" cmpd="sng" algn="ctr">
+                      <a:solidFill>
+                        <a:srgbClr val="000000"/>
+                      </a:solidFill>
+                      <a:prstDash val="solid"/>
+                      <a:round/>
+                      <a:headEnd type="none" w="med" len="med"/>
+                      <a:tailEnd type="none" w="med" len="med"/>
+                    </a:lnT>
+                    <a:lnB w="6350" cap="flat" cmpd="sng" algn="ctr">
+                      <a:solidFill>
+                        <a:srgbClr val="000000"/>
+                      </a:solidFill>
+                      <a:prstDash val="solid"/>
+                      <a:round/>
+                      <a:headEnd type="none" w="med" len="med"/>
+                      <a:tailEnd type="none" w="med" len="med"/>
+                    </a:lnB>
+                    <a:solidFill>
+                      <a:srgbClr val="00B050"/>
+                    </a:solidFill>
+                  </a:tcPr>
+                </a:tc>
+                <a:tc>
+                  <a:txBody>
+                    <a:bodyPr/>
+                    <a:lstStyle/>
+                    <a:p>
+                      <a:pPr algn="ctr" fontAlgn="b"/>
+                      <a:r>
+                        <a:rPr lang="en-BG" sz="2800" b="0" i="0" u="none" strike="noStrike">
+                          <a:solidFill>
+                            <a:srgbClr val="000000"/>
+                          </a:solidFill>
+                          <a:effectLst/>
+                          <a:latin typeface="Calibri" panose="020F0502020204030204" pitchFamily="34" charset="0"/>
+                        </a:rPr>
+                        <a:t>0,5</a:t>
+                      </a:r>
+                    </a:p>
+                  </a:txBody>
+                  <a:tcPr marL="9525" marR="9525" marT="9525" marB="0" anchor="ctr">
+                    <a:lnL w="6350" cap="flat" cmpd="sng" algn="ctr">
+                      <a:solidFill>
+                        <a:srgbClr val="000000"/>
+                      </a:solidFill>
+                      <a:prstDash val="solid"/>
+                      <a:round/>
+                      <a:headEnd type="none" w="med" len="med"/>
+                      <a:tailEnd type="none" w="med" len="med"/>
+                    </a:lnL>
+                    <a:lnR w="6350" cap="flat" cmpd="sng" algn="ctr">
+                      <a:solidFill>
+                        <a:srgbClr val="000000"/>
+                      </a:solidFill>
+                      <a:prstDash val="solid"/>
+                      <a:round/>
+                      <a:headEnd type="none" w="med" len="med"/>
+                      <a:tailEnd type="none" w="med" len="med"/>
+                    </a:lnR>
+                    <a:lnT w="6350" cap="flat" cmpd="sng" algn="ctr">
+                      <a:solidFill>
+                        <a:srgbClr val="000000"/>
+                      </a:solidFill>
+                      <a:prstDash val="solid"/>
+                      <a:round/>
+                      <a:headEnd type="none" w="med" len="med"/>
+                      <a:tailEnd type="none" w="med" len="med"/>
+                    </a:lnT>
+                    <a:lnB w="6350" cap="flat" cmpd="sng" algn="ctr">
+                      <a:solidFill>
+                        <a:srgbClr val="000000"/>
+                      </a:solidFill>
+                      <a:prstDash val="solid"/>
+                      <a:round/>
+                      <a:headEnd type="none" w="med" len="med"/>
+                      <a:tailEnd type="none" w="med" len="med"/>
+                    </a:lnB>
+                  </a:tcPr>
+                </a:tc>
+                <a:tc>
+                  <a:txBody>
+                    <a:bodyPr/>
+                    <a:lstStyle/>
+                    <a:p>
+                      <a:pPr algn="ctr" fontAlgn="b"/>
+                      <a:r>
+                        <a:rPr lang="en-BG" sz="2800" b="0" i="0" u="none" strike="noStrike" dirty="0">
+                          <a:solidFill>
+                            <a:srgbClr val="000000"/>
+                          </a:solidFill>
+                          <a:effectLst/>
+                          <a:latin typeface="Calibri" panose="020F0502020204030204" pitchFamily="34" charset="0"/>
+                        </a:rPr>
+                        <a:t>66</a:t>
+                      </a:r>
+                    </a:p>
+                  </a:txBody>
+                  <a:tcPr marL="9525" marR="9525" marT="9525" marB="0" anchor="ctr">
+                    <a:lnL w="6350" cap="flat" cmpd="sng" algn="ctr">
+                      <a:solidFill>
+                        <a:srgbClr val="000000"/>
+                      </a:solidFill>
+                      <a:prstDash val="solid"/>
+                      <a:round/>
+                      <a:headEnd type="none" w="med" len="med"/>
+                      <a:tailEnd type="none" w="med" len="med"/>
+                    </a:lnL>
+                    <a:lnR w="6350" cap="flat" cmpd="sng" algn="ctr">
+                      <a:solidFill>
+                        <a:srgbClr val="000000"/>
+                      </a:solidFill>
+                      <a:prstDash val="solid"/>
+                      <a:round/>
+                      <a:headEnd type="none" w="med" len="med"/>
+                      <a:tailEnd type="none" w="med" len="med"/>
+                    </a:lnR>
+                    <a:lnT w="6350" cap="flat" cmpd="sng" algn="ctr">
+                      <a:solidFill>
+                        <a:srgbClr val="000000"/>
+                      </a:solidFill>
+                      <a:prstDash val="solid"/>
+                      <a:round/>
+                      <a:headEnd type="none" w="med" len="med"/>
+                      <a:tailEnd type="none" w="med" len="med"/>
+                    </a:lnT>
+                    <a:lnB w="6350" cap="flat" cmpd="sng" algn="ctr">
+                      <a:solidFill>
+                        <a:srgbClr val="000000"/>
+                      </a:solidFill>
+                      <a:prstDash val="solid"/>
+                      <a:round/>
+                      <a:headEnd type="none" w="med" len="med"/>
+                      <a:tailEnd type="none" w="med" len="med"/>
+                    </a:lnB>
+                  </a:tcPr>
+                </a:tc>
+                <a:tc>
+                  <a:txBody>
+                    <a:bodyPr/>
+                    <a:lstStyle/>
+                    <a:p>
+                      <a:pPr algn="ctr" fontAlgn="b"/>
+                      <a:r>
+                        <a:rPr lang="en-BG" sz="2800" b="0" i="0" u="none" strike="noStrike" dirty="0">
+                          <a:solidFill>
+                            <a:srgbClr val="000000"/>
+                          </a:solidFill>
+                          <a:effectLst/>
+                          <a:latin typeface="Calibri" panose="020F0502020204030204" pitchFamily="34" charset="0"/>
+                        </a:rPr>
+                        <a:t>20</a:t>
+                      </a:r>
+                    </a:p>
+                  </a:txBody>
+                  <a:tcPr marL="9525" marR="9525" marT="9525" marB="0" anchor="ctr">
+                    <a:lnL w="6350" cap="flat" cmpd="sng" algn="ctr">
+                      <a:solidFill>
+                        <a:srgbClr val="000000"/>
+                      </a:solidFill>
+                      <a:prstDash val="solid"/>
+                      <a:round/>
+                      <a:headEnd type="none" w="med" len="med"/>
+                      <a:tailEnd type="none" w="med" len="med"/>
+                    </a:lnL>
+                    <a:lnR w="6350" cap="flat" cmpd="sng" algn="ctr">
+                      <a:solidFill>
+                        <a:srgbClr val="000000"/>
+                      </a:solidFill>
+                      <a:prstDash val="solid"/>
+                      <a:round/>
+                      <a:headEnd type="none" w="med" len="med"/>
+                      <a:tailEnd type="none" w="med" len="med"/>
+                    </a:lnR>
+                    <a:lnT w="6350" cap="flat" cmpd="sng" algn="ctr">
+                      <a:solidFill>
+                        <a:srgbClr val="000000"/>
+                      </a:solidFill>
+                      <a:prstDash val="solid"/>
+                      <a:round/>
+                      <a:headEnd type="none" w="med" len="med"/>
+                      <a:tailEnd type="none" w="med" len="med"/>
+                    </a:lnT>
+                    <a:lnB w="6350" cap="flat" cmpd="sng" algn="ctr">
+                      <a:solidFill>
+                        <a:srgbClr val="000000"/>
+                      </a:solidFill>
+                      <a:prstDash val="solid"/>
+                      <a:round/>
+                      <a:headEnd type="none" w="med" len="med"/>
+                      <a:tailEnd type="none" w="med" len="med"/>
+                    </a:lnB>
+                  </a:tcPr>
+                </a:tc>
+                <a:extLst>
+                  <a:ext uri="{0D108BD9-81ED-4DB2-BD59-A6C34878D82A}">
+                    <a16:rowId xmlns:a16="http://schemas.microsoft.com/office/drawing/2014/main" val="4225893495"/>
+                  </a:ext>
+                </a:extLst>
+              </a:tr>
+            </a:tbl>
+          </a:graphicData>
+        </a:graphic>
+      </p:graphicFrame>
+    </p:spTree>
+    <p:extLst>
+      <p:ext uri="{BB962C8B-B14F-4D97-AF65-F5344CB8AC3E}">
+        <p14:creationId xmlns:p14="http://schemas.microsoft.com/office/powerpoint/2010/main" val="3160901569"/>
+      </p:ext>
+    </p:extLst>
+  </p:cSld>
+  <p:clrMapOvr>
+    <a:masterClrMapping/>
+  </p:clrMapOvr>
+</p:sld>
+</file>
+
 <file path=ppt/slides/slide18.xml><?xml version="1.0" encoding="utf-8"?>
 <p:sld xmlns:a="http://schemas.openxmlformats.org/drawingml/2006/main" xmlns:r="http://schemas.openxmlformats.org/officeDocument/2006/relationships" xmlns:p="http://schemas.openxmlformats.org/presentationml/2006/main">
   <p:cSld>
@@ -10496,6 +12450,1670 @@
       </p:grpSpPr>
       <p:sp>
         <p:nvSpPr>
+          <p:cNvPr id="2" name="Title 1">
+            <a:extLst>
+              <a:ext uri="{FF2B5EF4-FFF2-40B4-BE49-F238E27FC236}">
+                <a16:creationId xmlns:a16="http://schemas.microsoft.com/office/drawing/2014/main" id="{6334B5AF-B634-ADE5-3A01-5531EE71E1DC}"/>
+              </a:ext>
+            </a:extLst>
+          </p:cNvPr>
+          <p:cNvSpPr>
+            <a:spLocks noGrp="1"/>
+          </p:cNvSpPr>
+          <p:nvPr>
+            <p:ph type="title"/>
+          </p:nvPr>
+        </p:nvSpPr>
+        <p:spPr/>
+        <p:txBody>
+          <a:bodyPr>
+            <a:normAutofit/>
+          </a:bodyPr>
+          <a:lstStyle/>
+          <a:p>
+            <a:r>
+              <a:rPr lang="en-BG" dirty="0"/>
+              <a:t>KEDE correlates with happiness &amp; productivity</a:t>
+            </a:r>
+          </a:p>
+        </p:txBody>
+      </p:sp>
+      <p:graphicFrame>
+        <p:nvGraphicFramePr>
+          <p:cNvPr id="4" name="Table 3">
+            <a:extLst>
+              <a:ext uri="{FF2B5EF4-FFF2-40B4-BE49-F238E27FC236}">
+                <a16:creationId xmlns:a16="http://schemas.microsoft.com/office/drawing/2014/main" id="{2A95F112-F8CE-A631-7C77-C0E5D08FD008}"/>
+              </a:ext>
+            </a:extLst>
+          </p:cNvPr>
+          <p:cNvGraphicFramePr>
+            <a:graphicFrameLocks noGrp="1"/>
+          </p:cNvGraphicFramePr>
+          <p:nvPr/>
+        </p:nvGraphicFramePr>
+        <p:xfrm>
+          <a:off x="2146300" y="2208473"/>
+          <a:ext cx="7429502" cy="3598865"/>
+        </p:xfrm>
+        <a:graphic>
+          <a:graphicData uri="http://schemas.openxmlformats.org/drawingml/2006/table">
+            <a:tbl>
+              <a:tblPr/>
+              <a:tblGrid>
+                <a:gridCol w="1866314">
+                  <a:extLst>
+                    <a:ext uri="{9D8B030D-6E8A-4147-A177-3AD203B41FA5}">
+                      <a16:colId xmlns:a16="http://schemas.microsoft.com/office/drawing/2014/main" val="3916339277"/>
+                    </a:ext>
+                  </a:extLst>
+                </a:gridCol>
+                <a:gridCol w="1866314">
+                  <a:extLst>
+                    <a:ext uri="{9D8B030D-6E8A-4147-A177-3AD203B41FA5}">
+                      <a16:colId xmlns:a16="http://schemas.microsoft.com/office/drawing/2014/main" val="3528902101"/>
+                    </a:ext>
+                  </a:extLst>
+                </a:gridCol>
+                <a:gridCol w="1866314">
+                  <a:extLst>
+                    <a:ext uri="{9D8B030D-6E8A-4147-A177-3AD203B41FA5}">
+                      <a16:colId xmlns:a16="http://schemas.microsoft.com/office/drawing/2014/main" val="193785103"/>
+                    </a:ext>
+                  </a:extLst>
+                </a:gridCol>
+                <a:gridCol w="1830560">
+                  <a:extLst>
+                    <a:ext uri="{9D8B030D-6E8A-4147-A177-3AD203B41FA5}">
+                      <a16:colId xmlns:a16="http://schemas.microsoft.com/office/drawing/2014/main" val="936823543"/>
+                    </a:ext>
+                  </a:extLst>
+                </a:gridCol>
+              </a:tblGrid>
+              <a:tr h="719773">
+                <a:tc gridSpan="3">
+                  <a:txBody>
+                    <a:bodyPr/>
+                    <a:lstStyle/>
+                    <a:p>
+                      <a:pPr algn="ctr" fontAlgn="b"/>
+                      <a:r>
+                        <a:rPr lang="en-GB" sz="2800" b="1" i="0" u="none" strike="noStrike">
+                          <a:solidFill>
+                            <a:srgbClr val="000000"/>
+                          </a:solidFill>
+                          <a:effectLst/>
+                          <a:latin typeface="Calibri" panose="020F0502020204030204" pitchFamily="34" charset="0"/>
+                        </a:rPr>
+                        <a:t>Happiness</a:t>
+                      </a:r>
+                    </a:p>
+                  </a:txBody>
+                  <a:tcPr marL="9525" marR="9525" marT="9525" marB="0" anchor="ctr">
+                    <a:lnL w="6350" cap="flat" cmpd="sng" algn="ctr">
+                      <a:solidFill>
+                        <a:srgbClr val="000000"/>
+                      </a:solidFill>
+                      <a:prstDash val="solid"/>
+                      <a:round/>
+                      <a:headEnd type="none" w="med" len="med"/>
+                      <a:tailEnd type="none" w="med" len="med"/>
+                    </a:lnL>
+                    <a:lnR w="6350" cap="flat" cmpd="sng" algn="ctr">
+                      <a:solidFill>
+                        <a:srgbClr val="000000"/>
+                      </a:solidFill>
+                      <a:prstDash val="solid"/>
+                      <a:round/>
+                      <a:headEnd type="none" w="med" len="med"/>
+                      <a:tailEnd type="none" w="med" len="med"/>
+                    </a:lnR>
+                    <a:lnT w="6350" cap="flat" cmpd="sng" algn="ctr">
+                      <a:solidFill>
+                        <a:srgbClr val="000000"/>
+                      </a:solidFill>
+                      <a:prstDash val="solid"/>
+                      <a:round/>
+                      <a:headEnd type="none" w="med" len="med"/>
+                      <a:tailEnd type="none" w="med" len="med"/>
+                    </a:lnT>
+                    <a:lnB w="6350" cap="flat" cmpd="sng" algn="ctr">
+                      <a:solidFill>
+                        <a:srgbClr val="000000"/>
+                      </a:solidFill>
+                      <a:prstDash val="solid"/>
+                      <a:round/>
+                      <a:headEnd type="none" w="med" len="med"/>
+                      <a:tailEnd type="none" w="med" len="med"/>
+                    </a:lnB>
+                    <a:solidFill>
+                      <a:srgbClr val="DCE6F1"/>
+                    </a:solidFill>
+                  </a:tcPr>
+                </a:tc>
+                <a:tc hMerge="1">
+                  <a:txBody>
+                    <a:bodyPr/>
+                    <a:lstStyle/>
+                    <a:p>
+                      <a:endParaRPr lang="en-BG"/>
+                    </a:p>
+                  </a:txBody>
+                  <a:tcPr/>
+                </a:tc>
+                <a:tc hMerge="1">
+                  <a:txBody>
+                    <a:bodyPr/>
+                    <a:lstStyle/>
+                    <a:p>
+                      <a:endParaRPr lang="en-BG"/>
+                    </a:p>
+                  </a:txBody>
+                  <a:tcPr/>
+                </a:tc>
+                <a:tc>
+                  <a:txBody>
+                    <a:bodyPr/>
+                    <a:lstStyle/>
+                    <a:p>
+                      <a:pPr algn="ctr" fontAlgn="b"/>
+                      <a:r>
+                        <a:rPr lang="en-GB" sz="2800" b="1" i="0" u="none" strike="noStrike">
+                          <a:solidFill>
+                            <a:srgbClr val="000000"/>
+                          </a:solidFill>
+                          <a:effectLst/>
+                          <a:latin typeface="Calibri" panose="020F0502020204030204" pitchFamily="34" charset="0"/>
+                        </a:rPr>
+                        <a:t>Productivity</a:t>
+                      </a:r>
+                    </a:p>
+                  </a:txBody>
+                  <a:tcPr marL="9525" marR="9525" marT="9525" marB="0" anchor="ctr">
+                    <a:lnL w="6350" cap="flat" cmpd="sng" algn="ctr">
+                      <a:solidFill>
+                        <a:srgbClr val="000000"/>
+                      </a:solidFill>
+                      <a:prstDash val="solid"/>
+                      <a:round/>
+                      <a:headEnd type="none" w="med" len="med"/>
+                      <a:tailEnd type="none" w="med" len="med"/>
+                    </a:lnL>
+                    <a:lnR w="6350" cap="flat" cmpd="sng" algn="ctr">
+                      <a:solidFill>
+                        <a:srgbClr val="000000"/>
+                      </a:solidFill>
+                      <a:prstDash val="solid"/>
+                      <a:round/>
+                      <a:headEnd type="none" w="med" len="med"/>
+                      <a:tailEnd type="none" w="med" len="med"/>
+                    </a:lnR>
+                    <a:lnT w="6350" cap="flat" cmpd="sng" algn="ctr">
+                      <a:solidFill>
+                        <a:srgbClr val="000000"/>
+                      </a:solidFill>
+                      <a:prstDash val="solid"/>
+                      <a:round/>
+                      <a:headEnd type="none" w="med" len="med"/>
+                      <a:tailEnd type="none" w="med" len="med"/>
+                    </a:lnT>
+                    <a:lnB w="6350" cap="flat" cmpd="sng" algn="ctr">
+                      <a:solidFill>
+                        <a:srgbClr val="000000"/>
+                      </a:solidFill>
+                      <a:prstDash val="solid"/>
+                      <a:round/>
+                      <a:headEnd type="none" w="med" len="med"/>
+                      <a:tailEnd type="none" w="med" len="med"/>
+                    </a:lnB>
+                    <a:solidFill>
+                      <a:srgbClr val="DCE6F1"/>
+                    </a:solidFill>
+                  </a:tcPr>
+                </a:tc>
+                <a:extLst>
+                  <a:ext uri="{0D108BD9-81ED-4DB2-BD59-A6C34878D82A}">
+                    <a16:rowId xmlns:a16="http://schemas.microsoft.com/office/drawing/2014/main" val="3539931542"/>
+                  </a:ext>
+                </a:extLst>
+              </a:tr>
+              <a:tr h="719773">
+                <a:tc>
+                  <a:txBody>
+                    <a:bodyPr/>
+                    <a:lstStyle/>
+                    <a:p>
+                      <a:pPr algn="ctr" fontAlgn="b"/>
+                      <a:r>
+                        <a:rPr lang="en-GB" sz="2800" b="1" i="0" u="none" strike="noStrike">
+                          <a:solidFill>
+                            <a:srgbClr val="000000"/>
+                          </a:solidFill>
+                          <a:effectLst/>
+                          <a:latin typeface="Calibri" panose="020F0502020204030204" pitchFamily="34" charset="0"/>
+                        </a:rPr>
+                        <a:t>Sum H</a:t>
+                      </a:r>
+                    </a:p>
+                  </a:txBody>
+                  <a:tcPr marL="9525" marR="9525" marT="9525" marB="0" anchor="ctr">
+                    <a:lnL w="6350" cap="flat" cmpd="sng" algn="ctr">
+                      <a:solidFill>
+                        <a:srgbClr val="000000"/>
+                      </a:solidFill>
+                      <a:prstDash val="solid"/>
+                      <a:round/>
+                      <a:headEnd type="none" w="med" len="med"/>
+                      <a:tailEnd type="none" w="med" len="med"/>
+                    </a:lnL>
+                    <a:lnR w="6350" cap="flat" cmpd="sng" algn="ctr">
+                      <a:solidFill>
+                        <a:srgbClr val="000000"/>
+                      </a:solidFill>
+                      <a:prstDash val="solid"/>
+                      <a:round/>
+                      <a:headEnd type="none" w="med" len="med"/>
+                      <a:tailEnd type="none" w="med" len="med"/>
+                    </a:lnR>
+                    <a:lnT w="6350" cap="flat" cmpd="sng" algn="ctr">
+                      <a:solidFill>
+                        <a:srgbClr val="000000"/>
+                      </a:solidFill>
+                      <a:prstDash val="solid"/>
+                      <a:round/>
+                      <a:headEnd type="none" w="med" len="med"/>
+                      <a:tailEnd type="none" w="med" len="med"/>
+                    </a:lnT>
+                    <a:lnB w="6350" cap="flat" cmpd="sng" algn="ctr">
+                      <a:solidFill>
+                        <a:srgbClr val="000000"/>
+                      </a:solidFill>
+                      <a:prstDash val="solid"/>
+                      <a:round/>
+                      <a:headEnd type="none" w="med" len="med"/>
+                      <a:tailEnd type="none" w="med" len="med"/>
+                    </a:lnB>
+                  </a:tcPr>
+                </a:tc>
+                <a:tc>
+                  <a:txBody>
+                    <a:bodyPr/>
+                    <a:lstStyle/>
+                    <a:p>
+                      <a:pPr algn="ctr" fontAlgn="b"/>
+                      <a:r>
+                        <a:rPr lang="en-GB" sz="2800" b="1" i="0" u="none" strike="noStrike">
+                          <a:solidFill>
+                            <a:srgbClr val="000000"/>
+                          </a:solidFill>
+                          <a:effectLst/>
+                          <a:latin typeface="Calibri" panose="020F0502020204030204" pitchFamily="34" charset="0"/>
+                        </a:rPr>
+                        <a:t>Avg H</a:t>
+                      </a:r>
+                    </a:p>
+                  </a:txBody>
+                  <a:tcPr marL="9525" marR="9525" marT="9525" marB="0" anchor="ctr">
+                    <a:lnL w="6350" cap="flat" cmpd="sng" algn="ctr">
+                      <a:solidFill>
+                        <a:srgbClr val="000000"/>
+                      </a:solidFill>
+                      <a:prstDash val="solid"/>
+                      <a:round/>
+                      <a:headEnd type="none" w="med" len="med"/>
+                      <a:tailEnd type="none" w="med" len="med"/>
+                    </a:lnL>
+                    <a:lnR w="6350" cap="flat" cmpd="sng" algn="ctr">
+                      <a:solidFill>
+                        <a:srgbClr val="000000"/>
+                      </a:solidFill>
+                      <a:prstDash val="solid"/>
+                      <a:round/>
+                      <a:headEnd type="none" w="med" len="med"/>
+                      <a:tailEnd type="none" w="med" len="med"/>
+                    </a:lnR>
+                    <a:lnT w="6350" cap="flat" cmpd="sng" algn="ctr">
+                      <a:solidFill>
+                        <a:srgbClr val="000000"/>
+                      </a:solidFill>
+                      <a:prstDash val="solid"/>
+                      <a:round/>
+                      <a:headEnd type="none" w="med" len="med"/>
+                      <a:tailEnd type="none" w="med" len="med"/>
+                    </a:lnT>
+                    <a:lnB w="6350" cap="flat" cmpd="sng" algn="ctr">
+                      <a:solidFill>
+                        <a:srgbClr val="000000"/>
+                      </a:solidFill>
+                      <a:prstDash val="solid"/>
+                      <a:round/>
+                      <a:headEnd type="none" w="med" len="med"/>
+                      <a:tailEnd type="none" w="med" len="med"/>
+                    </a:lnB>
+                  </a:tcPr>
+                </a:tc>
+                <a:tc>
+                  <a:txBody>
+                    <a:bodyPr/>
+                    <a:lstStyle/>
+                    <a:p>
+                      <a:pPr algn="ctr" fontAlgn="b"/>
+                      <a:r>
+                        <a:rPr lang="en-GB" sz="2800" b="1" i="0" u="none" strike="noStrike">
+                          <a:solidFill>
+                            <a:srgbClr val="000000"/>
+                          </a:solidFill>
+                          <a:effectLst/>
+                          <a:latin typeface="Calibri" panose="020F0502020204030204" pitchFamily="34" charset="0"/>
+                        </a:rPr>
+                        <a:t>Avg KEDE</a:t>
+                      </a:r>
+                    </a:p>
+                  </a:txBody>
+                  <a:tcPr marL="9525" marR="9525" marT="9525" marB="0" anchor="ctr">
+                    <a:lnL w="6350" cap="flat" cmpd="sng" algn="ctr">
+                      <a:solidFill>
+                        <a:srgbClr val="000000"/>
+                      </a:solidFill>
+                      <a:prstDash val="solid"/>
+                      <a:round/>
+                      <a:headEnd type="none" w="med" len="med"/>
+                      <a:tailEnd type="none" w="med" len="med"/>
+                    </a:lnL>
+                    <a:lnR w="6350" cap="flat" cmpd="sng" algn="ctr">
+                      <a:solidFill>
+                        <a:srgbClr val="000000"/>
+                      </a:solidFill>
+                      <a:prstDash val="solid"/>
+                      <a:round/>
+                      <a:headEnd type="none" w="med" len="med"/>
+                      <a:tailEnd type="none" w="med" len="med"/>
+                    </a:lnR>
+                    <a:lnT w="6350" cap="flat" cmpd="sng" algn="ctr">
+                      <a:solidFill>
+                        <a:srgbClr val="000000"/>
+                      </a:solidFill>
+                      <a:prstDash val="solid"/>
+                      <a:round/>
+                      <a:headEnd type="none" w="med" len="med"/>
+                      <a:tailEnd type="none" w="med" len="med"/>
+                    </a:lnT>
+                    <a:lnB w="6350" cap="flat" cmpd="sng" algn="ctr">
+                      <a:solidFill>
+                        <a:srgbClr val="000000"/>
+                      </a:solidFill>
+                      <a:prstDash val="solid"/>
+                      <a:round/>
+                      <a:headEnd type="none" w="med" len="med"/>
+                      <a:tailEnd type="none" w="med" len="med"/>
+                    </a:lnB>
+                  </a:tcPr>
+                </a:tc>
+                <a:tc>
+                  <a:txBody>
+                    <a:bodyPr/>
+                    <a:lstStyle/>
+                    <a:p>
+                      <a:pPr algn="ctr" fontAlgn="b"/>
+                      <a:r>
+                        <a:rPr lang="en-GB" sz="2800" b="1" i="0" u="none" strike="noStrike">
+                          <a:solidFill>
+                            <a:srgbClr val="000000"/>
+                          </a:solidFill>
+                          <a:effectLst/>
+                          <a:latin typeface="Calibri" panose="020F0502020204030204" pitchFamily="34" charset="0"/>
+                        </a:rPr>
+                        <a:t>Sum Cards</a:t>
+                      </a:r>
+                    </a:p>
+                  </a:txBody>
+                  <a:tcPr marL="9525" marR="9525" marT="9525" marB="0" anchor="ctr">
+                    <a:lnL w="6350" cap="flat" cmpd="sng" algn="ctr">
+                      <a:solidFill>
+                        <a:srgbClr val="000000"/>
+                      </a:solidFill>
+                      <a:prstDash val="solid"/>
+                      <a:round/>
+                      <a:headEnd type="none" w="med" len="med"/>
+                      <a:tailEnd type="none" w="med" len="med"/>
+                    </a:lnL>
+                    <a:lnR w="6350" cap="flat" cmpd="sng" algn="ctr">
+                      <a:solidFill>
+                        <a:srgbClr val="000000"/>
+                      </a:solidFill>
+                      <a:prstDash val="solid"/>
+                      <a:round/>
+                      <a:headEnd type="none" w="med" len="med"/>
+                      <a:tailEnd type="none" w="med" len="med"/>
+                    </a:lnR>
+                    <a:lnT w="6350" cap="flat" cmpd="sng" algn="ctr">
+                      <a:solidFill>
+                        <a:srgbClr val="000000"/>
+                      </a:solidFill>
+                      <a:prstDash val="solid"/>
+                      <a:round/>
+                      <a:headEnd type="none" w="med" len="med"/>
+                      <a:tailEnd type="none" w="med" len="med"/>
+                    </a:lnT>
+                    <a:lnB w="6350" cap="flat" cmpd="sng" algn="ctr">
+                      <a:solidFill>
+                        <a:srgbClr val="000000"/>
+                      </a:solidFill>
+                      <a:prstDash val="solid"/>
+                      <a:round/>
+                      <a:headEnd type="none" w="med" len="med"/>
+                      <a:tailEnd type="none" w="med" len="med"/>
+                    </a:lnB>
+                  </a:tcPr>
+                </a:tc>
+                <a:extLst>
+                  <a:ext uri="{0D108BD9-81ED-4DB2-BD59-A6C34878D82A}">
+                    <a16:rowId xmlns:a16="http://schemas.microsoft.com/office/drawing/2014/main" val="4069017481"/>
+                  </a:ext>
+                </a:extLst>
+              </a:tr>
+              <a:tr h="719773">
+                <a:tc>
+                  <a:txBody>
+                    <a:bodyPr/>
+                    <a:lstStyle/>
+                    <a:p>
+                      <a:pPr algn="ctr" fontAlgn="b"/>
+                      <a:r>
+                        <a:rPr lang="en-BG" sz="2800" b="0" i="0" u="none" strike="noStrike" dirty="0">
+                          <a:solidFill>
+                            <a:schemeClr val="bg1"/>
+                          </a:solidFill>
+                          <a:effectLst/>
+                          <a:latin typeface="Calibri" panose="020F0502020204030204" pitchFamily="34" charset="0"/>
+                        </a:rPr>
+                        <a:t>10</a:t>
+                      </a:r>
+                    </a:p>
+                  </a:txBody>
+                  <a:tcPr marL="9525" marR="9525" marT="9525" marB="0" anchor="ctr">
+                    <a:lnL w="6350" cap="flat" cmpd="sng" algn="ctr">
+                      <a:solidFill>
+                        <a:srgbClr val="000000"/>
+                      </a:solidFill>
+                      <a:prstDash val="solid"/>
+                      <a:round/>
+                      <a:headEnd type="none" w="med" len="med"/>
+                      <a:tailEnd type="none" w="med" len="med"/>
+                    </a:lnL>
+                    <a:lnR w="6350" cap="flat" cmpd="sng" algn="ctr">
+                      <a:solidFill>
+                        <a:srgbClr val="000000"/>
+                      </a:solidFill>
+                      <a:prstDash val="solid"/>
+                      <a:round/>
+                      <a:headEnd type="none" w="med" len="med"/>
+                      <a:tailEnd type="none" w="med" len="med"/>
+                    </a:lnR>
+                    <a:lnT w="6350" cap="flat" cmpd="sng" algn="ctr">
+                      <a:solidFill>
+                        <a:srgbClr val="000000"/>
+                      </a:solidFill>
+                      <a:prstDash val="solid"/>
+                      <a:round/>
+                      <a:headEnd type="none" w="med" len="med"/>
+                      <a:tailEnd type="none" w="med" len="med"/>
+                    </a:lnT>
+                    <a:lnB w="6350" cap="flat" cmpd="sng" algn="ctr">
+                      <a:solidFill>
+                        <a:srgbClr val="000000"/>
+                      </a:solidFill>
+                      <a:prstDash val="solid"/>
+                      <a:round/>
+                      <a:headEnd type="none" w="med" len="med"/>
+                      <a:tailEnd type="none" w="med" len="med"/>
+                    </a:lnB>
+                    <a:solidFill>
+                      <a:srgbClr val="FF0000"/>
+                    </a:solidFill>
+                  </a:tcPr>
+                </a:tc>
+                <a:tc>
+                  <a:txBody>
+                    <a:bodyPr/>
+                    <a:lstStyle/>
+                    <a:p>
+                      <a:pPr algn="ctr" fontAlgn="b"/>
+                      <a:r>
+                        <a:rPr lang="en-BG" sz="2800" b="0" i="0" u="none" strike="noStrike">
+                          <a:solidFill>
+                            <a:srgbClr val="000000"/>
+                          </a:solidFill>
+                          <a:effectLst/>
+                          <a:latin typeface="Calibri" panose="020F0502020204030204" pitchFamily="34" charset="0"/>
+                        </a:rPr>
+                        <a:t>0,875</a:t>
+                      </a:r>
+                    </a:p>
+                  </a:txBody>
+                  <a:tcPr marL="9525" marR="9525" marT="9525" marB="0" anchor="ctr">
+                    <a:lnL w="6350" cap="flat" cmpd="sng" algn="ctr">
+                      <a:solidFill>
+                        <a:srgbClr val="000000"/>
+                      </a:solidFill>
+                      <a:prstDash val="solid"/>
+                      <a:round/>
+                      <a:headEnd type="none" w="med" len="med"/>
+                      <a:tailEnd type="none" w="med" len="med"/>
+                    </a:lnL>
+                    <a:lnR w="6350" cap="flat" cmpd="sng" algn="ctr">
+                      <a:solidFill>
+                        <a:srgbClr val="000000"/>
+                      </a:solidFill>
+                      <a:prstDash val="solid"/>
+                      <a:round/>
+                      <a:headEnd type="none" w="med" len="med"/>
+                      <a:tailEnd type="none" w="med" len="med"/>
+                    </a:lnR>
+                    <a:lnT w="6350" cap="flat" cmpd="sng" algn="ctr">
+                      <a:solidFill>
+                        <a:srgbClr val="000000"/>
+                      </a:solidFill>
+                      <a:prstDash val="solid"/>
+                      <a:round/>
+                      <a:headEnd type="none" w="med" len="med"/>
+                      <a:tailEnd type="none" w="med" len="med"/>
+                    </a:lnT>
+                    <a:lnB w="6350" cap="flat" cmpd="sng" algn="ctr">
+                      <a:solidFill>
+                        <a:srgbClr val="000000"/>
+                      </a:solidFill>
+                      <a:prstDash val="solid"/>
+                      <a:round/>
+                      <a:headEnd type="none" w="med" len="med"/>
+                      <a:tailEnd type="none" w="med" len="med"/>
+                    </a:lnB>
+                  </a:tcPr>
+                </a:tc>
+                <a:tc>
+                  <a:txBody>
+                    <a:bodyPr/>
+                    <a:lstStyle/>
+                    <a:p>
+                      <a:pPr algn="ctr" fontAlgn="b"/>
+                      <a:r>
+                        <a:rPr lang="en-BG" sz="2800" b="0" i="0" u="none" strike="noStrike" dirty="0">
+                          <a:solidFill>
+                            <a:srgbClr val="000000"/>
+                          </a:solidFill>
+                          <a:effectLst/>
+                          <a:latin typeface="Calibri" panose="020F0502020204030204" pitchFamily="34" charset="0"/>
+                        </a:rPr>
+                        <a:t>53</a:t>
+                      </a:r>
+                    </a:p>
+                  </a:txBody>
+                  <a:tcPr marL="9525" marR="9525" marT="9525" marB="0" anchor="ctr">
+                    <a:lnL w="6350" cap="flat" cmpd="sng" algn="ctr">
+                      <a:solidFill>
+                        <a:srgbClr val="000000"/>
+                      </a:solidFill>
+                      <a:prstDash val="solid"/>
+                      <a:round/>
+                      <a:headEnd type="none" w="med" len="med"/>
+                      <a:tailEnd type="none" w="med" len="med"/>
+                    </a:lnL>
+                    <a:lnR w="6350" cap="flat" cmpd="sng" algn="ctr">
+                      <a:solidFill>
+                        <a:srgbClr val="000000"/>
+                      </a:solidFill>
+                      <a:prstDash val="solid"/>
+                      <a:round/>
+                      <a:headEnd type="none" w="med" len="med"/>
+                      <a:tailEnd type="none" w="med" len="med"/>
+                    </a:lnR>
+                    <a:lnT w="6350" cap="flat" cmpd="sng" algn="ctr">
+                      <a:solidFill>
+                        <a:srgbClr val="000000"/>
+                      </a:solidFill>
+                      <a:prstDash val="solid"/>
+                      <a:round/>
+                      <a:headEnd type="none" w="med" len="med"/>
+                      <a:tailEnd type="none" w="med" len="med"/>
+                    </a:lnT>
+                    <a:lnB w="6350" cap="flat" cmpd="sng" algn="ctr">
+                      <a:solidFill>
+                        <a:srgbClr val="000000"/>
+                      </a:solidFill>
+                      <a:prstDash val="solid"/>
+                      <a:round/>
+                      <a:headEnd type="none" w="med" len="med"/>
+                      <a:tailEnd type="none" w="med" len="med"/>
+                    </a:lnB>
+                  </a:tcPr>
+                </a:tc>
+                <a:tc>
+                  <a:txBody>
+                    <a:bodyPr/>
+                    <a:lstStyle/>
+                    <a:p>
+                      <a:pPr algn="ctr" fontAlgn="b"/>
+                      <a:r>
+                        <a:rPr lang="en-BG" sz="2800" b="0" i="0" u="none" strike="noStrike">
+                          <a:solidFill>
+                            <a:srgbClr val="000000"/>
+                          </a:solidFill>
+                          <a:effectLst/>
+                          <a:latin typeface="Calibri" panose="020F0502020204030204" pitchFamily="34" charset="0"/>
+                        </a:rPr>
+                        <a:t>16</a:t>
+                      </a:r>
+                    </a:p>
+                  </a:txBody>
+                  <a:tcPr marL="9525" marR="9525" marT="9525" marB="0" anchor="ctr">
+                    <a:lnL w="6350" cap="flat" cmpd="sng" algn="ctr">
+                      <a:solidFill>
+                        <a:srgbClr val="000000"/>
+                      </a:solidFill>
+                      <a:prstDash val="solid"/>
+                      <a:round/>
+                      <a:headEnd type="none" w="med" len="med"/>
+                      <a:tailEnd type="none" w="med" len="med"/>
+                    </a:lnL>
+                    <a:lnR w="6350" cap="flat" cmpd="sng" algn="ctr">
+                      <a:solidFill>
+                        <a:srgbClr val="000000"/>
+                      </a:solidFill>
+                      <a:prstDash val="solid"/>
+                      <a:round/>
+                      <a:headEnd type="none" w="med" len="med"/>
+                      <a:tailEnd type="none" w="med" len="med"/>
+                    </a:lnR>
+                    <a:lnT w="6350" cap="flat" cmpd="sng" algn="ctr">
+                      <a:solidFill>
+                        <a:srgbClr val="000000"/>
+                      </a:solidFill>
+                      <a:prstDash val="solid"/>
+                      <a:round/>
+                      <a:headEnd type="none" w="med" len="med"/>
+                      <a:tailEnd type="none" w="med" len="med"/>
+                    </a:lnT>
+                    <a:lnB w="6350" cap="flat" cmpd="sng" algn="ctr">
+                      <a:solidFill>
+                        <a:srgbClr val="000000"/>
+                      </a:solidFill>
+                      <a:prstDash val="solid"/>
+                      <a:round/>
+                      <a:headEnd type="none" w="med" len="med"/>
+                      <a:tailEnd type="none" w="med" len="med"/>
+                    </a:lnB>
+                  </a:tcPr>
+                </a:tc>
+                <a:extLst>
+                  <a:ext uri="{0D108BD9-81ED-4DB2-BD59-A6C34878D82A}">
+                    <a16:rowId xmlns:a16="http://schemas.microsoft.com/office/drawing/2014/main" val="123928671"/>
+                  </a:ext>
+                </a:extLst>
+              </a:tr>
+              <a:tr h="719773">
+                <a:tc>
+                  <a:txBody>
+                    <a:bodyPr/>
+                    <a:lstStyle/>
+                    <a:p>
+                      <a:pPr algn="ctr" fontAlgn="b"/>
+                      <a:r>
+                        <a:rPr lang="en-BG" sz="2800" b="0" i="0" u="none" strike="noStrike" dirty="0">
+                          <a:solidFill>
+                            <a:srgbClr val="000000"/>
+                          </a:solidFill>
+                          <a:effectLst/>
+                          <a:latin typeface="Calibri" panose="020F0502020204030204" pitchFamily="34" charset="0"/>
+                        </a:rPr>
+                        <a:t>5</a:t>
+                      </a:r>
+                    </a:p>
+                  </a:txBody>
+                  <a:tcPr marL="9525" marR="9525" marT="9525" marB="0" anchor="ctr">
+                    <a:lnL w="6350" cap="flat" cmpd="sng" algn="ctr">
+                      <a:solidFill>
+                        <a:srgbClr val="000000"/>
+                      </a:solidFill>
+                      <a:prstDash val="solid"/>
+                      <a:round/>
+                      <a:headEnd type="none" w="med" len="med"/>
+                      <a:tailEnd type="none" w="med" len="med"/>
+                    </a:lnL>
+                    <a:lnR w="6350" cap="flat" cmpd="sng" algn="ctr">
+                      <a:solidFill>
+                        <a:srgbClr val="000000"/>
+                      </a:solidFill>
+                      <a:prstDash val="solid"/>
+                      <a:round/>
+                      <a:headEnd type="none" w="med" len="med"/>
+                      <a:tailEnd type="none" w="med" len="med"/>
+                    </a:lnR>
+                    <a:lnT w="6350" cap="flat" cmpd="sng" algn="ctr">
+                      <a:solidFill>
+                        <a:srgbClr val="000000"/>
+                      </a:solidFill>
+                      <a:prstDash val="solid"/>
+                      <a:round/>
+                      <a:headEnd type="none" w="med" len="med"/>
+                      <a:tailEnd type="none" w="med" len="med"/>
+                    </a:lnT>
+                    <a:lnB w="6350" cap="flat" cmpd="sng" algn="ctr">
+                      <a:solidFill>
+                        <a:srgbClr val="000000"/>
+                      </a:solidFill>
+                      <a:prstDash val="solid"/>
+                      <a:round/>
+                      <a:headEnd type="none" w="med" len="med"/>
+                      <a:tailEnd type="none" w="med" len="med"/>
+                    </a:lnB>
+                    <a:solidFill>
+                      <a:srgbClr val="FFFF00"/>
+                    </a:solidFill>
+                  </a:tcPr>
+                </a:tc>
+                <a:tc>
+                  <a:txBody>
+                    <a:bodyPr/>
+                    <a:lstStyle/>
+                    <a:p>
+                      <a:pPr algn="ctr" fontAlgn="b"/>
+                      <a:r>
+                        <a:rPr lang="en-BG" sz="2800" b="0" i="0" u="none" strike="noStrike" dirty="0">
+                          <a:solidFill>
+                            <a:srgbClr val="000000"/>
+                          </a:solidFill>
+                          <a:effectLst/>
+                          <a:latin typeface="Calibri" panose="020F0502020204030204" pitchFamily="34" charset="0"/>
+                        </a:rPr>
+                        <a:t>0,76</a:t>
+                      </a:r>
+                    </a:p>
+                  </a:txBody>
+                  <a:tcPr marL="9525" marR="9525" marT="9525" marB="0" anchor="ctr">
+                    <a:lnL w="6350" cap="flat" cmpd="sng" algn="ctr">
+                      <a:solidFill>
+                        <a:srgbClr val="000000"/>
+                      </a:solidFill>
+                      <a:prstDash val="solid"/>
+                      <a:round/>
+                      <a:headEnd type="none" w="med" len="med"/>
+                      <a:tailEnd type="none" w="med" len="med"/>
+                    </a:lnL>
+                    <a:lnR w="6350" cap="flat" cmpd="sng" algn="ctr">
+                      <a:solidFill>
+                        <a:srgbClr val="000000"/>
+                      </a:solidFill>
+                      <a:prstDash val="solid"/>
+                      <a:round/>
+                      <a:headEnd type="none" w="med" len="med"/>
+                      <a:tailEnd type="none" w="med" len="med"/>
+                    </a:lnR>
+                    <a:lnT w="6350" cap="flat" cmpd="sng" algn="ctr">
+                      <a:solidFill>
+                        <a:srgbClr val="000000"/>
+                      </a:solidFill>
+                      <a:prstDash val="solid"/>
+                      <a:round/>
+                      <a:headEnd type="none" w="med" len="med"/>
+                      <a:tailEnd type="none" w="med" len="med"/>
+                    </a:lnT>
+                    <a:lnB w="6350" cap="flat" cmpd="sng" algn="ctr">
+                      <a:solidFill>
+                        <a:srgbClr val="000000"/>
+                      </a:solidFill>
+                      <a:prstDash val="solid"/>
+                      <a:round/>
+                      <a:headEnd type="none" w="med" len="med"/>
+                      <a:tailEnd type="none" w="med" len="med"/>
+                    </a:lnB>
+                  </a:tcPr>
+                </a:tc>
+                <a:tc>
+                  <a:txBody>
+                    <a:bodyPr/>
+                    <a:lstStyle/>
+                    <a:p>
+                      <a:pPr algn="ctr" fontAlgn="b"/>
+                      <a:r>
+                        <a:rPr lang="en-BG" sz="2800" b="0" i="0" u="none" strike="noStrike" dirty="0">
+                          <a:solidFill>
+                            <a:srgbClr val="000000"/>
+                          </a:solidFill>
+                          <a:effectLst/>
+                          <a:latin typeface="Calibri" panose="020F0502020204030204" pitchFamily="34" charset="0"/>
+                        </a:rPr>
+                        <a:t>56</a:t>
+                      </a:r>
+                    </a:p>
+                  </a:txBody>
+                  <a:tcPr marL="9525" marR="9525" marT="9525" marB="0" anchor="ctr">
+                    <a:lnL w="6350" cap="flat" cmpd="sng" algn="ctr">
+                      <a:solidFill>
+                        <a:srgbClr val="000000"/>
+                      </a:solidFill>
+                      <a:prstDash val="solid"/>
+                      <a:round/>
+                      <a:headEnd type="none" w="med" len="med"/>
+                      <a:tailEnd type="none" w="med" len="med"/>
+                    </a:lnL>
+                    <a:lnR w="6350" cap="flat" cmpd="sng" algn="ctr">
+                      <a:solidFill>
+                        <a:srgbClr val="000000"/>
+                      </a:solidFill>
+                      <a:prstDash val="solid"/>
+                      <a:round/>
+                      <a:headEnd type="none" w="med" len="med"/>
+                      <a:tailEnd type="none" w="med" len="med"/>
+                    </a:lnR>
+                    <a:lnT w="6350" cap="flat" cmpd="sng" algn="ctr">
+                      <a:solidFill>
+                        <a:srgbClr val="000000"/>
+                      </a:solidFill>
+                      <a:prstDash val="solid"/>
+                      <a:round/>
+                      <a:headEnd type="none" w="med" len="med"/>
+                      <a:tailEnd type="none" w="med" len="med"/>
+                    </a:lnT>
+                    <a:lnB w="6350" cap="flat" cmpd="sng" algn="ctr">
+                      <a:solidFill>
+                        <a:srgbClr val="000000"/>
+                      </a:solidFill>
+                      <a:prstDash val="solid"/>
+                      <a:round/>
+                      <a:headEnd type="none" w="med" len="med"/>
+                      <a:tailEnd type="none" w="med" len="med"/>
+                    </a:lnB>
+                  </a:tcPr>
+                </a:tc>
+                <a:tc>
+                  <a:txBody>
+                    <a:bodyPr/>
+                    <a:lstStyle/>
+                    <a:p>
+                      <a:pPr algn="ctr" fontAlgn="b"/>
+                      <a:r>
+                        <a:rPr lang="en-BG" sz="2800" b="0" i="0" u="none" strike="noStrike">
+                          <a:solidFill>
+                            <a:srgbClr val="000000"/>
+                          </a:solidFill>
+                          <a:effectLst/>
+                          <a:latin typeface="Calibri" panose="020F0502020204030204" pitchFamily="34" charset="0"/>
+                        </a:rPr>
+                        <a:t>17</a:t>
+                      </a:r>
+                    </a:p>
+                  </a:txBody>
+                  <a:tcPr marL="9525" marR="9525" marT="9525" marB="0" anchor="ctr">
+                    <a:lnL w="6350" cap="flat" cmpd="sng" algn="ctr">
+                      <a:solidFill>
+                        <a:srgbClr val="000000"/>
+                      </a:solidFill>
+                      <a:prstDash val="solid"/>
+                      <a:round/>
+                      <a:headEnd type="none" w="med" len="med"/>
+                      <a:tailEnd type="none" w="med" len="med"/>
+                    </a:lnL>
+                    <a:lnR w="6350" cap="flat" cmpd="sng" algn="ctr">
+                      <a:solidFill>
+                        <a:srgbClr val="000000"/>
+                      </a:solidFill>
+                      <a:prstDash val="solid"/>
+                      <a:round/>
+                      <a:headEnd type="none" w="med" len="med"/>
+                      <a:tailEnd type="none" w="med" len="med"/>
+                    </a:lnR>
+                    <a:lnT w="6350" cap="flat" cmpd="sng" algn="ctr">
+                      <a:solidFill>
+                        <a:srgbClr val="000000"/>
+                      </a:solidFill>
+                      <a:prstDash val="solid"/>
+                      <a:round/>
+                      <a:headEnd type="none" w="med" len="med"/>
+                      <a:tailEnd type="none" w="med" len="med"/>
+                    </a:lnT>
+                    <a:lnB w="6350" cap="flat" cmpd="sng" algn="ctr">
+                      <a:solidFill>
+                        <a:srgbClr val="000000"/>
+                      </a:solidFill>
+                      <a:prstDash val="solid"/>
+                      <a:round/>
+                      <a:headEnd type="none" w="med" len="med"/>
+                      <a:tailEnd type="none" w="med" len="med"/>
+                    </a:lnB>
+                  </a:tcPr>
+                </a:tc>
+                <a:extLst>
+                  <a:ext uri="{0D108BD9-81ED-4DB2-BD59-A6C34878D82A}">
+                    <a16:rowId xmlns:a16="http://schemas.microsoft.com/office/drawing/2014/main" val="1564563870"/>
+                  </a:ext>
+                </a:extLst>
+              </a:tr>
+              <a:tr h="719773">
+                <a:tc>
+                  <a:txBody>
+                    <a:bodyPr/>
+                    <a:lstStyle/>
+                    <a:p>
+                      <a:pPr algn="ctr" fontAlgn="b"/>
+                      <a:r>
+                        <a:rPr lang="en-BG" sz="2800" b="0" i="0" u="none" strike="noStrike" dirty="0">
+                          <a:solidFill>
+                            <a:schemeClr val="bg1"/>
+                          </a:solidFill>
+                          <a:effectLst/>
+                          <a:latin typeface="Calibri" panose="020F0502020204030204" pitchFamily="34" charset="0"/>
+                        </a:rPr>
+                        <a:t>2</a:t>
+                      </a:r>
+                    </a:p>
+                  </a:txBody>
+                  <a:tcPr marL="9525" marR="9525" marT="9525" marB="0" anchor="ctr">
+                    <a:lnL w="6350" cap="flat" cmpd="sng" algn="ctr">
+                      <a:solidFill>
+                        <a:srgbClr val="000000"/>
+                      </a:solidFill>
+                      <a:prstDash val="solid"/>
+                      <a:round/>
+                      <a:headEnd type="none" w="med" len="med"/>
+                      <a:tailEnd type="none" w="med" len="med"/>
+                    </a:lnL>
+                    <a:lnR w="6350" cap="flat" cmpd="sng" algn="ctr">
+                      <a:solidFill>
+                        <a:srgbClr val="000000"/>
+                      </a:solidFill>
+                      <a:prstDash val="solid"/>
+                      <a:round/>
+                      <a:headEnd type="none" w="med" len="med"/>
+                      <a:tailEnd type="none" w="med" len="med"/>
+                    </a:lnR>
+                    <a:lnT w="6350" cap="flat" cmpd="sng" algn="ctr">
+                      <a:solidFill>
+                        <a:srgbClr val="000000"/>
+                      </a:solidFill>
+                      <a:prstDash val="solid"/>
+                      <a:round/>
+                      <a:headEnd type="none" w="med" len="med"/>
+                      <a:tailEnd type="none" w="med" len="med"/>
+                    </a:lnT>
+                    <a:lnB w="6350" cap="flat" cmpd="sng" algn="ctr">
+                      <a:solidFill>
+                        <a:srgbClr val="000000"/>
+                      </a:solidFill>
+                      <a:prstDash val="solid"/>
+                      <a:round/>
+                      <a:headEnd type="none" w="med" len="med"/>
+                      <a:tailEnd type="none" w="med" len="med"/>
+                    </a:lnB>
+                    <a:solidFill>
+                      <a:srgbClr val="00B050"/>
+                    </a:solidFill>
+                  </a:tcPr>
+                </a:tc>
+                <a:tc>
+                  <a:txBody>
+                    <a:bodyPr/>
+                    <a:lstStyle/>
+                    <a:p>
+                      <a:pPr algn="ctr" fontAlgn="b"/>
+                      <a:r>
+                        <a:rPr lang="en-BG" sz="2800" b="0" i="0" u="none" strike="noStrike">
+                          <a:solidFill>
+                            <a:srgbClr val="000000"/>
+                          </a:solidFill>
+                          <a:effectLst/>
+                          <a:latin typeface="Calibri" panose="020F0502020204030204" pitchFamily="34" charset="0"/>
+                        </a:rPr>
+                        <a:t>0,5</a:t>
+                      </a:r>
+                    </a:p>
+                  </a:txBody>
+                  <a:tcPr marL="9525" marR="9525" marT="9525" marB="0" anchor="ctr">
+                    <a:lnL w="6350" cap="flat" cmpd="sng" algn="ctr">
+                      <a:solidFill>
+                        <a:srgbClr val="000000"/>
+                      </a:solidFill>
+                      <a:prstDash val="solid"/>
+                      <a:round/>
+                      <a:headEnd type="none" w="med" len="med"/>
+                      <a:tailEnd type="none" w="med" len="med"/>
+                    </a:lnL>
+                    <a:lnR w="6350" cap="flat" cmpd="sng" algn="ctr">
+                      <a:solidFill>
+                        <a:srgbClr val="000000"/>
+                      </a:solidFill>
+                      <a:prstDash val="solid"/>
+                      <a:round/>
+                      <a:headEnd type="none" w="med" len="med"/>
+                      <a:tailEnd type="none" w="med" len="med"/>
+                    </a:lnR>
+                    <a:lnT w="6350" cap="flat" cmpd="sng" algn="ctr">
+                      <a:solidFill>
+                        <a:srgbClr val="000000"/>
+                      </a:solidFill>
+                      <a:prstDash val="solid"/>
+                      <a:round/>
+                      <a:headEnd type="none" w="med" len="med"/>
+                      <a:tailEnd type="none" w="med" len="med"/>
+                    </a:lnT>
+                    <a:lnB w="6350" cap="flat" cmpd="sng" algn="ctr">
+                      <a:solidFill>
+                        <a:srgbClr val="000000"/>
+                      </a:solidFill>
+                      <a:prstDash val="solid"/>
+                      <a:round/>
+                      <a:headEnd type="none" w="med" len="med"/>
+                      <a:tailEnd type="none" w="med" len="med"/>
+                    </a:lnB>
+                  </a:tcPr>
+                </a:tc>
+                <a:tc>
+                  <a:txBody>
+                    <a:bodyPr/>
+                    <a:lstStyle/>
+                    <a:p>
+                      <a:pPr algn="ctr" fontAlgn="b"/>
+                      <a:r>
+                        <a:rPr lang="en-BG" sz="2800" b="0" i="0" u="none" strike="noStrike" dirty="0">
+                          <a:solidFill>
+                            <a:srgbClr val="000000"/>
+                          </a:solidFill>
+                          <a:effectLst/>
+                          <a:latin typeface="Calibri" panose="020F0502020204030204" pitchFamily="34" charset="0"/>
+                        </a:rPr>
+                        <a:t>66</a:t>
+                      </a:r>
+                    </a:p>
+                  </a:txBody>
+                  <a:tcPr marL="9525" marR="9525" marT="9525" marB="0" anchor="ctr">
+                    <a:lnL w="6350" cap="flat" cmpd="sng" algn="ctr">
+                      <a:solidFill>
+                        <a:srgbClr val="000000"/>
+                      </a:solidFill>
+                      <a:prstDash val="solid"/>
+                      <a:round/>
+                      <a:headEnd type="none" w="med" len="med"/>
+                      <a:tailEnd type="none" w="med" len="med"/>
+                    </a:lnL>
+                    <a:lnR w="6350" cap="flat" cmpd="sng" algn="ctr">
+                      <a:solidFill>
+                        <a:srgbClr val="000000"/>
+                      </a:solidFill>
+                      <a:prstDash val="solid"/>
+                      <a:round/>
+                      <a:headEnd type="none" w="med" len="med"/>
+                      <a:tailEnd type="none" w="med" len="med"/>
+                    </a:lnR>
+                    <a:lnT w="6350" cap="flat" cmpd="sng" algn="ctr">
+                      <a:solidFill>
+                        <a:srgbClr val="000000"/>
+                      </a:solidFill>
+                      <a:prstDash val="solid"/>
+                      <a:round/>
+                      <a:headEnd type="none" w="med" len="med"/>
+                      <a:tailEnd type="none" w="med" len="med"/>
+                    </a:lnT>
+                    <a:lnB w="6350" cap="flat" cmpd="sng" algn="ctr">
+                      <a:solidFill>
+                        <a:srgbClr val="000000"/>
+                      </a:solidFill>
+                      <a:prstDash val="solid"/>
+                      <a:round/>
+                      <a:headEnd type="none" w="med" len="med"/>
+                      <a:tailEnd type="none" w="med" len="med"/>
+                    </a:lnB>
+                  </a:tcPr>
+                </a:tc>
+                <a:tc>
+                  <a:txBody>
+                    <a:bodyPr/>
+                    <a:lstStyle/>
+                    <a:p>
+                      <a:pPr algn="ctr" fontAlgn="b"/>
+                      <a:r>
+                        <a:rPr lang="en-BG" sz="2800" b="0" i="0" u="none" strike="noStrike" dirty="0">
+                          <a:solidFill>
+                            <a:srgbClr val="000000"/>
+                          </a:solidFill>
+                          <a:effectLst/>
+                          <a:latin typeface="Calibri" panose="020F0502020204030204" pitchFamily="34" charset="0"/>
+                        </a:rPr>
+                        <a:t>20</a:t>
+                      </a:r>
+                    </a:p>
+                  </a:txBody>
+                  <a:tcPr marL="9525" marR="9525" marT="9525" marB="0" anchor="ctr">
+                    <a:lnL w="6350" cap="flat" cmpd="sng" algn="ctr">
+                      <a:solidFill>
+                        <a:srgbClr val="000000"/>
+                      </a:solidFill>
+                      <a:prstDash val="solid"/>
+                      <a:round/>
+                      <a:headEnd type="none" w="med" len="med"/>
+                      <a:tailEnd type="none" w="med" len="med"/>
+                    </a:lnL>
+                    <a:lnR w="6350" cap="flat" cmpd="sng" algn="ctr">
+                      <a:solidFill>
+                        <a:srgbClr val="000000"/>
+                      </a:solidFill>
+                      <a:prstDash val="solid"/>
+                      <a:round/>
+                      <a:headEnd type="none" w="med" len="med"/>
+                      <a:tailEnd type="none" w="med" len="med"/>
+                    </a:lnR>
+                    <a:lnT w="6350" cap="flat" cmpd="sng" algn="ctr">
+                      <a:solidFill>
+                        <a:srgbClr val="000000"/>
+                      </a:solidFill>
+                      <a:prstDash val="solid"/>
+                      <a:round/>
+                      <a:headEnd type="none" w="med" len="med"/>
+                      <a:tailEnd type="none" w="med" len="med"/>
+                    </a:lnT>
+                    <a:lnB w="6350" cap="flat" cmpd="sng" algn="ctr">
+                      <a:solidFill>
+                        <a:srgbClr val="000000"/>
+                      </a:solidFill>
+                      <a:prstDash val="solid"/>
+                      <a:round/>
+                      <a:headEnd type="none" w="med" len="med"/>
+                      <a:tailEnd type="none" w="med" len="med"/>
+                    </a:lnB>
+                  </a:tcPr>
+                </a:tc>
+                <a:extLst>
+                  <a:ext uri="{0D108BD9-81ED-4DB2-BD59-A6C34878D82A}">
+                    <a16:rowId xmlns:a16="http://schemas.microsoft.com/office/drawing/2014/main" val="4225893495"/>
+                  </a:ext>
+                </a:extLst>
+              </a:tr>
+            </a:tbl>
+          </a:graphicData>
+        </a:graphic>
+      </p:graphicFrame>
+    </p:spTree>
+    <p:extLst>
+      <p:ext uri="{BB962C8B-B14F-4D97-AF65-F5344CB8AC3E}">
+        <p14:creationId xmlns:p14="http://schemas.microsoft.com/office/powerpoint/2010/main" val="472364503"/>
+      </p:ext>
+    </p:extLst>
+  </p:cSld>
+  <p:clrMapOvr>
+    <a:masterClrMapping/>
+  </p:clrMapOvr>
+</p:sld>
+</file>
+
+<file path=ppt/slides/slide2.xml><?xml version="1.0" encoding="utf-8"?>
+<p:sld xmlns:a="http://schemas.openxmlformats.org/drawingml/2006/main" xmlns:r="http://schemas.openxmlformats.org/officeDocument/2006/relationships" xmlns:p="http://schemas.openxmlformats.org/presentationml/2006/main">
+  <p:cSld>
+    <p:spTree>
+      <p:nvGrpSpPr>
+        <p:cNvPr id="1" name=""/>
+        <p:cNvGrpSpPr/>
+        <p:nvPr/>
+      </p:nvGrpSpPr>
+      <p:grpSpPr>
+        <a:xfrm>
+          <a:off x="0" y="0"/>
+          <a:ext cx="0" cy="0"/>
+          <a:chOff x="0" y="0"/>
+          <a:chExt cx="0" cy="0"/>
+        </a:xfrm>
+      </p:grpSpPr>
+      <p:sp>
+        <p:nvSpPr>
+          <p:cNvPr id="5" name="Text Placeholder 4">
+            <a:extLst>
+              <a:ext uri="{FF2B5EF4-FFF2-40B4-BE49-F238E27FC236}">
+                <a16:creationId xmlns:a16="http://schemas.microsoft.com/office/drawing/2014/main" id="{6EF19D4C-B75A-965A-CA36-106ED15588C9}"/>
+              </a:ext>
+            </a:extLst>
+          </p:cNvPr>
+          <p:cNvSpPr>
+            <a:spLocks noGrp="1"/>
+          </p:cNvSpPr>
+          <p:nvPr>
+            <p:ph type="body" idx="1"/>
+          </p:nvPr>
+        </p:nvSpPr>
+        <p:spPr>
+          <a:xfrm>
+            <a:off x="541101" y="2554617"/>
+            <a:ext cx="11353721" cy="1892826"/>
+          </a:xfrm>
+        </p:spPr>
+        <p:txBody>
+          <a:bodyPr/>
+          <a:lstStyle/>
+          <a:p>
+            <a:pPr marL="0" indent="0">
+              <a:buNone/>
+            </a:pPr>
+            <a:r>
+              <a:rPr lang="en-US" dirty="0"/>
+              <a:t>Knowledge Discovery Game is licensed under a Creative Commons Attribution-</a:t>
+            </a:r>
+            <a:r>
+              <a:rPr lang="en-US" dirty="0" err="1"/>
+              <a:t>ShareAlike</a:t>
+            </a:r>
+            <a:r>
+              <a:rPr lang="en-US" dirty="0"/>
+              <a:t> 4.0 International License. </a:t>
+            </a:r>
+            <a:r>
+              <a:rPr lang="en-US" dirty="0" err="1"/>
+              <a:t>Customisation</a:t>
+            </a:r>
+            <a:r>
+              <a:rPr lang="en-US" dirty="0"/>
+              <a:t> is encouraged!</a:t>
+            </a:r>
+            <a:endParaRPr lang="en-BG" dirty="0"/>
+          </a:p>
+        </p:txBody>
+      </p:sp>
+    </p:spTree>
+    <p:extLst>
+      <p:ext uri="{BB962C8B-B14F-4D97-AF65-F5344CB8AC3E}">
+        <p14:creationId xmlns:p14="http://schemas.microsoft.com/office/powerpoint/2010/main" val="840526867"/>
+      </p:ext>
+    </p:extLst>
+  </p:cSld>
+  <p:clrMapOvr>
+    <a:masterClrMapping/>
+  </p:clrMapOvr>
+</p:sld>
+</file>
+
+<file path=ppt/slides/slide20.xml><?xml version="1.0" encoding="utf-8"?>
+<p:sld xmlns:a="http://schemas.openxmlformats.org/drawingml/2006/main" xmlns:r="http://schemas.openxmlformats.org/officeDocument/2006/relationships" xmlns:p="http://schemas.openxmlformats.org/presentationml/2006/main">
+  <p:cSld>
+    <p:spTree>
+      <p:nvGrpSpPr>
+        <p:cNvPr id="1" name=""/>
+        <p:cNvGrpSpPr/>
+        <p:nvPr/>
+      </p:nvGrpSpPr>
+      <p:grpSpPr>
+        <a:xfrm>
+          <a:off x="0" y="0"/>
+          <a:ext cx="0" cy="0"/>
+          <a:chOff x="0" y="0"/>
+          <a:chExt cx="0" cy="0"/>
+        </a:xfrm>
+      </p:grpSpPr>
+      <p:sp>
+        <p:nvSpPr>
+          <p:cNvPr id="2" name="Text Placeholder 1">
+            <a:extLst>
+              <a:ext uri="{FF2B5EF4-FFF2-40B4-BE49-F238E27FC236}">
+                <a16:creationId xmlns:a16="http://schemas.microsoft.com/office/drawing/2014/main" id="{B36D8F45-606A-CEAA-3D9F-2404151C0705}"/>
+              </a:ext>
+            </a:extLst>
+          </p:cNvPr>
+          <p:cNvSpPr>
+            <a:spLocks noGrp="1"/>
+          </p:cNvSpPr>
+          <p:nvPr>
+            <p:ph type="body" idx="1"/>
+          </p:nvPr>
+        </p:nvSpPr>
+        <p:spPr>
+          <a:xfrm>
+            <a:off x="419139" y="1356012"/>
+            <a:ext cx="11353721" cy="3416320"/>
+          </a:xfrm>
+        </p:spPr>
+        <p:txBody>
+          <a:bodyPr/>
+          <a:lstStyle/>
+          <a:p>
+            <a:r>
+              <a:rPr lang="en-GB" dirty="0"/>
+              <a:t>We can use Knowledge Discovery Efficiency (KEDE) to quantify the balance between individual capability and work complexity.</a:t>
+            </a:r>
+            <a:endParaRPr lang="en-BG" dirty="0"/>
+          </a:p>
+        </p:txBody>
+      </p:sp>
+      <p:pic>
+        <p:nvPicPr>
+          <p:cNvPr id="3" name="Picture 2">
+            <a:extLst>
+              <a:ext uri="{FF2B5EF4-FFF2-40B4-BE49-F238E27FC236}">
+                <a16:creationId xmlns:a16="http://schemas.microsoft.com/office/drawing/2014/main" id="{34F0633F-6367-6EBF-F955-320D7FB5976E}"/>
+              </a:ext>
+            </a:extLst>
+          </p:cNvPr>
+          <p:cNvPicPr>
+            <a:picLocks noChangeAspect="1"/>
+          </p:cNvPicPr>
+          <p:nvPr/>
+        </p:nvPicPr>
+        <p:blipFill rotWithShape="1">
+          <a:blip r:embed="rId3">
+            <a:extLst>
+              <a:ext uri="{28A0092B-C50C-407E-A947-70E740481C1C}">
+                <a14:useLocalDpi xmlns:a14="http://schemas.microsoft.com/office/drawing/2010/main" val="0"/>
+              </a:ext>
+            </a:extLst>
+          </a:blip>
+          <a:srcRect l="12000" t="6111" r="11400" b="12964"/>
+          <a:stretch/>
+        </p:blipFill>
+        <p:spPr>
+          <a:xfrm>
+            <a:off x="10934700" y="4916890"/>
+            <a:ext cx="1066800" cy="1217210"/>
+          </a:xfrm>
+          <a:prstGeom prst="rect">
+            <a:avLst/>
+          </a:prstGeom>
+        </p:spPr>
+      </p:pic>
+    </p:spTree>
+    <p:extLst>
+      <p:ext uri="{BB962C8B-B14F-4D97-AF65-F5344CB8AC3E}">
+        <p14:creationId xmlns:p14="http://schemas.microsoft.com/office/powerpoint/2010/main" val="918180638"/>
+      </p:ext>
+    </p:extLst>
+  </p:cSld>
+  <p:clrMapOvr>
+    <a:masterClrMapping/>
+  </p:clrMapOvr>
+</p:sld>
+</file>
+
+<file path=ppt/slides/slide21.xml><?xml version="1.0" encoding="utf-8"?>
+<p:sld xmlns:a="http://schemas.openxmlformats.org/drawingml/2006/main" xmlns:r="http://schemas.openxmlformats.org/officeDocument/2006/relationships" xmlns:p="http://schemas.openxmlformats.org/presentationml/2006/main">
+  <p:cSld>
+    <p:spTree>
+      <p:nvGrpSpPr>
+        <p:cNvPr id="1" name=""/>
+        <p:cNvGrpSpPr/>
+        <p:nvPr/>
+      </p:nvGrpSpPr>
+      <p:grpSpPr>
+        <a:xfrm>
+          <a:off x="0" y="0"/>
+          <a:ext cx="0" cy="0"/>
+          <a:chOff x="0" y="0"/>
+          <a:chExt cx="0" cy="0"/>
+        </a:xfrm>
+      </p:grpSpPr>
+      <p:sp>
+        <p:nvSpPr>
+          <p:cNvPr id="2" name="Text Placeholder 1">
+            <a:extLst>
+              <a:ext uri="{FF2B5EF4-FFF2-40B4-BE49-F238E27FC236}">
+                <a16:creationId xmlns:a16="http://schemas.microsoft.com/office/drawing/2014/main" id="{E5AB2AF0-ADED-B596-0902-1BC9CF26762F}"/>
+              </a:ext>
+            </a:extLst>
+          </p:cNvPr>
+          <p:cNvSpPr>
+            <a:spLocks noGrp="1"/>
+          </p:cNvSpPr>
+          <p:nvPr>
+            <p:ph type="body" idx="1"/>
+          </p:nvPr>
+        </p:nvSpPr>
+        <p:spPr>
+          <a:xfrm>
+            <a:off x="553458" y="1467223"/>
+            <a:ext cx="11353721" cy="2585323"/>
+          </a:xfrm>
+        </p:spPr>
+        <p:txBody>
+          <a:bodyPr/>
+          <a:lstStyle/>
+          <a:p>
+            <a:r>
+              <a:rPr lang="en-GB" dirty="0"/>
+              <a:t>The mismatch between capabilities and challenges is considered as an abuse of the person and the organization.</a:t>
+            </a:r>
+            <a:endParaRPr lang="en-BG" dirty="0"/>
+          </a:p>
+        </p:txBody>
+      </p:sp>
+    </p:spTree>
+    <p:extLst>
+      <p:ext uri="{BB962C8B-B14F-4D97-AF65-F5344CB8AC3E}">
+        <p14:creationId xmlns:p14="http://schemas.microsoft.com/office/powerpoint/2010/main" val="708923285"/>
+      </p:ext>
+    </p:extLst>
+  </p:cSld>
+  <p:clrMapOvr>
+    <a:masterClrMapping/>
+  </p:clrMapOvr>
+</p:sld>
+</file>
+
+<file path=ppt/slides/slide22.xml><?xml version="1.0" encoding="utf-8"?>
+<p:sld xmlns:a="http://schemas.openxmlformats.org/drawingml/2006/main" xmlns:r="http://schemas.openxmlformats.org/officeDocument/2006/relationships" xmlns:p="http://schemas.openxmlformats.org/presentationml/2006/main">
+  <p:cSld>
+    <p:spTree>
+      <p:nvGrpSpPr>
+        <p:cNvPr id="1" name=""/>
+        <p:cNvGrpSpPr/>
+        <p:nvPr/>
+      </p:nvGrpSpPr>
+      <p:grpSpPr>
+        <a:xfrm>
+          <a:off x="0" y="0"/>
+          <a:ext cx="0" cy="0"/>
+          <a:chOff x="0" y="0"/>
+          <a:chExt cx="0" cy="0"/>
+        </a:xfrm>
+      </p:grpSpPr>
+      <p:sp>
+        <p:nvSpPr>
+          <p:cNvPr id="2" name="Title 1">
+            <a:extLst>
+              <a:ext uri="{FF2B5EF4-FFF2-40B4-BE49-F238E27FC236}">
+                <a16:creationId xmlns:a16="http://schemas.microsoft.com/office/drawing/2014/main" id="{FD38344D-D129-BE4B-6836-A6B0ADB304D5}"/>
+              </a:ext>
+            </a:extLst>
+          </p:cNvPr>
+          <p:cNvSpPr>
+            <a:spLocks noGrp="1"/>
+          </p:cNvSpPr>
+          <p:nvPr>
+            <p:ph type="title"/>
+          </p:nvPr>
+        </p:nvSpPr>
+        <p:spPr/>
+        <p:txBody>
+          <a:bodyPr/>
+          <a:lstStyle/>
+          <a:p>
+            <a:r>
+              <a:rPr lang="en-GB" dirty="0"/>
+              <a:t>Types of abuse</a:t>
+            </a:r>
+            <a:endParaRPr lang="en-BG" dirty="0"/>
+          </a:p>
+        </p:txBody>
+      </p:sp>
+      <p:sp>
+        <p:nvSpPr>
+          <p:cNvPr id="3" name="Content Placeholder 2">
+            <a:extLst>
+              <a:ext uri="{FF2B5EF4-FFF2-40B4-BE49-F238E27FC236}">
+                <a16:creationId xmlns:a16="http://schemas.microsoft.com/office/drawing/2014/main" id="{E358A40F-7E1D-7FF0-B085-EEAE01B8EEFE}"/>
+              </a:ext>
+            </a:extLst>
+          </p:cNvPr>
+          <p:cNvSpPr>
+            <a:spLocks noGrp="1"/>
+          </p:cNvSpPr>
+          <p:nvPr>
+            <p:ph idx="1"/>
+          </p:nvPr>
+        </p:nvSpPr>
+        <p:spPr/>
+        <p:txBody>
+          <a:bodyPr/>
+          <a:lstStyle/>
+          <a:p>
+            <a:r>
+              <a:rPr lang="en-GB" b="1" dirty="0"/>
+              <a:t>Misuse</a:t>
+            </a:r>
+            <a:r>
+              <a:rPr lang="en-GB" dirty="0"/>
+              <a:t> - when the work to be done outstrips what a person feels able to do;</a:t>
+            </a:r>
+          </a:p>
+          <a:p>
+            <a:r>
+              <a:rPr lang="en-GB" b="1" dirty="0"/>
+              <a:t>Disuse</a:t>
+            </a:r>
+            <a:r>
+              <a:rPr lang="en-GB" dirty="0"/>
+              <a:t> - when what there is to do fails to challenge what a person feels capable of doing. As an example, micro-management leads to bored employees at the lower levels when their capabilities are underutilized.</a:t>
+            </a:r>
+            <a:endParaRPr lang="en-BG" dirty="0"/>
+          </a:p>
+        </p:txBody>
+      </p:sp>
+    </p:spTree>
+    <p:extLst>
+      <p:ext uri="{BB962C8B-B14F-4D97-AF65-F5344CB8AC3E}">
+        <p14:creationId xmlns:p14="http://schemas.microsoft.com/office/powerpoint/2010/main" val="2320298552"/>
+      </p:ext>
+    </p:extLst>
+  </p:cSld>
+  <p:clrMapOvr>
+    <a:masterClrMapping/>
+  </p:clrMapOvr>
+</p:sld>
+</file>
+
+<file path=ppt/slides/slide23.xml><?xml version="1.0" encoding="utf-8"?>
+<p:sld xmlns:a="http://schemas.openxmlformats.org/drawingml/2006/main" xmlns:r="http://schemas.openxmlformats.org/officeDocument/2006/relationships" xmlns:p="http://schemas.openxmlformats.org/presentationml/2006/main">
+  <p:cSld>
+    <p:spTree>
+      <p:nvGrpSpPr>
+        <p:cNvPr id="1" name=""/>
+        <p:cNvGrpSpPr/>
+        <p:nvPr/>
+      </p:nvGrpSpPr>
+      <p:grpSpPr>
+        <a:xfrm>
+          <a:off x="0" y="0"/>
+          <a:ext cx="0" cy="0"/>
+          <a:chOff x="0" y="0"/>
+          <a:chExt cx="0" cy="0"/>
+        </a:xfrm>
+      </p:grpSpPr>
+      <p:sp>
+        <p:nvSpPr>
+          <p:cNvPr id="3" name="Text Placeholder 2">
+            <a:extLst>
+              <a:ext uri="{FF2B5EF4-FFF2-40B4-BE49-F238E27FC236}">
+                <a16:creationId xmlns:a16="http://schemas.microsoft.com/office/drawing/2014/main" id="{9CB4BCFD-5666-4E6E-F447-E97C6E8DF587}"/>
+              </a:ext>
+            </a:extLst>
+          </p:cNvPr>
+          <p:cNvSpPr>
+            <a:spLocks noGrp="1"/>
+          </p:cNvSpPr>
+          <p:nvPr>
+            <p:ph type="body" idx="1"/>
+          </p:nvPr>
+        </p:nvSpPr>
+        <p:spPr>
+          <a:xfrm>
+            <a:off x="419139" y="1739072"/>
+            <a:ext cx="11353721" cy="2751522"/>
+          </a:xfrm>
+        </p:spPr>
+        <p:txBody>
+          <a:bodyPr/>
+          <a:lstStyle/>
+          <a:p>
+            <a:r>
+              <a:rPr lang="en-BG" dirty="0"/>
+              <a:t>That abuse means: </a:t>
+            </a:r>
+          </a:p>
+          <a:p>
+            <a:r>
+              <a:rPr lang="en-GB" dirty="0"/>
+              <a:t>Underutilized and wasted human potential.</a:t>
+            </a:r>
+          </a:p>
+        </p:txBody>
+      </p:sp>
+      <p:pic>
+        <p:nvPicPr>
+          <p:cNvPr id="4" name="Picture 3">
+            <a:extLst>
+              <a:ext uri="{FF2B5EF4-FFF2-40B4-BE49-F238E27FC236}">
+                <a16:creationId xmlns:a16="http://schemas.microsoft.com/office/drawing/2014/main" id="{7EEDF161-5D3B-5A00-1008-60F9FFEECED5}"/>
+              </a:ext>
+            </a:extLst>
+          </p:cNvPr>
+          <p:cNvPicPr>
+            <a:picLocks noChangeAspect="1"/>
+          </p:cNvPicPr>
+          <p:nvPr/>
+        </p:nvPicPr>
+        <p:blipFill rotWithShape="1">
+          <a:blip r:embed="rId2">
+            <a:extLst>
+              <a:ext uri="{28A0092B-C50C-407E-A947-70E740481C1C}">
+                <a14:useLocalDpi xmlns:a14="http://schemas.microsoft.com/office/drawing/2010/main" val="0"/>
+              </a:ext>
+            </a:extLst>
+          </a:blip>
+          <a:srcRect t="11090" b="35240"/>
+          <a:stretch/>
+        </p:blipFill>
+        <p:spPr>
+          <a:xfrm>
+            <a:off x="10337800" y="5186003"/>
+            <a:ext cx="1638300" cy="940161"/>
+          </a:xfrm>
+          <a:prstGeom prst="rect">
+            <a:avLst/>
+          </a:prstGeom>
+        </p:spPr>
+      </p:pic>
+    </p:spTree>
+    <p:extLst>
+      <p:ext uri="{BB962C8B-B14F-4D97-AF65-F5344CB8AC3E}">
+        <p14:creationId xmlns:p14="http://schemas.microsoft.com/office/powerpoint/2010/main" val="3797487633"/>
+      </p:ext>
+    </p:extLst>
+  </p:cSld>
+  <p:clrMapOvr>
+    <a:masterClrMapping/>
+  </p:clrMapOvr>
+</p:sld>
+</file>
+
+<file path=ppt/slides/slide24.xml><?xml version="1.0" encoding="utf-8"?>
+<p:sld xmlns:a="http://schemas.openxmlformats.org/drawingml/2006/main" xmlns:r="http://schemas.openxmlformats.org/officeDocument/2006/relationships" xmlns:p="http://schemas.openxmlformats.org/presentationml/2006/main">
+  <p:cSld>
+    <p:spTree>
+      <p:nvGrpSpPr>
+        <p:cNvPr id="1" name=""/>
+        <p:cNvGrpSpPr/>
+        <p:nvPr/>
+      </p:nvGrpSpPr>
+      <p:grpSpPr>
+        <a:xfrm>
+          <a:off x="0" y="0"/>
+          <a:ext cx="0" cy="0"/>
+          <a:chOff x="0" y="0"/>
+          <a:chExt cx="0" cy="0"/>
+        </a:xfrm>
+      </p:grpSpPr>
+      <p:sp>
+        <p:nvSpPr>
           <p:cNvPr id="2" name="Text Placeholder 1"/>
           <p:cNvSpPr>
             <a:spLocks noGrp="1"/>
@@ -10633,7 +14251,1160 @@
 </p:sld>
 </file>
 
-<file path=ppt/slides/slide2.xml><?xml version="1.0" encoding="utf-8"?>
+<file path=ppt/slides/slide25.xml><?xml version="1.0" encoding="utf-8"?>
+<p:sld xmlns:a="http://schemas.openxmlformats.org/drawingml/2006/main" xmlns:r="http://schemas.openxmlformats.org/officeDocument/2006/relationships" xmlns:p="http://schemas.openxmlformats.org/presentationml/2006/main">
+  <p:cSld>
+    <p:spTree>
+      <p:nvGrpSpPr>
+        <p:cNvPr id="1" name=""/>
+        <p:cNvGrpSpPr/>
+        <p:nvPr/>
+      </p:nvGrpSpPr>
+      <p:grpSpPr>
+        <a:xfrm>
+          <a:off x="0" y="0"/>
+          <a:ext cx="0" cy="0"/>
+          <a:chOff x="0" y="0"/>
+          <a:chExt cx="0" cy="0"/>
+        </a:xfrm>
+      </p:grpSpPr>
+      <p:sp>
+        <p:nvSpPr>
+          <p:cNvPr id="2" name="Text Placeholder 1"/>
+          <p:cNvSpPr>
+            <a:spLocks noGrp="1"/>
+          </p:cNvSpPr>
+          <p:nvPr>
+            <p:ph type="body" idx="1"/>
+          </p:nvPr>
+        </p:nvSpPr>
+        <p:spPr>
+          <a:xfrm>
+            <a:off x="325591" y="1601803"/>
+            <a:ext cx="11353721" cy="2492990"/>
+          </a:xfrm>
+        </p:spPr>
+        <p:txBody>
+          <a:bodyPr/>
+          <a:lstStyle/>
+          <a:p>
+            <a:pPr marL="0" indent="0">
+              <a:buNone/>
+            </a:pPr>
+            <a:r>
+              <a:rPr lang="en-US" dirty="0"/>
+              <a:t>“The goal is to make full use of the workers’ capabilities by building up a system that will allow the </a:t>
+            </a:r>
+            <a:r>
+              <a:rPr lang="en-US" b="1" dirty="0"/>
+              <a:t>workers to display their full capabilities by themselves</a:t>
+            </a:r>
+            <a:r>
+              <a:rPr lang="en-US" dirty="0"/>
+              <a:t>.” </a:t>
+            </a:r>
+          </a:p>
+        </p:txBody>
+      </p:sp>
+      <p:sp>
+        <p:nvSpPr>
+          <p:cNvPr id="3" name="TextBox 2"/>
+          <p:cNvSpPr txBox="1"/>
+          <p:nvPr/>
+        </p:nvSpPr>
+        <p:spPr>
+          <a:xfrm>
+            <a:off x="5308927" y="3697363"/>
+            <a:ext cx="5673091" cy="646331"/>
+          </a:xfrm>
+          <a:prstGeom prst="rect">
+            <a:avLst/>
+          </a:prstGeom>
+          <a:noFill/>
+        </p:spPr>
+        <p:txBody>
+          <a:bodyPr wrap="none" rtlCol="0">
+            <a:spAutoFit/>
+          </a:bodyPr>
+          <a:lstStyle/>
+          <a:p>
+            <a:r>
+              <a:rPr lang="en-GB" dirty="0"/>
+              <a:t>Y. SUGIMORI, K. KUSUNOKI, F. CHO &amp; S. UCHIKAWA (1977) </a:t>
+            </a:r>
+          </a:p>
+          <a:p>
+            <a:r>
+              <a:rPr lang="en-GB" dirty="0"/>
+              <a:t>Toyota production system and Kanban system</a:t>
+            </a:r>
+            <a:endParaRPr lang="bg-BG" dirty="0"/>
+          </a:p>
+        </p:txBody>
+      </p:sp>
+    </p:spTree>
+    <p:extLst>
+      <p:ext uri="{BB962C8B-B14F-4D97-AF65-F5344CB8AC3E}">
+        <p14:creationId xmlns:p14="http://schemas.microsoft.com/office/powerpoint/2010/main" val="594863707"/>
+      </p:ext>
+    </p:extLst>
+  </p:cSld>
+  <p:clrMapOvr>
+    <a:masterClrMapping/>
+  </p:clrMapOvr>
+</p:sld>
+</file>
+
+<file path=ppt/slides/slide26.xml><?xml version="1.0" encoding="utf-8"?>
+<p:sld xmlns:a="http://schemas.openxmlformats.org/drawingml/2006/main" xmlns:r="http://schemas.openxmlformats.org/officeDocument/2006/relationships" xmlns:p="http://schemas.openxmlformats.org/presentationml/2006/main">
+  <p:cSld>
+    <p:spTree>
+      <p:nvGrpSpPr>
+        <p:cNvPr id="1" name=""/>
+        <p:cNvGrpSpPr/>
+        <p:nvPr/>
+      </p:nvGrpSpPr>
+      <p:grpSpPr>
+        <a:xfrm>
+          <a:off x="0" y="0"/>
+          <a:ext cx="0" cy="0"/>
+          <a:chOff x="0" y="0"/>
+          <a:chExt cx="0" cy="0"/>
+        </a:xfrm>
+      </p:grpSpPr>
+      <p:pic>
+        <p:nvPicPr>
+          <p:cNvPr id="2" name="Picture 1">
+            <a:extLst>
+              <a:ext uri="{FF2B5EF4-FFF2-40B4-BE49-F238E27FC236}">
+                <a16:creationId xmlns:a16="http://schemas.microsoft.com/office/drawing/2014/main" id="{D217E41D-3120-F1B4-C6FB-F3CC68A62038}"/>
+              </a:ext>
+            </a:extLst>
+          </p:cNvPr>
+          <p:cNvPicPr>
+            <a:picLocks noChangeAspect="1"/>
+          </p:cNvPicPr>
+          <p:nvPr/>
+        </p:nvPicPr>
+        <p:blipFill>
+          <a:blip r:embed="rId3"/>
+          <a:stretch>
+            <a:fillRect/>
+          </a:stretch>
+        </p:blipFill>
+        <p:spPr>
+          <a:xfrm>
+            <a:off x="495299" y="1717589"/>
+            <a:ext cx="11472341" cy="2615342"/>
+          </a:xfrm>
+          <a:prstGeom prst="rect">
+            <a:avLst/>
+          </a:prstGeom>
+        </p:spPr>
+      </p:pic>
+    </p:spTree>
+    <p:extLst>
+      <p:ext uri="{BB962C8B-B14F-4D97-AF65-F5344CB8AC3E}">
+        <p14:creationId xmlns:p14="http://schemas.microsoft.com/office/powerpoint/2010/main" val="4077904339"/>
+      </p:ext>
+    </p:extLst>
+  </p:cSld>
+  <p:clrMapOvr>
+    <a:masterClrMapping/>
+  </p:clrMapOvr>
+</p:sld>
+</file>
+
+<file path=ppt/slides/slide27.xml><?xml version="1.0" encoding="utf-8"?>
+<p:sld xmlns:a="http://schemas.openxmlformats.org/drawingml/2006/main" xmlns:r="http://schemas.openxmlformats.org/officeDocument/2006/relationships" xmlns:p="http://schemas.openxmlformats.org/presentationml/2006/main">
+  <p:cSld>
+    <p:spTree>
+      <p:nvGrpSpPr>
+        <p:cNvPr id="1" name=""/>
+        <p:cNvGrpSpPr/>
+        <p:nvPr/>
+      </p:nvGrpSpPr>
+      <p:grpSpPr>
+        <a:xfrm>
+          <a:off x="0" y="0"/>
+          <a:ext cx="0" cy="0"/>
+          <a:chOff x="0" y="0"/>
+          <a:chExt cx="0" cy="0"/>
+        </a:xfrm>
+      </p:grpSpPr>
+      <p:sp>
+        <p:nvSpPr>
+          <p:cNvPr id="225" name="Title 1"/>
+          <p:cNvSpPr txBox="1">
+            <a:spLocks noGrp="1"/>
+          </p:cNvSpPr>
+          <p:nvPr>
+            <p:ph type="title"/>
+          </p:nvPr>
+        </p:nvSpPr>
+        <p:spPr>
+          <a:prstGeom prst="rect">
+            <a:avLst/>
+          </a:prstGeom>
+        </p:spPr>
+        <p:txBody>
+          <a:bodyPr>
+            <a:normAutofit fontScale="90000"/>
+          </a:bodyPr>
+          <a:lstStyle/>
+          <a:p>
+            <a:r>
+              <a:t>“Missing information” is studied by the Information Theory</a:t>
+            </a:r>
+          </a:p>
+        </p:txBody>
+      </p:sp>
+      <p:sp>
+        <p:nvSpPr>
+          <p:cNvPr id="226" name="Rectangle 6"/>
+          <p:cNvSpPr txBox="1"/>
+          <p:nvPr/>
+        </p:nvSpPr>
+        <p:spPr>
+          <a:xfrm>
+            <a:off x="1477979" y="5783477"/>
+            <a:ext cx="3068463" cy="370841"/>
+          </a:xfrm>
+          <a:prstGeom prst="rect">
+            <a:avLst/>
+          </a:prstGeom>
+          <a:ln w="12700">
+            <a:miter lim="400000"/>
+          </a:ln>
+          <a:extLst>
+            <a:ext uri="{C572A759-6A51-4108-AA02-DFA0A04FC94B}">
+              <ma14:wrappingTextBoxFlag xmlns:ma14="http://schemas.microsoft.com/office/mac/drawingml/2011/main" xmlns:a14="http://schemas.microsoft.com/office/drawing/2010/main" xmlns:m="http://schemas.openxmlformats.org/officeDocument/2006/math" xmlns="" val="1"/>
+            </a:ext>
+          </a:extLst>
+        </p:spPr>
+        <p:txBody>
+          <a:bodyPr wrap="none" lIns="45719" rIns="45719">
+            <a:spAutoFit/>
+          </a:bodyPr>
+          <a:lstStyle/>
+          <a:p>
+            <a:pPr>
+              <a:defRPr>
+                <a:solidFill>
+                  <a:srgbClr val="6CA9D5"/>
+                </a:solidFill>
+                <a:latin typeface="Tahoma"/>
+                <a:ea typeface="Tahoma"/>
+                <a:cs typeface="Tahoma"/>
+                <a:sym typeface="Tahoma"/>
+              </a:defRPr>
+            </a:pPr>
+            <a:r>
+              <a:rPr u="sng">
+                <a:solidFill>
+                  <a:srgbClr val="0563C1"/>
+                </a:solidFill>
+                <a:uFill>
+                  <a:solidFill>
+                    <a:srgbClr val="0563C1"/>
+                  </a:solidFill>
+                </a:uFill>
+                <a:hlinkClick r:id="rId3"/>
+              </a:rPr>
+              <a:t>Claude Shannon</a:t>
+            </a:r>
+            <a:r>
+              <a:rPr>
+                <a:solidFill>
+                  <a:srgbClr val="333333"/>
+                </a:solidFill>
+              </a:rPr>
+              <a:t> (1916-2001)</a:t>
+            </a:r>
+          </a:p>
+        </p:txBody>
+      </p:sp>
+      <p:pic>
+        <p:nvPicPr>
+          <p:cNvPr id="227" name="Picture 8" descr="Picture 8"/>
+          <p:cNvPicPr>
+            <a:picLocks noChangeAspect="1"/>
+          </p:cNvPicPr>
+          <p:nvPr/>
+        </p:nvPicPr>
+        <p:blipFill>
+          <a:blip r:embed="rId4"/>
+          <a:stretch>
+            <a:fillRect/>
+          </a:stretch>
+        </p:blipFill>
+        <p:spPr>
+          <a:xfrm>
+            <a:off x="841038" y="2277701"/>
+            <a:ext cx="4540251" cy="3320482"/>
+          </a:xfrm>
+          <a:prstGeom prst="rect">
+            <a:avLst/>
+          </a:prstGeom>
+          <a:ln w="12700">
+            <a:miter lim="400000"/>
+          </a:ln>
+        </p:spPr>
+      </p:pic>
+      <p:pic>
+        <p:nvPicPr>
+          <p:cNvPr id="228" name="Graphic 10" descr="Graphic 10"/>
+          <p:cNvPicPr>
+            <a:picLocks noChangeAspect="1"/>
+          </p:cNvPicPr>
+          <p:nvPr/>
+        </p:nvPicPr>
+        <p:blipFill>
+          <a:blip r:embed="rId5"/>
+          <a:stretch>
+            <a:fillRect/>
+          </a:stretch>
+        </p:blipFill>
+        <p:spPr>
+          <a:xfrm>
+            <a:off x="5715000" y="2705765"/>
+            <a:ext cx="5941641" cy="1485411"/>
+          </a:xfrm>
+          <a:prstGeom prst="rect">
+            <a:avLst/>
+          </a:prstGeom>
+          <a:ln w="12700">
+            <a:miter lim="400000"/>
+          </a:ln>
+        </p:spPr>
+      </p:pic>
+      <p:sp>
+        <p:nvSpPr>
+          <p:cNvPr id="229" name="Slide Number"/>
+          <p:cNvSpPr txBox="1">
+            <a:spLocks noGrp="1"/>
+          </p:cNvSpPr>
+          <p:nvPr>
+            <p:ph type="sldNum" sz="quarter" idx="2"/>
+          </p:nvPr>
+        </p:nvSpPr>
+        <p:spPr>
+          <a:xfrm>
+            <a:off x="11095176" y="6414760"/>
+            <a:ext cx="258624" cy="248305"/>
+          </a:xfrm>
+          <a:prstGeom prst="rect">
+            <a:avLst/>
+          </a:prstGeom>
+          <a:ln w="12700">
+            <a:miter lim="400000"/>
+          </a:ln>
+          <a:extLst>
+            <a:ext uri="{C572A759-6A51-4108-AA02-DFA0A04FC94B}">
+              <ma14:wrappingTextBoxFlag xmlns:ma14="http://schemas.microsoft.com/office/mac/drawingml/2011/main" xmlns:a14="http://schemas.microsoft.com/office/drawing/2010/main" xmlns:m="http://schemas.openxmlformats.org/officeDocument/2006/math" xmlns="" val="1"/>
+            </a:ext>
+          </a:extLst>
+        </p:spPr>
+        <p:txBody>
+          <a:bodyPr wrap="none" lIns="45719" rIns="45719" anchor="ctr">
+            <a:spAutoFit/>
+          </a:bodyPr>
+          <a:lstStyle>
+            <a:defPPr marL="0" marR="0" indent="0" algn="l" defTabSz="914400" rtl="0" fontAlgn="auto" latinLnBrk="1" hangingPunct="0">
+              <a:lnSpc>
+                <a:spcPct val="100000"/>
+              </a:lnSpc>
+              <a:spcBef>
+                <a:spcPts val="0"/>
+              </a:spcBef>
+              <a:spcAft>
+                <a:spcPts val="0"/>
+              </a:spcAft>
+              <a:buClrTx/>
+              <a:buSzTx/>
+              <a:buFontTx/>
+              <a:buNone/>
+              <a:tabLst/>
+              <a:defRPr kumimoji="0" sz="1800" b="0" i="0" u="none" strike="noStrike" cap="none" spc="0" normalizeH="0" baseline="0">
+                <a:ln>
+                  <a:noFill/>
+                </a:ln>
+                <a:solidFill>
+                  <a:srgbClr val="000000"/>
+                </a:solidFill>
+                <a:effectLst/>
+                <a:uFillTx/>
+              </a:defRPr>
+            </a:defPPr>
+            <a:lvl1pPr marL="0" marR="0" indent="0" algn="r" defTabSz="914400" rtl="0" fontAlgn="auto" latinLnBrk="0" hangingPunct="0">
+              <a:lnSpc>
+                <a:spcPct val="100000"/>
+              </a:lnSpc>
+              <a:spcBef>
+                <a:spcPts val="0"/>
+              </a:spcBef>
+              <a:spcAft>
+                <a:spcPts val="0"/>
+              </a:spcAft>
+              <a:buClrTx/>
+              <a:buSzTx/>
+              <a:buFontTx/>
+              <a:buNone/>
+              <a:tabLst/>
+              <a:defRPr kumimoji="0" sz="1200" b="0" i="0" u="none" strike="noStrike" cap="none" spc="0" normalizeH="0" baseline="0">
+                <a:ln>
+                  <a:noFill/>
+                </a:ln>
+                <a:solidFill>
+                  <a:srgbClr val="888888"/>
+                </a:solidFill>
+                <a:effectLst/>
+                <a:uFillTx/>
+                <a:latin typeface="+mn-lt"/>
+                <a:ea typeface="+mn-ea"/>
+                <a:cs typeface="+mn-cs"/>
+                <a:sym typeface="Calibri"/>
+              </a:defRPr>
+            </a:lvl1pPr>
+            <a:lvl2pPr marL="0" marR="0" indent="457200" algn="l" defTabSz="914400" rtl="0" fontAlgn="auto" latinLnBrk="0" hangingPunct="0">
+              <a:lnSpc>
+                <a:spcPct val="100000"/>
+              </a:lnSpc>
+              <a:spcBef>
+                <a:spcPts val="0"/>
+              </a:spcBef>
+              <a:spcAft>
+                <a:spcPts val="0"/>
+              </a:spcAft>
+              <a:buClrTx/>
+              <a:buSzTx/>
+              <a:buFontTx/>
+              <a:buNone/>
+              <a:tabLst/>
+              <a:defRPr kumimoji="0" sz="1800" b="0" i="0" u="none" strike="noStrike" cap="none" spc="0" normalizeH="0" baseline="0">
+                <a:ln>
+                  <a:noFill/>
+                </a:ln>
+                <a:solidFill>
+                  <a:srgbClr val="000000"/>
+                </a:solidFill>
+                <a:effectLst/>
+                <a:uFillTx/>
+                <a:latin typeface="+mn-lt"/>
+                <a:ea typeface="+mn-ea"/>
+                <a:cs typeface="+mn-cs"/>
+                <a:sym typeface="Calibri"/>
+              </a:defRPr>
+            </a:lvl2pPr>
+            <a:lvl3pPr marL="0" marR="0" indent="914400" algn="l" defTabSz="914400" rtl="0" fontAlgn="auto" latinLnBrk="0" hangingPunct="0">
+              <a:lnSpc>
+                <a:spcPct val="100000"/>
+              </a:lnSpc>
+              <a:spcBef>
+                <a:spcPts val="0"/>
+              </a:spcBef>
+              <a:spcAft>
+                <a:spcPts val="0"/>
+              </a:spcAft>
+              <a:buClrTx/>
+              <a:buSzTx/>
+              <a:buFontTx/>
+              <a:buNone/>
+              <a:tabLst/>
+              <a:defRPr kumimoji="0" sz="1800" b="0" i="0" u="none" strike="noStrike" cap="none" spc="0" normalizeH="0" baseline="0">
+                <a:ln>
+                  <a:noFill/>
+                </a:ln>
+                <a:solidFill>
+                  <a:srgbClr val="000000"/>
+                </a:solidFill>
+                <a:effectLst/>
+                <a:uFillTx/>
+                <a:latin typeface="+mn-lt"/>
+                <a:ea typeface="+mn-ea"/>
+                <a:cs typeface="+mn-cs"/>
+                <a:sym typeface="Calibri"/>
+              </a:defRPr>
+            </a:lvl3pPr>
+            <a:lvl4pPr marL="0" marR="0" indent="1371600" algn="l" defTabSz="914400" rtl="0" fontAlgn="auto" latinLnBrk="0" hangingPunct="0">
+              <a:lnSpc>
+                <a:spcPct val="100000"/>
+              </a:lnSpc>
+              <a:spcBef>
+                <a:spcPts val="0"/>
+              </a:spcBef>
+              <a:spcAft>
+                <a:spcPts val="0"/>
+              </a:spcAft>
+              <a:buClrTx/>
+              <a:buSzTx/>
+              <a:buFontTx/>
+              <a:buNone/>
+              <a:tabLst/>
+              <a:defRPr kumimoji="0" sz="1800" b="0" i="0" u="none" strike="noStrike" cap="none" spc="0" normalizeH="0" baseline="0">
+                <a:ln>
+                  <a:noFill/>
+                </a:ln>
+                <a:solidFill>
+                  <a:srgbClr val="000000"/>
+                </a:solidFill>
+                <a:effectLst/>
+                <a:uFillTx/>
+                <a:latin typeface="+mn-lt"/>
+                <a:ea typeface="+mn-ea"/>
+                <a:cs typeface="+mn-cs"/>
+                <a:sym typeface="Calibri"/>
+              </a:defRPr>
+            </a:lvl4pPr>
+            <a:lvl5pPr marL="0" marR="0" indent="1828800" algn="l" defTabSz="914400" rtl="0" fontAlgn="auto" latinLnBrk="0" hangingPunct="0">
+              <a:lnSpc>
+                <a:spcPct val="100000"/>
+              </a:lnSpc>
+              <a:spcBef>
+                <a:spcPts val="0"/>
+              </a:spcBef>
+              <a:spcAft>
+                <a:spcPts val="0"/>
+              </a:spcAft>
+              <a:buClrTx/>
+              <a:buSzTx/>
+              <a:buFontTx/>
+              <a:buNone/>
+              <a:tabLst/>
+              <a:defRPr kumimoji="0" sz="1800" b="0" i="0" u="none" strike="noStrike" cap="none" spc="0" normalizeH="0" baseline="0">
+                <a:ln>
+                  <a:noFill/>
+                </a:ln>
+                <a:solidFill>
+                  <a:srgbClr val="000000"/>
+                </a:solidFill>
+                <a:effectLst/>
+                <a:uFillTx/>
+                <a:latin typeface="+mn-lt"/>
+                <a:ea typeface="+mn-ea"/>
+                <a:cs typeface="+mn-cs"/>
+                <a:sym typeface="Calibri"/>
+              </a:defRPr>
+            </a:lvl5pPr>
+            <a:lvl6pPr marL="0" marR="0" indent="2286000" algn="l" defTabSz="914400" rtl="0" fontAlgn="auto" latinLnBrk="0" hangingPunct="0">
+              <a:lnSpc>
+                <a:spcPct val="100000"/>
+              </a:lnSpc>
+              <a:spcBef>
+                <a:spcPts val="0"/>
+              </a:spcBef>
+              <a:spcAft>
+                <a:spcPts val="0"/>
+              </a:spcAft>
+              <a:buClrTx/>
+              <a:buSzTx/>
+              <a:buFontTx/>
+              <a:buNone/>
+              <a:tabLst/>
+              <a:defRPr kumimoji="0" sz="1800" b="0" i="0" u="none" strike="noStrike" cap="none" spc="0" normalizeH="0" baseline="0">
+                <a:ln>
+                  <a:noFill/>
+                </a:ln>
+                <a:solidFill>
+                  <a:srgbClr val="000000"/>
+                </a:solidFill>
+                <a:effectLst/>
+                <a:uFillTx/>
+                <a:latin typeface="+mn-lt"/>
+                <a:ea typeface="+mn-ea"/>
+                <a:cs typeface="+mn-cs"/>
+                <a:sym typeface="Calibri"/>
+              </a:defRPr>
+            </a:lvl6pPr>
+            <a:lvl7pPr marL="0" marR="0" indent="2743200" algn="l" defTabSz="914400" rtl="0" fontAlgn="auto" latinLnBrk="0" hangingPunct="0">
+              <a:lnSpc>
+                <a:spcPct val="100000"/>
+              </a:lnSpc>
+              <a:spcBef>
+                <a:spcPts val="0"/>
+              </a:spcBef>
+              <a:spcAft>
+                <a:spcPts val="0"/>
+              </a:spcAft>
+              <a:buClrTx/>
+              <a:buSzTx/>
+              <a:buFontTx/>
+              <a:buNone/>
+              <a:tabLst/>
+              <a:defRPr kumimoji="0" sz="1800" b="0" i="0" u="none" strike="noStrike" cap="none" spc="0" normalizeH="0" baseline="0">
+                <a:ln>
+                  <a:noFill/>
+                </a:ln>
+                <a:solidFill>
+                  <a:srgbClr val="000000"/>
+                </a:solidFill>
+                <a:effectLst/>
+                <a:uFillTx/>
+                <a:latin typeface="+mn-lt"/>
+                <a:ea typeface="+mn-ea"/>
+                <a:cs typeface="+mn-cs"/>
+                <a:sym typeface="Calibri"/>
+              </a:defRPr>
+            </a:lvl7pPr>
+            <a:lvl8pPr marL="0" marR="0" indent="3200400" algn="l" defTabSz="914400" rtl="0" fontAlgn="auto" latinLnBrk="0" hangingPunct="0">
+              <a:lnSpc>
+                <a:spcPct val="100000"/>
+              </a:lnSpc>
+              <a:spcBef>
+                <a:spcPts val="0"/>
+              </a:spcBef>
+              <a:spcAft>
+                <a:spcPts val="0"/>
+              </a:spcAft>
+              <a:buClrTx/>
+              <a:buSzTx/>
+              <a:buFontTx/>
+              <a:buNone/>
+              <a:tabLst/>
+              <a:defRPr kumimoji="0" sz="1800" b="0" i="0" u="none" strike="noStrike" cap="none" spc="0" normalizeH="0" baseline="0">
+                <a:ln>
+                  <a:noFill/>
+                </a:ln>
+                <a:solidFill>
+                  <a:srgbClr val="000000"/>
+                </a:solidFill>
+                <a:effectLst/>
+                <a:uFillTx/>
+                <a:latin typeface="+mn-lt"/>
+                <a:ea typeface="+mn-ea"/>
+                <a:cs typeface="+mn-cs"/>
+                <a:sym typeface="Calibri"/>
+              </a:defRPr>
+            </a:lvl8pPr>
+            <a:lvl9pPr marL="0" marR="0" indent="3657600" algn="l" defTabSz="914400" rtl="0" fontAlgn="auto" latinLnBrk="0" hangingPunct="0">
+              <a:lnSpc>
+                <a:spcPct val="100000"/>
+              </a:lnSpc>
+              <a:spcBef>
+                <a:spcPts val="0"/>
+              </a:spcBef>
+              <a:spcAft>
+                <a:spcPts val="0"/>
+              </a:spcAft>
+              <a:buClrTx/>
+              <a:buSzTx/>
+              <a:buFontTx/>
+              <a:buNone/>
+              <a:tabLst/>
+              <a:defRPr kumimoji="0" sz="1800" b="0" i="0" u="none" strike="noStrike" cap="none" spc="0" normalizeH="0" baseline="0">
+                <a:ln>
+                  <a:noFill/>
+                </a:ln>
+                <a:solidFill>
+                  <a:srgbClr val="000000"/>
+                </a:solidFill>
+                <a:effectLst/>
+                <a:uFillTx/>
+                <a:latin typeface="+mn-lt"/>
+                <a:ea typeface="+mn-ea"/>
+                <a:cs typeface="+mn-cs"/>
+                <a:sym typeface="Calibri"/>
+              </a:defRPr>
+            </a:lvl9pPr>
+          </a:lstStyle>
+          <a:p>
+            <a:fld id="{86CB4B4D-7CA3-9044-876B-883B54F8677D}" type="slidenum">
+              <a:rPr lang="en-BG" smtClean="0"/>
+              <a:pPr/>
+              <a:t>27</a:t>
+            </a:fld>
+            <a:endParaRPr/>
+          </a:p>
+        </p:txBody>
+      </p:sp>
+    </p:spTree>
+    <p:extLst>
+      <p:ext uri="{BB962C8B-B14F-4D97-AF65-F5344CB8AC3E}">
+        <p14:creationId xmlns:p14="http://schemas.microsoft.com/office/powerpoint/2010/main" val="3107682322"/>
+      </p:ext>
+    </p:extLst>
+  </p:cSld>
+  <p:clrMapOvr>
+    <a:masterClrMapping/>
+  </p:clrMapOvr>
+</p:sld>
+</file>
+
+<file path=ppt/slides/slide28.xml><?xml version="1.0" encoding="utf-8"?>
+<p:sld xmlns:a="http://schemas.openxmlformats.org/drawingml/2006/main" xmlns:r="http://schemas.openxmlformats.org/officeDocument/2006/relationships" xmlns:p="http://schemas.openxmlformats.org/presentationml/2006/main">
+  <p:cSld>
+    <p:spTree>
+      <p:nvGrpSpPr>
+        <p:cNvPr id="1" name=""/>
+        <p:cNvGrpSpPr/>
+        <p:nvPr/>
+      </p:nvGrpSpPr>
+      <p:grpSpPr>
+        <a:xfrm>
+          <a:off x="0" y="0"/>
+          <a:ext cx="0" cy="0"/>
+          <a:chOff x="0" y="0"/>
+          <a:chExt cx="0" cy="0"/>
+        </a:xfrm>
+      </p:grpSpPr>
+      <p:sp>
+        <p:nvSpPr>
+          <p:cNvPr id="5" name="Text Placeholder 4">
+            <a:extLst>
+              <a:ext uri="{FF2B5EF4-FFF2-40B4-BE49-F238E27FC236}">
+                <a16:creationId xmlns:a16="http://schemas.microsoft.com/office/drawing/2014/main" id="{D4416DBC-CC74-7AFE-7BCB-456A38A324B7}"/>
+              </a:ext>
+            </a:extLst>
+          </p:cNvPr>
+          <p:cNvSpPr>
+            <a:spLocks noGrp="1"/>
+          </p:cNvSpPr>
+          <p:nvPr>
+            <p:ph type="body" idx="1"/>
+          </p:nvPr>
+        </p:nvSpPr>
+        <p:spPr>
+          <a:xfrm>
+            <a:off x="579517" y="960596"/>
+            <a:ext cx="11353721" cy="4579715"/>
+          </a:xfrm>
+        </p:spPr>
+        <p:txBody>
+          <a:bodyPr/>
+          <a:lstStyle/>
+          <a:p>
+            <a:r>
+              <a:rPr lang="en-GB" dirty="0"/>
+              <a:t>Missing information equals the average number of </a:t>
+            </a:r>
+          </a:p>
+          <a:p>
+            <a:r>
+              <a:rPr lang="en-GB" dirty="0"/>
+              <a:t>“Yes/No” binary questions </a:t>
+            </a:r>
+          </a:p>
+          <a:p>
+            <a:r>
+              <a:rPr lang="en-GB" dirty="0"/>
+              <a:t>we need to ask in order to gain the knowledge needed.</a:t>
+            </a:r>
+          </a:p>
+        </p:txBody>
+      </p:sp>
+      <p:sp>
+        <p:nvSpPr>
+          <p:cNvPr id="234" name="Slide Number"/>
+          <p:cNvSpPr txBox="1">
+            <a:spLocks noGrp="1"/>
+          </p:cNvSpPr>
+          <p:nvPr>
+            <p:ph type="sldNum" sz="quarter" idx="4294967295"/>
+          </p:nvPr>
+        </p:nvSpPr>
+        <p:spPr>
+          <a:xfrm>
+            <a:off x="11933238" y="6415088"/>
+            <a:ext cx="258762" cy="247650"/>
+          </a:xfrm>
+          <a:prstGeom prst="rect">
+            <a:avLst/>
+          </a:prstGeom>
+          <a:extLst>
+            <a:ext uri="{C572A759-6A51-4108-AA02-DFA0A04FC94B}">
+              <ma14:wrappingTextBoxFlag xmlns:ma14="http://schemas.microsoft.com/office/mac/drawingml/2011/main" xmlns:a14="http://schemas.microsoft.com/office/drawing/2010/main" xmlns:m="http://schemas.openxmlformats.org/officeDocument/2006/math" xmlns="" val="1"/>
+            </a:ext>
+          </a:extLst>
+        </p:spPr>
+        <p:txBody>
+          <a:bodyPr/>
+          <a:lstStyle/>
+          <a:p>
+            <a:fld id="{86CB4B4D-7CA3-9044-876B-883B54F8677D}" type="slidenum">
+              <a:t>28</a:t>
+            </a:fld>
+            <a:endParaRPr/>
+          </a:p>
+        </p:txBody>
+      </p:sp>
+    </p:spTree>
+    <p:extLst>
+      <p:ext uri="{BB962C8B-B14F-4D97-AF65-F5344CB8AC3E}">
+        <p14:creationId xmlns:p14="http://schemas.microsoft.com/office/powerpoint/2010/main" val="2325206525"/>
+      </p:ext>
+    </p:extLst>
+  </p:cSld>
+  <p:clrMapOvr>
+    <a:masterClrMapping/>
+  </p:clrMapOvr>
+</p:sld>
+</file>
+
+<file path=ppt/slides/slide29.xml><?xml version="1.0" encoding="utf-8"?>
+<p:sld xmlns:a="http://schemas.openxmlformats.org/drawingml/2006/main" xmlns:r="http://schemas.openxmlformats.org/officeDocument/2006/relationships" xmlns:p="http://schemas.openxmlformats.org/presentationml/2006/main">
+  <p:cSld>
+    <p:spTree>
+      <p:nvGrpSpPr>
+        <p:cNvPr id="1" name=""/>
+        <p:cNvGrpSpPr/>
+        <p:nvPr/>
+      </p:nvGrpSpPr>
+      <p:grpSpPr>
+        <a:xfrm>
+          <a:off x="0" y="0"/>
+          <a:ext cx="0" cy="0"/>
+          <a:chOff x="0" y="0"/>
+          <a:chExt cx="0" cy="0"/>
+        </a:xfrm>
+      </p:grpSpPr>
+      <p:sp>
+        <p:nvSpPr>
+          <p:cNvPr id="2" name="Title 1">
+            <a:extLst>
+              <a:ext uri="{FF2B5EF4-FFF2-40B4-BE49-F238E27FC236}">
+                <a16:creationId xmlns:a16="http://schemas.microsoft.com/office/drawing/2014/main" id="{9FCF3FE2-3E2A-8C4B-BEFF-1AB4AFF14417}"/>
+              </a:ext>
+            </a:extLst>
+          </p:cNvPr>
+          <p:cNvSpPr>
+            <a:spLocks noGrp="1"/>
+          </p:cNvSpPr>
+          <p:nvPr>
+            <p:ph type="title"/>
+          </p:nvPr>
+        </p:nvSpPr>
+        <p:spPr/>
+        <p:txBody>
+          <a:bodyPr/>
+          <a:lstStyle/>
+          <a:p>
+            <a:r>
+              <a:rPr lang="en-GB" dirty="0"/>
+              <a:t>Perplexity</a:t>
+            </a:r>
+            <a:endParaRPr lang="en-BG" dirty="0"/>
+          </a:p>
+        </p:txBody>
+      </p:sp>
+      <p:pic>
+        <p:nvPicPr>
+          <p:cNvPr id="3" name="Picture 2">
+            <a:extLst>
+              <a:ext uri="{FF2B5EF4-FFF2-40B4-BE49-F238E27FC236}">
+                <a16:creationId xmlns:a16="http://schemas.microsoft.com/office/drawing/2014/main" id="{FDA821C6-3A76-960F-5C0F-7B4FF25F24DF}"/>
+              </a:ext>
+            </a:extLst>
+          </p:cNvPr>
+          <p:cNvPicPr>
+            <a:picLocks noChangeAspect="1"/>
+          </p:cNvPicPr>
+          <p:nvPr/>
+        </p:nvPicPr>
+        <p:blipFill>
+          <a:blip r:embed="rId3"/>
+          <a:stretch>
+            <a:fillRect/>
+          </a:stretch>
+        </p:blipFill>
+        <p:spPr>
+          <a:xfrm>
+            <a:off x="1450376" y="1769123"/>
+            <a:ext cx="4274751" cy="1659877"/>
+          </a:xfrm>
+          <a:prstGeom prst="rect">
+            <a:avLst/>
+          </a:prstGeom>
+        </p:spPr>
+      </p:pic>
+      <p:pic>
+        <p:nvPicPr>
+          <p:cNvPr id="4" name="Picture 3">
+            <a:extLst>
+              <a:ext uri="{FF2B5EF4-FFF2-40B4-BE49-F238E27FC236}">
+                <a16:creationId xmlns:a16="http://schemas.microsoft.com/office/drawing/2014/main" id="{5CBF07C3-9EE6-61A0-0AC3-9D8634FC37C1}"/>
+              </a:ext>
+            </a:extLst>
+          </p:cNvPr>
+          <p:cNvPicPr>
+            <a:picLocks noChangeAspect="1"/>
+          </p:cNvPicPr>
+          <p:nvPr/>
+        </p:nvPicPr>
+        <p:blipFill>
+          <a:blip r:embed="rId4"/>
+          <a:stretch>
+            <a:fillRect/>
+          </a:stretch>
+        </p:blipFill>
+        <p:spPr>
+          <a:xfrm>
+            <a:off x="1561242" y="3429000"/>
+            <a:ext cx="3285868" cy="1861992"/>
+          </a:xfrm>
+          <a:prstGeom prst="rect">
+            <a:avLst/>
+          </a:prstGeom>
+        </p:spPr>
+      </p:pic>
+      <p:graphicFrame>
+        <p:nvGraphicFramePr>
+          <p:cNvPr id="5" name="Table 5">
+            <a:extLst>
+              <a:ext uri="{FF2B5EF4-FFF2-40B4-BE49-F238E27FC236}">
+                <a16:creationId xmlns:a16="http://schemas.microsoft.com/office/drawing/2014/main" id="{C23EA58B-8885-4F7D-C2CF-B7CB3ABDE528}"/>
+              </a:ext>
+            </a:extLst>
+          </p:cNvPr>
+          <p:cNvGraphicFramePr>
+            <a:graphicFrameLocks noGrp="1"/>
+          </p:cNvGraphicFramePr>
+          <p:nvPr/>
+        </p:nvGraphicFramePr>
+        <p:xfrm>
+          <a:off x="6096000" y="1769122"/>
+          <a:ext cx="4788930" cy="3521870"/>
+        </p:xfrm>
+        <a:graphic>
+          <a:graphicData uri="http://schemas.openxmlformats.org/drawingml/2006/table">
+            <a:tbl>
+              <a:tblPr firstRow="1" bandRow="1">
+                <a:tableStyleId>{5C22544A-7EE6-4342-B048-85BDC9FD1C3A}</a:tableStyleId>
+              </a:tblPr>
+              <a:tblGrid>
+                <a:gridCol w="2394465">
+                  <a:extLst>
+                    <a:ext uri="{9D8B030D-6E8A-4147-A177-3AD203B41FA5}">
+                      <a16:colId xmlns:a16="http://schemas.microsoft.com/office/drawing/2014/main" val="1454553433"/>
+                    </a:ext>
+                  </a:extLst>
+                </a:gridCol>
+                <a:gridCol w="2394465">
+                  <a:extLst>
+                    <a:ext uri="{9D8B030D-6E8A-4147-A177-3AD203B41FA5}">
+                      <a16:colId xmlns:a16="http://schemas.microsoft.com/office/drawing/2014/main" val="2940312239"/>
+                    </a:ext>
+                  </a:extLst>
+                </a:gridCol>
+              </a:tblGrid>
+              <a:tr h="704374">
+                <a:tc>
+                  <a:txBody>
+                    <a:bodyPr/>
+                    <a:lstStyle/>
+                    <a:p>
+                      <a:pPr algn="ctr"/>
+                      <a:r>
+                        <a:rPr lang="en-US" sz="3200" dirty="0"/>
+                        <a:t>Questions</a:t>
+                      </a:r>
+                      <a:endParaRPr lang="en-BG" sz="3200" dirty="0"/>
+                    </a:p>
+                  </a:txBody>
+                  <a:tcPr anchor="ctr"/>
+                </a:tc>
+                <a:tc>
+                  <a:txBody>
+                    <a:bodyPr/>
+                    <a:lstStyle/>
+                    <a:p>
+                      <a:pPr algn="ctr"/>
+                      <a:r>
+                        <a:rPr lang="en-BG" sz="3200" dirty="0"/>
+                        <a:t>Perplexity</a:t>
+                      </a:r>
+                    </a:p>
+                  </a:txBody>
+                  <a:tcPr anchor="ctr"/>
+                </a:tc>
+                <a:extLst>
+                  <a:ext uri="{0D108BD9-81ED-4DB2-BD59-A6C34878D82A}">
+                    <a16:rowId xmlns:a16="http://schemas.microsoft.com/office/drawing/2014/main" val="564160818"/>
+                  </a:ext>
+                </a:extLst>
+              </a:tr>
+              <a:tr h="704374">
+                <a:tc>
+                  <a:txBody>
+                    <a:bodyPr/>
+                    <a:lstStyle/>
+                    <a:p>
+                      <a:pPr algn="ctr"/>
+                      <a:r>
+                        <a:rPr lang="en-BG" sz="3200" dirty="0"/>
+                        <a:t>0</a:t>
+                      </a:r>
+                    </a:p>
+                  </a:txBody>
+                  <a:tcPr anchor="ctr"/>
+                </a:tc>
+                <a:tc>
+                  <a:txBody>
+                    <a:bodyPr/>
+                    <a:lstStyle/>
+                    <a:p>
+                      <a:pPr algn="ctr"/>
+                      <a:r>
+                        <a:rPr lang="en-BG" sz="3200" dirty="0"/>
+                        <a:t>1</a:t>
+                      </a:r>
+                    </a:p>
+                  </a:txBody>
+                  <a:tcPr anchor="ctr"/>
+                </a:tc>
+                <a:extLst>
+                  <a:ext uri="{0D108BD9-81ED-4DB2-BD59-A6C34878D82A}">
+                    <a16:rowId xmlns:a16="http://schemas.microsoft.com/office/drawing/2014/main" val="1458278603"/>
+                  </a:ext>
+                </a:extLst>
+              </a:tr>
+              <a:tr h="704374">
+                <a:tc>
+                  <a:txBody>
+                    <a:bodyPr/>
+                    <a:lstStyle/>
+                    <a:p>
+                      <a:pPr algn="ctr"/>
+                      <a:r>
+                        <a:rPr lang="en-BG" sz="3200" dirty="0"/>
+                        <a:t>4</a:t>
+                      </a:r>
+                    </a:p>
+                  </a:txBody>
+                  <a:tcPr anchor="ctr"/>
+                </a:tc>
+                <a:tc>
+                  <a:txBody>
+                    <a:bodyPr/>
+                    <a:lstStyle/>
+                    <a:p>
+                      <a:pPr algn="ctr"/>
+                      <a:r>
+                        <a:rPr lang="en-BG" sz="3200" dirty="0"/>
+                        <a:t>16</a:t>
+                      </a:r>
+                    </a:p>
+                  </a:txBody>
+                  <a:tcPr anchor="ctr"/>
+                </a:tc>
+                <a:extLst>
+                  <a:ext uri="{0D108BD9-81ED-4DB2-BD59-A6C34878D82A}">
+                    <a16:rowId xmlns:a16="http://schemas.microsoft.com/office/drawing/2014/main" val="1511548550"/>
+                  </a:ext>
+                </a:extLst>
+              </a:tr>
+              <a:tr h="704374">
+                <a:tc>
+                  <a:txBody>
+                    <a:bodyPr/>
+                    <a:lstStyle/>
+                    <a:p>
+                      <a:pPr algn="ctr"/>
+                      <a:r>
+                        <a:rPr lang="en-BG" sz="3200" dirty="0"/>
+                        <a:t>6</a:t>
+                      </a:r>
+                    </a:p>
+                  </a:txBody>
+                  <a:tcPr anchor="ctr"/>
+                </a:tc>
+                <a:tc>
+                  <a:txBody>
+                    <a:bodyPr/>
+                    <a:lstStyle/>
+                    <a:p>
+                      <a:pPr algn="ctr"/>
+                      <a:r>
+                        <a:rPr lang="en-BG" sz="3200" dirty="0"/>
+                        <a:t>64</a:t>
+                      </a:r>
+                    </a:p>
+                  </a:txBody>
+                  <a:tcPr anchor="ctr"/>
+                </a:tc>
+                <a:extLst>
+                  <a:ext uri="{0D108BD9-81ED-4DB2-BD59-A6C34878D82A}">
+                    <a16:rowId xmlns:a16="http://schemas.microsoft.com/office/drawing/2014/main" val="4163674149"/>
+                  </a:ext>
+                </a:extLst>
+              </a:tr>
+              <a:tr h="704374">
+                <a:tc>
+                  <a:txBody>
+                    <a:bodyPr/>
+                    <a:lstStyle/>
+                    <a:p>
+                      <a:pPr algn="ctr"/>
+                      <a:r>
+                        <a:rPr lang="en-BG" sz="3200" dirty="0"/>
+                        <a:t>99</a:t>
+                      </a:r>
+                    </a:p>
+                  </a:txBody>
+                  <a:tcPr anchor="ctr"/>
+                </a:tc>
+                <a:tc>
+                  <a:txBody>
+                    <a:bodyPr/>
+                    <a:lstStyle/>
+                    <a:p>
+                      <a:pPr algn="ctr"/>
+                      <a:r>
+                        <a:rPr lang="en-BG" sz="3200" dirty="0"/>
+                        <a:t>6x</a:t>
+                      </a:r>
+                      <a:r>
+                        <a:rPr lang="en-BG" sz="3200" b="0" i="0" kern="1200" dirty="0">
+                          <a:solidFill>
+                            <a:schemeClr val="dk1"/>
+                          </a:solidFill>
+                          <a:effectLst/>
+                          <a:latin typeface="+mn-lt"/>
+                          <a:ea typeface="+mn-ea"/>
+                          <a:cs typeface="+mn-cs"/>
+                        </a:rPr>
+                        <a:t>10</a:t>
+                      </a:r>
+                      <a:r>
+                        <a:rPr lang="en-BG" sz="3200" b="0" i="0" kern="1200" baseline="30000" dirty="0">
+                          <a:solidFill>
+                            <a:schemeClr val="dk1"/>
+                          </a:solidFill>
+                          <a:effectLst/>
+                          <a:latin typeface="+mn-lt"/>
+                          <a:ea typeface="+mn-ea"/>
+                          <a:cs typeface="+mn-cs"/>
+                        </a:rPr>
+                        <a:t>29</a:t>
+                      </a:r>
+                      <a:endParaRPr lang="en-BG" sz="3200" dirty="0"/>
+                    </a:p>
+                  </a:txBody>
+                  <a:tcPr anchor="ctr"/>
+                </a:tc>
+                <a:extLst>
+                  <a:ext uri="{0D108BD9-81ED-4DB2-BD59-A6C34878D82A}">
+                    <a16:rowId xmlns:a16="http://schemas.microsoft.com/office/drawing/2014/main" val="1037009968"/>
+                  </a:ext>
+                </a:extLst>
+              </a:tr>
+            </a:tbl>
+          </a:graphicData>
+        </a:graphic>
+      </p:graphicFrame>
+    </p:spTree>
+    <p:extLst>
+      <p:ext uri="{BB962C8B-B14F-4D97-AF65-F5344CB8AC3E}">
+        <p14:creationId xmlns:p14="http://schemas.microsoft.com/office/powerpoint/2010/main" val="2092050497"/>
+      </p:ext>
+    </p:extLst>
+  </p:cSld>
+  <p:clrMapOvr>
+    <a:masterClrMapping/>
+  </p:clrMapOvr>
+</p:sld>
+</file>
+
+<file path=ppt/slides/slide3.xml><?xml version="1.0" encoding="utf-8"?>
 <p:sld xmlns:a="http://schemas.openxmlformats.org/drawingml/2006/main" xmlns:r="http://schemas.openxmlformats.org/officeDocument/2006/relationships" xmlns:p="http://schemas.openxmlformats.org/presentationml/2006/main">
   <p:cSld>
     <p:spTree>
@@ -10807,7 +15578,7 @@
 </p:sld>
 </file>
 
-<file path=ppt/slides/slide20.xml><?xml version="1.0" encoding="utf-8"?>
+<file path=ppt/slides/slide30.xml><?xml version="1.0" encoding="utf-8"?>
 <p:sld xmlns:a="http://schemas.openxmlformats.org/drawingml/2006/main" xmlns:r="http://schemas.openxmlformats.org/officeDocument/2006/relationships" xmlns:p="http://schemas.openxmlformats.org/presentationml/2006/main">
   <p:cSld>
     <p:spTree>
@@ -10826,52 +15597,81 @@
       </p:grpSpPr>
       <p:sp>
         <p:nvSpPr>
-          <p:cNvPr id="2" name="Text Placeholder 1"/>
+          <p:cNvPr id="2" name="Title 1">
+            <a:extLst>
+              <a:ext uri="{FF2B5EF4-FFF2-40B4-BE49-F238E27FC236}">
+                <a16:creationId xmlns:a16="http://schemas.microsoft.com/office/drawing/2014/main" id="{B189963C-5DCD-DF2F-B987-1194720E92D0}"/>
+              </a:ext>
+            </a:extLst>
+          </p:cNvPr>
           <p:cNvSpPr>
             <a:spLocks noGrp="1"/>
           </p:cNvSpPr>
           <p:nvPr>
-            <p:ph type="body" idx="1"/>
+            <p:ph type="title"/>
           </p:nvPr>
         </p:nvSpPr>
+        <p:spPr/>
+        <p:txBody>
+          <a:bodyPr>
+            <a:normAutofit/>
+          </a:bodyPr>
+          <a:lstStyle/>
+          <a:p>
+            <a:r>
+              <a:rPr lang="en-US" dirty="0"/>
+              <a:t>Knowledge Discovery Efficiency (KEDE)</a:t>
+            </a:r>
+            <a:endParaRPr lang="en-BG" dirty="0"/>
+          </a:p>
+        </p:txBody>
+      </p:sp>
+      <p:pic>
+        <p:nvPicPr>
+          <p:cNvPr id="3" name="Picture 2">
+            <a:extLst>
+              <a:ext uri="{FF2B5EF4-FFF2-40B4-BE49-F238E27FC236}">
+                <a16:creationId xmlns:a16="http://schemas.microsoft.com/office/drawing/2014/main" id="{2981D882-3E18-41FD-B000-B429436DEA44}"/>
+              </a:ext>
+            </a:extLst>
+          </p:cNvPr>
+          <p:cNvPicPr>
+            <a:picLocks noChangeAspect="1"/>
+          </p:cNvPicPr>
+          <p:nvPr/>
+        </p:nvPicPr>
+        <p:blipFill>
+          <a:blip r:embed="rId3"/>
+          <a:stretch>
+            <a:fillRect/>
+          </a:stretch>
+        </p:blipFill>
         <p:spPr>
           <a:xfrm>
-            <a:off x="325591" y="1601803"/>
-            <a:ext cx="11353721" cy="2492990"/>
+            <a:off x="341871" y="2323070"/>
+            <a:ext cx="6764756" cy="2592660"/>
           </a:xfrm>
+          <a:prstGeom prst="rect">
+            <a:avLst/>
+          </a:prstGeom>
         </p:spPr>
-        <p:txBody>
-          <a:bodyPr/>
-          <a:lstStyle/>
-          <a:p>
-            <a:pPr marL="0" indent="0">
-              <a:buNone/>
-            </a:pPr>
-            <a:r>
-              <a:rPr lang="en-US" dirty="0"/>
-              <a:t>“The goal is to make full use of the workers’ capabilities by building up a system that will allow the </a:t>
-            </a:r>
-            <a:r>
-              <a:rPr lang="en-US" b="1" dirty="0"/>
-              <a:t>workers to display their full capabilities by themselves</a:t>
-            </a:r>
-            <a:r>
-              <a:rPr lang="en-US" dirty="0"/>
-              <a:t>.” </a:t>
-            </a:r>
-          </a:p>
-        </p:txBody>
-      </p:sp>
-      <p:sp>
-        <p:nvSpPr>
-          <p:cNvPr id="3" name="TextBox 2"/>
+      </p:pic>
+      <p:sp>
+        <p:nvSpPr>
+          <p:cNvPr id="5" name="TextBox 4">
+            <a:extLst>
+              <a:ext uri="{FF2B5EF4-FFF2-40B4-BE49-F238E27FC236}">
+                <a16:creationId xmlns:a16="http://schemas.microsoft.com/office/drawing/2014/main" id="{3214B2C6-17BE-886B-8BA0-0FB6EFA780AC}"/>
+              </a:ext>
+            </a:extLst>
+          </p:cNvPr>
           <p:cNvSpPr txBox="1"/>
           <p:nvPr/>
         </p:nvSpPr>
         <p:spPr>
           <a:xfrm>
-            <a:off x="5308927" y="3697363"/>
-            <a:ext cx="5673091" cy="646331"/>
+            <a:off x="6895070" y="2316892"/>
+            <a:ext cx="5189838" cy="2677656"/>
           </a:xfrm>
           <a:prstGeom prst="rect">
             <a:avLst/>
@@ -10879,29 +15679,48 @@
           <a:noFill/>
         </p:spPr>
         <p:txBody>
-          <a:bodyPr wrap="none" rtlCol="0">
+          <a:bodyPr wrap="square">
             <a:spAutoFit/>
           </a:bodyPr>
           <a:lstStyle/>
           <a:p>
             <a:r>
-              <a:rPr lang="en-GB" dirty="0"/>
-              <a:t>Y. SUGIMORI, K. KUSUNOKI, F. CHO &amp; S. UCHIKAWA (1977) </a:t>
-            </a:r>
-          </a:p>
-          <a:p>
-            <a:r>
-              <a:rPr lang="en-GB" dirty="0"/>
-              <a:t>Toyota production system and Kanban system</a:t>
-            </a:r>
-            <a:endParaRPr lang="bg-BG" dirty="0"/>
+              <a:rPr lang="en-GB" sz="2800" dirty="0"/>
+              <a:t>KEDE is a ratio between </a:t>
+            </a:r>
+          </a:p>
+          <a:p>
+            <a:r>
+              <a:rPr lang="en-GB" sz="2800" dirty="0"/>
+              <a:t>the knowledge discovered and </a:t>
+            </a:r>
+          </a:p>
+          <a:p>
+            <a:r>
+              <a:rPr lang="en-GB" sz="2800" dirty="0"/>
+              <a:t>the maximum amount of knowledge </a:t>
+            </a:r>
+            <a:endParaRPr lang="bg-BG" sz="2800" dirty="0"/>
+          </a:p>
+          <a:p>
+            <a:r>
+              <a:rPr lang="en-GB" sz="2800" dirty="0"/>
+              <a:t>that could possibly be discovered </a:t>
+            </a:r>
+          </a:p>
+          <a:p>
+            <a:r>
+              <a:rPr lang="en-GB" sz="2800" dirty="0"/>
+              <a:t>for a time period.</a:t>
+            </a:r>
+            <a:endParaRPr lang="en-BG" sz="2800" dirty="0"/>
           </a:p>
         </p:txBody>
       </p:sp>
     </p:spTree>
     <p:extLst>
       <p:ext uri="{BB962C8B-B14F-4D97-AF65-F5344CB8AC3E}">
-        <p14:creationId xmlns:p14="http://schemas.microsoft.com/office/powerpoint/2010/main" val="594863707"/>
+        <p14:creationId xmlns:p14="http://schemas.microsoft.com/office/powerpoint/2010/main" val="3157116841"/>
       </p:ext>
     </p:extLst>
   </p:cSld>
@@ -10911,7 +15730,7 @@
 </p:sld>
 </file>
 
-<file path=ppt/slides/slide21.xml><?xml version="1.0" encoding="utf-8"?>
+<file path=ppt/slides/slide31.xml><?xml version="1.0" encoding="utf-8"?>
 <p:sld xmlns:a="http://schemas.openxmlformats.org/drawingml/2006/main" xmlns:r="http://schemas.openxmlformats.org/officeDocument/2006/relationships" xmlns:p="http://schemas.openxmlformats.org/presentationml/2006/main">
   <p:cSld>
     <p:spTree>
@@ -10928,56 +15747,40 @@
           <a:chExt cx="0" cy="0"/>
         </a:xfrm>
       </p:grpSpPr>
-      <p:sp>
-        <p:nvSpPr>
-          <p:cNvPr id="2" name="Title 1"/>
-          <p:cNvSpPr>
-            <a:spLocks noGrp="1"/>
-          </p:cNvSpPr>
-          <p:nvPr>
-            <p:ph type="title"/>
-          </p:nvPr>
-        </p:nvSpPr>
-        <p:spPr/>
-        <p:txBody>
-          <a:bodyPr/>
-          <a:lstStyle/>
-          <a:p>
-            <a:r>
-              <a:rPr lang="en-US" dirty="0"/>
-              <a:t>List your conclusions</a:t>
-            </a:r>
-            <a:endParaRPr lang="bg-BG" dirty="0"/>
-          </a:p>
-        </p:txBody>
-      </p:sp>
-      <p:sp>
-        <p:nvSpPr>
-          <p:cNvPr id="3" name="Text Placeholder 2"/>
-          <p:cNvSpPr>
-            <a:spLocks noGrp="1"/>
-          </p:cNvSpPr>
-          <p:nvPr>
-            <p:ph type="body" idx="1"/>
-          </p:nvPr>
-        </p:nvSpPr>
-        <p:spPr/>
-        <p:txBody>
-          <a:bodyPr/>
-          <a:lstStyle/>
-          <a:p>
-            <a:r>
-              <a:rPr lang="en-US" dirty="0"/>
-              <a:t>Work</a:t>
-            </a:r>
-            <a:endParaRPr lang="bg-BG" dirty="0"/>
-          </a:p>
-        </p:txBody>
-      </p:sp>
+      <p:pic>
+        <p:nvPicPr>
+          <p:cNvPr id="3" name="Picture 2">
+            <a:extLst>
+              <a:ext uri="{FF2B5EF4-FFF2-40B4-BE49-F238E27FC236}">
+                <a16:creationId xmlns:a16="http://schemas.microsoft.com/office/drawing/2014/main" id="{A0B94DBD-8721-5766-B5FC-FB4CF990CC19}"/>
+              </a:ext>
+            </a:extLst>
+          </p:cNvPr>
+          <p:cNvPicPr>
+            <a:picLocks noChangeAspect="1"/>
+          </p:cNvPicPr>
+          <p:nvPr/>
+        </p:nvPicPr>
+        <p:blipFill>
+          <a:blip r:embed="rId3"/>
+          <a:stretch>
+            <a:fillRect/>
+          </a:stretch>
+        </p:blipFill>
+        <p:spPr>
+          <a:xfrm>
+            <a:off x="1393396" y="1705233"/>
+            <a:ext cx="9029282" cy="2934000"/>
+          </a:xfrm>
+          <a:prstGeom prst="rect">
+            <a:avLst/>
+          </a:prstGeom>
+        </p:spPr>
+      </p:pic>
     </p:spTree>
     <p:extLst>
       <p:ext uri="{BB962C8B-B14F-4D97-AF65-F5344CB8AC3E}">
-        <p14:creationId xmlns:p14="http://schemas.microsoft.com/office/powerpoint/2010/main" val="1620209147"/>
+        <p14:creationId xmlns:p14="http://schemas.microsoft.com/office/powerpoint/2010/main" val="4098961389"/>
       </p:ext>
     </p:extLst>
   </p:cSld>
@@ -10987,7 +15790,7 @@
 </p:sld>
 </file>
 
-<file path=ppt/slides/slide3.xml><?xml version="1.0" encoding="utf-8"?>
+<file path=ppt/slides/slide32.xml><?xml version="1.0" encoding="utf-8"?>
 <p:sld xmlns:a="http://schemas.openxmlformats.org/drawingml/2006/main" xmlns:r="http://schemas.openxmlformats.org/officeDocument/2006/relationships" xmlns:p="http://schemas.openxmlformats.org/presentationml/2006/main">
   <p:cSld>
     <p:spTree>
@@ -11021,7 +15824,7 @@
           <a:p>
             <a:r>
               <a:rPr lang="en-US" dirty="0"/>
-              <a:t>Agenda</a:t>
+              <a:t>List your conclusions</a:t>
             </a:r>
             <a:endParaRPr lang="bg-BG" dirty="0"/>
           </a:p>
@@ -11029,12 +15832,12 @@
       </p:sp>
       <p:sp>
         <p:nvSpPr>
-          <p:cNvPr id="3" name="Content Placeholder 2"/>
+          <p:cNvPr id="3" name="Text Placeholder 2"/>
           <p:cNvSpPr>
             <a:spLocks noGrp="1"/>
           </p:cNvSpPr>
           <p:nvPr>
-            <p:ph idx="1"/>
+            <p:ph type="body" idx="1"/>
           </p:nvPr>
         </p:nvSpPr>
         <p:spPr/>
@@ -11044,15 +15847,16 @@
           <a:p>
             <a:r>
               <a:rPr lang="en-US" dirty="0"/>
-              <a:t>Play the Knowledge Discovery Game</a:t>
-            </a:r>
+              <a:t>Work</a:t>
+            </a:r>
+            <a:endParaRPr lang="bg-BG" dirty="0"/>
           </a:p>
         </p:txBody>
       </p:sp>
     </p:spTree>
     <p:extLst>
       <p:ext uri="{BB962C8B-B14F-4D97-AF65-F5344CB8AC3E}">
-        <p14:creationId xmlns:p14="http://schemas.microsoft.com/office/powerpoint/2010/main" val="1927783801"/>
+        <p14:creationId xmlns:p14="http://schemas.microsoft.com/office/powerpoint/2010/main" val="1620209147"/>
       </p:ext>
     </p:extLst>
   </p:cSld>
@@ -11081,13 +15885,7 @@
       </p:grpSpPr>
       <p:sp>
         <p:nvSpPr>
-          <p:cNvPr id="5" name="Text Placeholder 4">
-            <a:extLst>
-              <a:ext uri="{FF2B5EF4-FFF2-40B4-BE49-F238E27FC236}">
-                <a16:creationId xmlns:a16="http://schemas.microsoft.com/office/drawing/2014/main" id="{6EF19D4C-B75A-965A-CA36-106ED15588C9}"/>
-              </a:ext>
-            </a:extLst>
-          </p:cNvPr>
+          <p:cNvPr id="3" name="Content Placeholder 2"/>
           <p:cNvSpPr>
             <a:spLocks noGrp="1"/>
           </p:cNvSpPr>
@@ -11097,8 +15895,8 @@
         </p:nvSpPr>
         <p:spPr>
           <a:xfrm>
-            <a:off x="541101" y="2554617"/>
-            <a:ext cx="11353721" cy="1892826"/>
+            <a:off x="498239" y="1497342"/>
+            <a:ext cx="11003199" cy="2308324"/>
           </a:xfrm>
         </p:spPr>
         <p:txBody>
@@ -11109,33 +15907,16 @@
               <a:buNone/>
             </a:pPr>
             <a:r>
-              <a:rPr lang="en-US" dirty="0"/>
-              <a:t>Knowledge Discovery Game is licensed under a Creative Commons Attribution-</a:t>
-            </a:r>
-            <a:r>
-              <a:rPr lang="en-US" dirty="0" err="1"/>
-              <a:t>ShareAlike</a:t>
-            </a:r>
-            <a:r>
-              <a:rPr lang="en-US" dirty="0"/>
-              <a:t> 4.0 International License. </a:t>
-            </a:r>
-            <a:r>
-              <a:rPr lang="en-US" dirty="0" err="1"/>
-              <a:t>Customisation</a:t>
-            </a:r>
-            <a:r>
-              <a:rPr lang="en-US" dirty="0"/>
-              <a:t> is encouraged!</a:t>
-            </a:r>
-            <a:endParaRPr lang="en-BG" dirty="0"/>
+              <a:rPr lang="en-US" sz="4800" b="1" dirty="0"/>
+              <a:t>The goal of the Knowledge Discovery Game is to let people understand a knowledge discovery process.</a:t>
+            </a:r>
           </a:p>
         </p:txBody>
       </p:sp>
     </p:spTree>
     <p:extLst>
       <p:ext uri="{BB962C8B-B14F-4D97-AF65-F5344CB8AC3E}">
-        <p14:creationId xmlns:p14="http://schemas.microsoft.com/office/powerpoint/2010/main" val="840526867"/>
+        <p14:creationId xmlns:p14="http://schemas.microsoft.com/office/powerpoint/2010/main" val="1057684133"/>
       </p:ext>
     </p:extLst>
   </p:cSld>
@@ -11164,66 +15945,6 @@
       </p:grpSpPr>
       <p:sp>
         <p:nvSpPr>
-          <p:cNvPr id="3" name="Content Placeholder 2"/>
-          <p:cNvSpPr>
-            <a:spLocks noGrp="1"/>
-          </p:cNvSpPr>
-          <p:nvPr>
-            <p:ph type="body" idx="1"/>
-          </p:nvPr>
-        </p:nvSpPr>
-        <p:spPr>
-          <a:xfrm>
-            <a:off x="498239" y="1497342"/>
-            <a:ext cx="11003199" cy="2308324"/>
-          </a:xfrm>
-        </p:spPr>
-        <p:txBody>
-          <a:bodyPr/>
-          <a:lstStyle/>
-          <a:p>
-            <a:pPr marL="0" indent="0">
-              <a:buNone/>
-            </a:pPr>
-            <a:r>
-              <a:rPr lang="en-US" sz="4800" b="1" dirty="0"/>
-              <a:t>The goal of the Knowledge Discovery Game is to let people understand a knowledge discovery process.</a:t>
-            </a:r>
-          </a:p>
-        </p:txBody>
-      </p:sp>
-    </p:spTree>
-    <p:extLst>
-      <p:ext uri="{BB962C8B-B14F-4D97-AF65-F5344CB8AC3E}">
-        <p14:creationId xmlns:p14="http://schemas.microsoft.com/office/powerpoint/2010/main" val="1057684133"/>
-      </p:ext>
-    </p:extLst>
-  </p:cSld>
-  <p:clrMapOvr>
-    <a:masterClrMapping/>
-  </p:clrMapOvr>
-</p:sld>
-</file>
-
-<file path=ppt/slides/slide6.xml><?xml version="1.0" encoding="utf-8"?>
-<p:sld xmlns:a="http://schemas.openxmlformats.org/drawingml/2006/main" xmlns:r="http://schemas.openxmlformats.org/officeDocument/2006/relationships" xmlns:p="http://schemas.openxmlformats.org/presentationml/2006/main">
-  <p:cSld>
-    <p:spTree>
-      <p:nvGrpSpPr>
-        <p:cNvPr id="1" name=""/>
-        <p:cNvGrpSpPr/>
-        <p:nvPr/>
-      </p:nvGrpSpPr>
-      <p:grpSpPr>
-        <a:xfrm>
-          <a:off x="0" y="0"/>
-          <a:ext cx="0" cy="0"/>
-          <a:chOff x="0" y="0"/>
-          <a:chExt cx="0" cy="0"/>
-        </a:xfrm>
-      </p:grpSpPr>
-      <p:sp>
-        <p:nvSpPr>
           <p:cNvPr id="2" name="Title 1">
             <a:extLst>
               <a:ext uri="{FF2B5EF4-FFF2-40B4-BE49-F238E27FC236}">
@@ -11305,7 +16026,7 @@
 </p:sld>
 </file>
 
-<file path=ppt/slides/slide7.xml><?xml version="1.0" encoding="utf-8"?>
+<file path=ppt/slides/slide6.xml><?xml version="1.0" encoding="utf-8"?>
 <p:sld xmlns:a="http://schemas.openxmlformats.org/drawingml/2006/main" xmlns:r="http://schemas.openxmlformats.org/officeDocument/2006/relationships" xmlns:p="http://schemas.openxmlformats.org/presentationml/2006/main">
   <p:cSld>
     <p:spTree>
@@ -11365,7 +16086,7 @@
 </p:sld>
 </file>
 
-<file path=ppt/slides/slide8.xml><?xml version="1.0" encoding="utf-8"?>
+<file path=ppt/slides/slide7.xml><?xml version="1.0" encoding="utf-8"?>
 <p:sld xmlns:a="http://schemas.openxmlformats.org/drawingml/2006/main" xmlns:r="http://schemas.openxmlformats.org/officeDocument/2006/relationships" xmlns:p="http://schemas.openxmlformats.org/presentationml/2006/main">
   <p:cSld>
     <p:spTree>
@@ -11485,6 +16206,34 @@
           </p:spPr>
         </p:pic>
       </p:grpSp>
+      <p:sp>
+        <p:nvSpPr>
+          <p:cNvPr id="4" name="Title 3">
+            <a:extLst>
+              <a:ext uri="{FF2B5EF4-FFF2-40B4-BE49-F238E27FC236}">
+                <a16:creationId xmlns:a16="http://schemas.microsoft.com/office/drawing/2014/main" id="{85CE7F5C-6CFE-AB8A-57ED-3F94BEA77150}"/>
+              </a:ext>
+            </a:extLst>
+          </p:cNvPr>
+          <p:cNvSpPr>
+            <a:spLocks noGrp="1"/>
+          </p:cNvSpPr>
+          <p:nvPr>
+            <p:ph type="title"/>
+          </p:nvPr>
+        </p:nvSpPr>
+        <p:spPr/>
+        <p:txBody>
+          <a:bodyPr/>
+          <a:lstStyle/>
+          <a:p>
+            <a:r>
+              <a:rPr lang="en-BG" dirty="0"/>
+              <a:t>If you are missing information…</a:t>
+            </a:r>
+          </a:p>
+        </p:txBody>
+      </p:sp>
     </p:spTree>
     <p:extLst>
       <p:ext uri="{BB962C8B-B14F-4D97-AF65-F5344CB8AC3E}">
@@ -11498,7 +16247,7 @@
 </p:sld>
 </file>
 
-<file path=ppt/slides/slide9.xml><?xml version="1.0" encoding="utf-8"?>
+<file path=ppt/slides/slide8.xml><?xml version="1.0" encoding="utf-8"?>
 <p:sld xmlns:a="http://schemas.openxmlformats.org/drawingml/2006/main" xmlns:r="http://schemas.openxmlformats.org/officeDocument/2006/relationships" xmlns:p="http://schemas.openxmlformats.org/presentationml/2006/main">
   <p:cSld>
     <p:spTree>
@@ -11570,22 +16319,46 @@
           <a:p>
             <a:pPr lvl="1"/>
             <a:r>
+              <a:rPr lang="en-US" b="1" dirty="0"/>
+              <a:t>Novice</a:t>
+            </a:r>
+            <a:r>
               <a:rPr lang="en-US" dirty="0"/>
-              <a:t>Novice, existing knowledge H=1</a:t>
+              <a:t>, existing knowledge H=</a:t>
+            </a:r>
+            <a:r>
+              <a:rPr lang="en-US" b="1" dirty="0"/>
+              <a:t>1</a:t>
             </a:r>
           </a:p>
           <a:p>
             <a:pPr lvl="1"/>
             <a:r>
+              <a:rPr lang="en-US" b="1" dirty="0"/>
+              <a:t>Competent</a:t>
+            </a:r>
+            <a:r>
               <a:rPr lang="en-US" dirty="0"/>
-              <a:t>Competent, existing knowledge H=4</a:t>
+              <a:t>, existing knowledge H=</a:t>
+            </a:r>
+            <a:r>
+              <a:rPr lang="en-US" b="1" dirty="0"/>
+              <a:t>4</a:t>
             </a:r>
           </a:p>
           <a:p>
             <a:pPr lvl="1"/>
             <a:r>
+              <a:rPr lang="en-US" b="1" dirty="0"/>
+              <a:t>Expert</a:t>
+            </a:r>
+            <a:r>
               <a:rPr lang="en-US" dirty="0"/>
-              <a:t>Expert, existing knowledge H=9</a:t>
+              <a:t>, existing knowledge H=</a:t>
+            </a:r>
+            <a:r>
+              <a:rPr lang="en-US" b="1" dirty="0"/>
+              <a:t>9</a:t>
             </a:r>
           </a:p>
         </p:txBody>
@@ -11655,12 +16428,150 @@
           </a:p>
         </p:txBody>
       </p:sp>
+    </p:spTree>
+    <p:extLst>
+      <p:ext uri="{BB962C8B-B14F-4D97-AF65-F5344CB8AC3E}">
+        <p14:creationId xmlns:p14="http://schemas.microsoft.com/office/powerpoint/2010/main" val="451548713"/>
+      </p:ext>
+    </p:extLst>
+  </p:cSld>
+  <p:clrMapOvr>
+    <a:masterClrMapping/>
+  </p:clrMapOvr>
+</p:sld>
+</file>
+
+<file path=ppt/slides/slide9.xml><?xml version="1.0" encoding="utf-8"?>
+<p:sld xmlns:a="http://schemas.openxmlformats.org/drawingml/2006/main" xmlns:r="http://schemas.openxmlformats.org/officeDocument/2006/relationships" xmlns:p="http://schemas.openxmlformats.org/presentationml/2006/main">
+  <p:cSld>
+    <p:spTree>
+      <p:nvGrpSpPr>
+        <p:cNvPr id="1" name=""/>
+        <p:cNvGrpSpPr/>
+        <p:nvPr/>
+      </p:nvGrpSpPr>
+      <p:grpSpPr>
+        <a:xfrm>
+          <a:off x="0" y="0"/>
+          <a:ext cx="0" cy="0"/>
+          <a:chOff x="0" y="0"/>
+          <a:chExt cx="0" cy="0"/>
+        </a:xfrm>
+      </p:grpSpPr>
+      <p:sp>
+        <p:nvSpPr>
+          <p:cNvPr id="2" name="Title 1"/>
+          <p:cNvSpPr>
+            <a:spLocks noGrp="1"/>
+          </p:cNvSpPr>
+          <p:nvPr>
+            <p:ph type="title"/>
+          </p:nvPr>
+        </p:nvSpPr>
+        <p:spPr/>
+        <p:txBody>
+          <a:bodyPr/>
+          <a:lstStyle/>
+          <a:p>
+            <a:r>
+              <a:rPr lang="en-US" dirty="0"/>
+              <a:t>Setup (for each period) </a:t>
+            </a:r>
+          </a:p>
+        </p:txBody>
+      </p:sp>
+      <p:sp>
+        <p:nvSpPr>
+          <p:cNvPr id="3" name="Content Placeholder 2"/>
+          <p:cNvSpPr>
+            <a:spLocks noGrp="1"/>
+          </p:cNvSpPr>
+          <p:nvPr>
+            <p:ph idx="1"/>
+          </p:nvPr>
+        </p:nvSpPr>
+        <p:spPr>
+          <a:xfrm>
+            <a:off x="609600" y="1467997"/>
+            <a:ext cx="10972800" cy="4525963"/>
+          </a:xfrm>
+        </p:spPr>
+        <p:txBody>
+          <a:bodyPr>
+            <a:normAutofit/>
+          </a:bodyPr>
+          <a:lstStyle/>
+          <a:p>
+            <a:pPr lvl="0"/>
+            <a:r>
+              <a:rPr lang="en-US" dirty="0"/>
+              <a:t>Get into teams of 3 people.</a:t>
+            </a:r>
+          </a:p>
+          <a:p>
+            <a:pPr lvl="0"/>
+            <a:r>
+              <a:rPr lang="en-GB" dirty="0"/>
+              <a:t>Each team member to pick a role.</a:t>
+            </a:r>
+          </a:p>
+          <a:p>
+            <a:pPr lvl="0"/>
+            <a:r>
+              <a:rPr lang="en-US"/>
+              <a:t>Arrange </a:t>
+            </a:r>
+            <a:r>
+              <a:rPr lang="en-US" dirty="0"/>
+              <a:t>a backlog of:</a:t>
+            </a:r>
+          </a:p>
+          <a:p>
+            <a:pPr lvl="1"/>
+            <a:r>
+              <a:rPr lang="en-US" dirty="0"/>
+              <a:t>10 clear features</a:t>
+            </a:r>
+          </a:p>
+          <a:p>
+            <a:pPr lvl="1"/>
+            <a:r>
+              <a:rPr lang="en-US" dirty="0"/>
+              <a:t>10 complicated features</a:t>
+            </a:r>
+            <a:endParaRPr lang="en-GB" dirty="0"/>
+          </a:p>
+          <a:p>
+            <a:pPr lvl="1"/>
+            <a:r>
+              <a:rPr lang="en-US" dirty="0"/>
+              <a:t>10 complex features</a:t>
+            </a:r>
+            <a:endParaRPr lang="en-GB" dirty="0"/>
+          </a:p>
+          <a:p>
+            <a:pPr lvl="0"/>
+            <a:r>
+              <a:rPr lang="en-US" dirty="0"/>
+              <a:t>Leave the cards in their section of “Backlog” column.</a:t>
+            </a:r>
+          </a:p>
+          <a:p>
+            <a:pPr lvl="0"/>
+            <a:r>
+              <a:rPr lang="en-US" dirty="0"/>
+              <a:t>Assign who will be working on what type of feature.</a:t>
+            </a:r>
+            <a:endParaRPr lang="en-GB" dirty="0"/>
+          </a:p>
+        </p:txBody>
+      </p:sp>
       <p:sp>
         <p:nvSpPr>
           <p:cNvPr id="4" name="Rounded Rectangle 3">
             <a:extLst>
               <a:ext uri="{FF2B5EF4-FFF2-40B4-BE49-F238E27FC236}">
-                <a16:creationId xmlns:a16="http://schemas.microsoft.com/office/drawing/2014/main" id="{9E9B382F-CFFD-C0D3-012F-875216D89D30}"/>
+                <a16:creationId xmlns:a16="http://schemas.microsoft.com/office/drawing/2014/main" id="{DE402D1E-EA49-0E94-DEE4-328BA7B99375}"/>
               </a:ext>
             </a:extLst>
           </p:cNvPr>
@@ -11669,7 +16580,7 @@
         </p:nvSpPr>
         <p:spPr>
           <a:xfrm>
-            <a:off x="7130007" y="2296128"/>
+            <a:off x="4109012" y="3337851"/>
             <a:ext cx="1215342" cy="298048"/>
           </a:xfrm>
           <a:prstGeom prst="roundRect">
@@ -11712,7 +16623,7 @@
           <p:cNvPr id="5" name="Rounded Rectangle 4">
             <a:extLst>
               <a:ext uri="{FF2B5EF4-FFF2-40B4-BE49-F238E27FC236}">
-                <a16:creationId xmlns:a16="http://schemas.microsoft.com/office/drawing/2014/main" id="{2F59D2A9-819B-1597-F523-A8B3DE54CB0C}"/>
+                <a16:creationId xmlns:a16="http://schemas.microsoft.com/office/drawing/2014/main" id="{6054A0B5-0146-8BC1-6296-9D4DFC47CB44}"/>
               </a:ext>
             </a:extLst>
           </p:cNvPr>
@@ -11721,7 +16632,7 @@
         </p:nvSpPr>
         <p:spPr>
           <a:xfrm>
-            <a:off x="7166657" y="2818917"/>
+            <a:off x="5071639" y="3814340"/>
             <a:ext cx="1215342" cy="298048"/>
           </a:xfrm>
           <a:prstGeom prst="roundRect">
@@ -11764,7 +16675,7 @@
           <p:cNvPr id="6" name="Rounded Rectangle 5">
             <a:extLst>
               <a:ext uri="{FF2B5EF4-FFF2-40B4-BE49-F238E27FC236}">
-                <a16:creationId xmlns:a16="http://schemas.microsoft.com/office/drawing/2014/main" id="{03CCA49F-1611-300D-ECE5-EE28375751A0}"/>
+                <a16:creationId xmlns:a16="http://schemas.microsoft.com/office/drawing/2014/main" id="{550892F0-7FD5-7E4C-CDF9-A48E0B3FCA02}"/>
               </a:ext>
             </a:extLst>
           </p:cNvPr>
@@ -11773,7 +16684,7 @@
         </p:nvSpPr>
         <p:spPr>
           <a:xfrm>
-            <a:off x="7133863" y="3330134"/>
+            <a:off x="4483260" y="4313982"/>
             <a:ext cx="1215342" cy="298048"/>
           </a:xfrm>
           <a:prstGeom prst="roundRect">
@@ -11814,7 +16725,7 @@
     </p:spTree>
     <p:extLst>
       <p:ext uri="{BB962C8B-B14F-4D97-AF65-F5344CB8AC3E}">
-        <p14:creationId xmlns:p14="http://schemas.microsoft.com/office/powerpoint/2010/main" val="451548713"/>
+        <p14:creationId xmlns:p14="http://schemas.microsoft.com/office/powerpoint/2010/main" val="727183970"/>
       </p:ext>
     </p:extLst>
   </p:cSld>

--- a/Knowledge Discovery Game.pptx
+++ b/Knowledge Discovery Game.pptx
@@ -276,7 +276,7 @@
           <a:p>
             <a:fld id="{F7631030-5E3A-9A4F-9303-8C792B0FA705}" type="datetimeFigureOut">
               <a:rPr lang="en-US" smtClean="0"/>
-              <a:t>12/9/22</a:t>
+              <a:t>8/7/23</a:t>
             </a:fld>
             <a:endParaRPr lang="en-US"/>
           </a:p>
@@ -2169,7 +2169,7 @@
           <a:p>
             <a:fld id="{C4DFAC79-E610-E644-9EFE-91971AFD3B94}" type="datetimeFigureOut">
               <a:rPr lang="en-US" smtClean="0"/>
-              <a:t>12/9/22</a:t>
+              <a:t>8/7/23</a:t>
             </a:fld>
             <a:endParaRPr lang="en-US"/>
           </a:p>
@@ -2332,7 +2332,7 @@
           <a:p>
             <a:fld id="{C4DFAC79-E610-E644-9EFE-91971AFD3B94}" type="datetimeFigureOut">
               <a:rPr lang="en-US" smtClean="0"/>
-              <a:t>12/9/22</a:t>
+              <a:t>8/7/23</a:t>
             </a:fld>
             <a:endParaRPr lang="en-US"/>
           </a:p>
@@ -2505,7 +2505,7 @@
           <a:p>
             <a:fld id="{C4DFAC79-E610-E644-9EFE-91971AFD3B94}" type="datetimeFigureOut">
               <a:rPr lang="en-US" smtClean="0"/>
-              <a:t>12/9/22</a:t>
+              <a:t>8/7/23</a:t>
             </a:fld>
             <a:endParaRPr lang="en-US"/>
           </a:p>
@@ -3204,14 +3204,14 @@
           <a:effectLst/>
           <a:extLst>
             <a:ext uri="{909E8E84-426E-40dd-AFC4-6F175D3DCCD1}">
-              <a14:hiddenFill xmlns:a14="http://schemas.microsoft.com/office/drawing/2010/main" xmlns="">
+              <a14:hiddenFill xmlns="" xmlns:a14="http://schemas.microsoft.com/office/drawing/2010/main">
                 <a:solidFill>
                   <a:schemeClr val="accent1"/>
                 </a:solidFill>
               </a14:hiddenFill>
             </a:ext>
             <a:ext uri="{91240B29-F687-4f45-9708-019B960494DF}">
-              <a14:hiddenLine xmlns:a14="http://schemas.microsoft.com/office/drawing/2010/main" xmlns="" w="9525">
+              <a14:hiddenLine xmlns="" xmlns:a14="http://schemas.microsoft.com/office/drawing/2010/main" w="9525">
                 <a:solidFill>
                   <a:schemeClr val="tx1"/>
                 </a:solidFill>
@@ -3221,7 +3221,7 @@
               </a14:hiddenLine>
             </a:ext>
             <a:ext uri="{AF507438-7753-43e0-B8FC-AC1667EBCBE1}">
-              <a14:hiddenEffects xmlns:a14="http://schemas.microsoft.com/office/drawing/2010/main" xmlns="">
+              <a14:hiddenEffects xmlns="" xmlns:a14="http://schemas.microsoft.com/office/drawing/2010/main">
                 <a:effectLst>
                   <a:outerShdw dist="35921" dir="2700000" algn="ctr" rotWithShape="0">
                     <a:schemeClr val="bg2"/>
@@ -3603,7 +3603,7 @@
           <a:p>
             <a:fld id="{C4DFAC79-E610-E644-9EFE-91971AFD3B94}" type="datetimeFigureOut">
               <a:rPr lang="en-US" smtClean="0"/>
-              <a:t>12/9/22</a:t>
+              <a:t>8/7/23</a:t>
             </a:fld>
             <a:endParaRPr lang="en-US"/>
           </a:p>
@@ -3843,7 +3843,7 @@
           <a:p>
             <a:fld id="{C4DFAC79-E610-E644-9EFE-91971AFD3B94}" type="datetimeFigureOut">
               <a:rPr lang="en-US" smtClean="0"/>
-              <a:t>12/9/22</a:t>
+              <a:t>8/7/23</a:t>
             </a:fld>
             <a:endParaRPr lang="en-US"/>
           </a:p>
@@ -4123,7 +4123,7 @@
           <a:p>
             <a:fld id="{C4DFAC79-E610-E644-9EFE-91971AFD3B94}" type="datetimeFigureOut">
               <a:rPr lang="en-US" smtClean="0"/>
-              <a:t>12/9/22</a:t>
+              <a:t>8/7/23</a:t>
             </a:fld>
             <a:endParaRPr lang="en-US"/>
           </a:p>
@@ -4514,7 +4514,7 @@
           <a:p>
             <a:fld id="{C4DFAC79-E610-E644-9EFE-91971AFD3B94}" type="datetimeFigureOut">
               <a:rPr lang="en-US" smtClean="0"/>
-              <a:t>12/9/22</a:t>
+              <a:t>8/7/23</a:t>
             </a:fld>
             <a:endParaRPr lang="en-US"/>
           </a:p>
@@ -4626,7 +4626,7 @@
           <a:p>
             <a:fld id="{C4DFAC79-E610-E644-9EFE-91971AFD3B94}" type="datetimeFigureOut">
               <a:rPr lang="en-US" smtClean="0"/>
-              <a:t>12/9/22</a:t>
+              <a:t>8/7/23</a:t>
             </a:fld>
             <a:endParaRPr lang="en-US"/>
           </a:p>
@@ -4716,7 +4716,7 @@
           <a:p>
             <a:fld id="{C4DFAC79-E610-E644-9EFE-91971AFD3B94}" type="datetimeFigureOut">
               <a:rPr lang="en-US" smtClean="0"/>
-              <a:t>12/9/22</a:t>
+              <a:t>8/7/23</a:t>
             </a:fld>
             <a:endParaRPr lang="en-US"/>
           </a:p>
@@ -4986,7 +4986,7 @@
           <a:p>
             <a:fld id="{C4DFAC79-E610-E644-9EFE-91971AFD3B94}" type="datetimeFigureOut">
               <a:rPr lang="en-US" smtClean="0"/>
-              <a:t>12/9/22</a:t>
+              <a:t>8/7/23</a:t>
             </a:fld>
             <a:endParaRPr lang="en-US"/>
           </a:p>
@@ -5233,7 +5233,7 @@
           <a:p>
             <a:fld id="{C4DFAC79-E610-E644-9EFE-91971AFD3B94}" type="datetimeFigureOut">
               <a:rPr lang="en-US" smtClean="0"/>
-              <a:t>12/9/22</a:t>
+              <a:t>8/7/23</a:t>
             </a:fld>
             <a:endParaRPr lang="en-US"/>
           </a:p>
@@ -5439,7 +5439,7 @@
           <a:p>
             <a:fld id="{C4DFAC79-E610-E644-9EFE-91971AFD3B94}" type="datetimeFigureOut">
               <a:rPr lang="en-US" smtClean="0"/>
-              <a:t>12/9/22</a:t>
+              <a:t>8/7/23</a:t>
             </a:fld>
             <a:endParaRPr lang="en-US"/>
           </a:p>
@@ -14478,7 +14478,7 @@
           </a:ln>
           <a:extLst>
             <a:ext uri="{C572A759-6A51-4108-AA02-DFA0A04FC94B}">
-              <ma14:wrappingTextBoxFlag xmlns:ma14="http://schemas.microsoft.com/office/mac/drawingml/2011/main" xmlns:a14="http://schemas.microsoft.com/office/drawing/2010/main" xmlns:m="http://schemas.openxmlformats.org/officeDocument/2006/math" xmlns="" val="1"/>
+              <ma14:wrappingTextBoxFlag xmlns="" xmlns:m="http://schemas.openxmlformats.org/officeDocument/2006/math" xmlns:a14="http://schemas.microsoft.com/office/drawing/2010/main" xmlns:ma14="http://schemas.microsoft.com/office/mac/drawingml/2011/main" val="1"/>
             </a:ext>
           </a:extLst>
         </p:spPr>
@@ -14601,7 +14601,7 @@
           </a:ln>
           <a:extLst>
             <a:ext uri="{C572A759-6A51-4108-AA02-DFA0A04FC94B}">
-              <ma14:wrappingTextBoxFlag xmlns:ma14="http://schemas.microsoft.com/office/mac/drawingml/2011/main" xmlns:a14="http://schemas.microsoft.com/office/drawing/2010/main" xmlns:m="http://schemas.openxmlformats.org/officeDocument/2006/math" xmlns="" val="1"/>
+              <ma14:wrappingTextBoxFlag xmlns="" xmlns:m="http://schemas.openxmlformats.org/officeDocument/2006/math" xmlns:a14="http://schemas.microsoft.com/office/drawing/2010/main" xmlns:ma14="http://schemas.microsoft.com/office/mac/drawingml/2011/main" val="1"/>
             </a:ext>
           </a:extLst>
         </p:spPr>
@@ -15012,7 +15012,7 @@
           </a:prstGeom>
           <a:extLst>
             <a:ext uri="{C572A759-6A51-4108-AA02-DFA0A04FC94B}">
-              <ma14:wrappingTextBoxFlag xmlns:ma14="http://schemas.microsoft.com/office/mac/drawingml/2011/main" xmlns:a14="http://schemas.microsoft.com/office/drawing/2010/main" xmlns:m="http://schemas.openxmlformats.org/officeDocument/2006/math" xmlns="" val="1"/>
+              <ma14:wrappingTextBoxFlag xmlns="" xmlns:m="http://schemas.openxmlformats.org/officeDocument/2006/math" xmlns:a14="http://schemas.microsoft.com/office/drawing/2010/main" xmlns:ma14="http://schemas.microsoft.com/office/mac/drawingml/2011/main" val="1"/>
             </a:ext>
           </a:extLst>
         </p:spPr>
@@ -16001,7 +16001,15 @@
           <a:p>
             <a:r>
               <a:rPr lang="en-GB" dirty="0"/>
-              <a:t>A them is most productive then the average Knowledge Discovery Efficiency (KEDE) is maximised.</a:t>
+              <a:t>A team is most </a:t>
+            </a:r>
+            <a:r>
+              <a:rPr lang="en-GB"/>
+              <a:t>productive when </a:t>
+            </a:r>
+            <a:r>
+              <a:rPr lang="en-GB" dirty="0"/>
+              <a:t>the average Knowledge Discovery Efficiency (KEDE) is maximised.</a:t>
             </a:r>
           </a:p>
           <a:p>
